--- a/hi/view powerpoint.pptx
+++ b/hi/view powerpoint.pptx
@@ -3613,6 +3613,12 @@
           <a:prstGeom prst="rect">
             <a:avLst/>
           </a:prstGeom>
+          <a:solidFill>
+            <a:srgbClr val="FFC6AA"/>
+          </a:solidFill>
+          <a:ln>
+            <a:noFill/>
+          </a:ln>
         </p:spPr>
         <p:style>
           <a:lnRef idx="2">
@@ -3636,22 +3642,38 @@
           <a:p>
             <a:pPr algn="ctr"/>
             <a:r>
-              <a:rPr lang="en-US" altLang="ko-KR" dirty="0" err="1" smtClean="0"/>
+              <a:rPr lang="en-US" altLang="ko-KR" dirty="0" err="1" smtClean="0">
+                <a:solidFill>
+                  <a:sysClr val="windowText" lastClr="000000"/>
+                </a:solidFill>
+              </a:rPr>
               <a:t>Congraturation</a:t>
             </a:r>
             <a:r>
-              <a:rPr lang="en-US" altLang="ko-KR" dirty="0" smtClean="0"/>
+              <a:rPr lang="en-US" altLang="ko-KR" dirty="0" smtClean="0">
+                <a:solidFill>
+                  <a:sysClr val="windowText" lastClr="000000"/>
+                </a:solidFill>
+              </a:rPr>
               <a:t>!!</a:t>
             </a:r>
           </a:p>
           <a:p>
             <a:pPr algn="ctr"/>
             <a:r>
-              <a:rPr lang="ko-KR" altLang="en-US" dirty="0" smtClean="0"/>
+              <a:rPr lang="ko-KR" altLang="en-US" dirty="0" smtClean="0">
+                <a:solidFill>
+                  <a:sysClr val="windowText" lastClr="000000"/>
+                </a:solidFill>
+              </a:rPr>
               <a:t>가입을 축하합니다</a:t>
             </a:r>
             <a:r>
-              <a:rPr lang="en-US" altLang="ko-KR" dirty="0" smtClean="0"/>
+              <a:rPr lang="en-US" altLang="ko-KR" dirty="0" smtClean="0">
+                <a:solidFill>
+                  <a:sysClr val="windowText" lastClr="000000"/>
+                </a:solidFill>
+              </a:rPr>
               <a:t>!!</a:t>
             </a:r>
           </a:p>
@@ -3671,6 +3693,12 @@
           <a:prstGeom prst="rect">
             <a:avLst/>
           </a:prstGeom>
+          <a:solidFill>
+            <a:srgbClr val="FFC6AA"/>
+          </a:solidFill>
+          <a:ln>
+            <a:noFill/>
+          </a:ln>
         </p:spPr>
         <p:style>
           <a:lnRef idx="2">
@@ -3694,14 +3722,26 @@
           <a:p>
             <a:pPr algn="ctr"/>
             <a:r>
-              <a:rPr lang="ko-KR" altLang="en-US" dirty="0" smtClean="0"/>
+              <a:rPr lang="ko-KR" altLang="en-US" dirty="0" smtClean="0">
+                <a:solidFill>
+                  <a:sysClr val="windowText" lastClr="000000"/>
+                </a:solidFill>
+              </a:rPr>
               <a:t>리뷰 달러 가기</a:t>
             </a:r>
             <a:r>
-              <a:rPr lang="en-US" altLang="ko-KR" dirty="0" smtClean="0"/>
+              <a:rPr lang="en-US" altLang="ko-KR" dirty="0" smtClean="0">
+                <a:solidFill>
+                  <a:sysClr val="windowText" lastClr="000000"/>
+                </a:solidFill>
+              </a:rPr>
               <a:t>!</a:t>
             </a:r>
-            <a:endParaRPr lang="ko-KR" altLang="en-US" dirty="0"/>
+            <a:endParaRPr lang="ko-KR" altLang="en-US" dirty="0">
+              <a:solidFill>
+                <a:sysClr val="windowText" lastClr="000000"/>
+              </a:solidFill>
+            </a:endParaRPr>
           </a:p>
         </p:txBody>
       </p:sp>
@@ -3719,6 +3759,12 @@
           <a:prstGeom prst="rect">
             <a:avLst/>
           </a:prstGeom>
+          <a:solidFill>
+            <a:srgbClr val="FFC6AA"/>
+          </a:solidFill>
+          <a:ln>
+            <a:noFill/>
+          </a:ln>
         </p:spPr>
         <p:style>
           <a:lnRef idx="2">
@@ -3742,14 +3788,26 @@
           <a:p>
             <a:pPr algn="ctr"/>
             <a:r>
-              <a:rPr lang="ko-KR" altLang="en-US" dirty="0" smtClean="0"/>
+              <a:rPr lang="ko-KR" altLang="en-US" dirty="0" smtClean="0">
+                <a:solidFill>
+                  <a:sysClr val="windowText" lastClr="000000"/>
+                </a:solidFill>
+              </a:rPr>
               <a:t>리뷰 보러 가기</a:t>
             </a:r>
             <a:r>
-              <a:rPr lang="en-US" altLang="ko-KR" dirty="0" smtClean="0"/>
+              <a:rPr lang="en-US" altLang="ko-KR" dirty="0" smtClean="0">
+                <a:solidFill>
+                  <a:sysClr val="windowText" lastClr="000000"/>
+                </a:solidFill>
+              </a:rPr>
               <a:t>!</a:t>
             </a:r>
-            <a:endParaRPr lang="ko-KR" altLang="en-US" dirty="0"/>
+            <a:endParaRPr lang="ko-KR" altLang="en-US" dirty="0">
+              <a:solidFill>
+                <a:sysClr val="windowText" lastClr="000000"/>
+              </a:solidFill>
+            </a:endParaRPr>
           </a:p>
         </p:txBody>
       </p:sp>
@@ -3798,15 +3856,10 @@
             <a:avLst/>
           </a:prstGeom>
           <a:solidFill>
-            <a:schemeClr val="accent4">
-              <a:lumMod val="40000"/>
-              <a:lumOff val="60000"/>
-            </a:schemeClr>
-          </a:solidFill>
-          <a:ln>
-            <a:solidFill>
-              <a:schemeClr val="tx1"/>
-            </a:solidFill>
+            <a:srgbClr val="FFB9C6"/>
+          </a:solidFill>
+          <a:ln>
+            <a:noFill/>
           </a:ln>
         </p:spPr>
         <p:style>
@@ -3848,6 +3901,12 @@
           <a:prstGeom prst="roundRect">
             <a:avLst/>
           </a:prstGeom>
+          <a:solidFill>
+            <a:srgbClr val="FFC6AA"/>
+          </a:solidFill>
+          <a:ln>
+            <a:noFill/>
+          </a:ln>
         </p:spPr>
         <p:style>
           <a:lnRef idx="2">
@@ -3892,7 +3951,9 @@
           <a:prstGeom prst="rect">
             <a:avLst/>
           </a:prstGeom>
-          <a:noFill/>
+          <a:solidFill>
+            <a:srgbClr val="FFB9C6"/>
+          </a:solidFill>
         </p:spPr>
         <p:txBody>
           <a:bodyPr wrap="square" rtlCol="0">
@@ -3901,10 +3962,10 @@
           <a:lstStyle/>
           <a:p>
             <a:r>
-              <a:rPr lang="ko-KR" altLang="en-US" smtClean="0"/>
+              <a:rPr lang="ko-KR" altLang="en-US" dirty="0" smtClean="0"/>
               <a:t>상품 가격</a:t>
             </a:r>
-            <a:endParaRPr lang="ko-KR" altLang="en-US"/>
+            <a:endParaRPr lang="ko-KR" altLang="en-US" dirty="0"/>
           </a:p>
         </p:txBody>
       </p:sp>
@@ -3922,7 +3983,9 @@
           <a:prstGeom prst="rect">
             <a:avLst/>
           </a:prstGeom>
-          <a:noFill/>
+          <a:solidFill>
+            <a:srgbClr val="FFB9C6"/>
+          </a:solidFill>
         </p:spPr>
         <p:txBody>
           <a:bodyPr wrap="square" rtlCol="0">
@@ -3940,13 +4003,13 @@
       </p:sp>
       <p:sp>
         <p:nvSpPr>
-          <p:cNvPr id="6" name="직사각형 5"/>
+          <p:cNvPr id="18" name="직사각형 17"/>
           <p:cNvSpPr/>
           <p:nvPr/>
         </p:nvSpPr>
         <p:spPr>
           <a:xfrm>
-            <a:off x="1149531" y="2860766"/>
+            <a:off x="1149530" y="2860766"/>
             <a:ext cx="2834641" cy="3997234"/>
           </a:xfrm>
           <a:prstGeom prst="rect">
@@ -3986,18 +4049,23 @@
       </p:sp>
       <p:sp>
         <p:nvSpPr>
-          <p:cNvPr id="7" name="직사각형 6"/>
+          <p:cNvPr id="19" name="직사각형 18"/>
           <p:cNvSpPr/>
           <p:nvPr/>
         </p:nvSpPr>
         <p:spPr>
           <a:xfrm>
-            <a:off x="1463040" y="3122022"/>
+            <a:off x="1463039" y="3122022"/>
             <a:ext cx="2129246" cy="1776549"/>
           </a:xfrm>
           <a:prstGeom prst="rect">
             <a:avLst/>
           </a:prstGeom>
+          <a:ln>
+            <a:solidFill>
+              <a:schemeClr val="tx1"/>
+            </a:solidFill>
+          </a:ln>
         </p:spPr>
         <p:style>
           <a:lnRef idx="2">
@@ -4021,27 +4089,43 @@
           <a:p>
             <a:pPr algn="ctr"/>
             <a:r>
-              <a:rPr lang="en-US" altLang="ko-KR" dirty="0" smtClean="0"/>
+              <a:rPr lang="en-US" altLang="ko-KR" dirty="0" smtClean="0">
+                <a:solidFill>
+                  <a:sysClr val="windowText" lastClr="000000"/>
+                </a:solidFill>
+              </a:rPr>
               <a:t>PIC</a:t>
             </a:r>
-            <a:endParaRPr lang="ko-KR" altLang="en-US" dirty="0"/>
-          </a:p>
-        </p:txBody>
-      </p:sp>
-      <p:sp>
-        <p:nvSpPr>
-          <p:cNvPr id="8" name="직사각형 7"/>
+            <a:endParaRPr lang="ko-KR" altLang="en-US" dirty="0">
+              <a:solidFill>
+                <a:sysClr val="windowText" lastClr="000000"/>
+              </a:solidFill>
+            </a:endParaRPr>
+          </a:p>
+        </p:txBody>
+      </p:sp>
+      <p:sp>
+        <p:nvSpPr>
+          <p:cNvPr id="20" name="직사각형 19"/>
           <p:cNvSpPr/>
           <p:nvPr/>
         </p:nvSpPr>
         <p:spPr>
           <a:xfrm>
-            <a:off x="1463040" y="5081452"/>
+            <a:off x="1463039" y="5081452"/>
             <a:ext cx="2129246" cy="561703"/>
           </a:xfrm>
           <a:prstGeom prst="rect">
             <a:avLst/>
           </a:prstGeom>
+          <a:solidFill>
+            <a:schemeClr val="bg1"/>
+          </a:solidFill>
+          <a:ln>
+            <a:solidFill>
+              <a:schemeClr val="tx1"/>
+            </a:solidFill>
+          </a:ln>
         </p:spPr>
         <p:style>
           <a:lnRef idx="2">
@@ -4065,27 +4149,43 @@
           <a:p>
             <a:pPr algn="ctr"/>
             <a:r>
-              <a:rPr lang="en-US" altLang="ko-KR" dirty="0" smtClean="0"/>
+              <a:rPr lang="en-US" altLang="ko-KR" dirty="0" smtClean="0">
+                <a:solidFill>
+                  <a:sysClr val="windowText" lastClr="000000"/>
+                </a:solidFill>
+              </a:rPr>
               <a:t>Rank</a:t>
             </a:r>
-            <a:endParaRPr lang="ko-KR" altLang="en-US" dirty="0"/>
-          </a:p>
-        </p:txBody>
-      </p:sp>
-      <p:sp>
-        <p:nvSpPr>
-          <p:cNvPr id="9" name="직사각형 8"/>
+            <a:endParaRPr lang="ko-KR" altLang="en-US" dirty="0">
+              <a:solidFill>
+                <a:sysClr val="windowText" lastClr="000000"/>
+              </a:solidFill>
+            </a:endParaRPr>
+          </a:p>
+        </p:txBody>
+      </p:sp>
+      <p:sp>
+        <p:nvSpPr>
+          <p:cNvPr id="21" name="직사각형 20"/>
           <p:cNvSpPr/>
           <p:nvPr/>
         </p:nvSpPr>
         <p:spPr>
           <a:xfrm>
-            <a:off x="1463040" y="5865223"/>
+            <a:off x="1463039" y="5865223"/>
             <a:ext cx="2129246" cy="809897"/>
           </a:xfrm>
           <a:prstGeom prst="rect">
             <a:avLst/>
           </a:prstGeom>
+          <a:solidFill>
+            <a:schemeClr val="bg1"/>
+          </a:solidFill>
+          <a:ln>
+            <a:solidFill>
+              <a:schemeClr val="tx1"/>
+            </a:solidFill>
+          </a:ln>
         </p:spPr>
         <p:style>
           <a:lnRef idx="2">
@@ -4109,22 +4209,30 @@
           <a:p>
             <a:pPr algn="ctr"/>
             <a:r>
-              <a:rPr lang="en-US" altLang="ko-KR" dirty="0" err="1" smtClean="0"/>
+              <a:rPr lang="en-US" altLang="ko-KR" dirty="0" err="1" smtClean="0">
+                <a:solidFill>
+                  <a:sysClr val="windowText" lastClr="000000"/>
+                </a:solidFill>
+              </a:rPr>
               <a:t>TextArea</a:t>
             </a:r>
-            <a:endParaRPr lang="ko-KR" altLang="en-US" dirty="0"/>
-          </a:p>
-        </p:txBody>
-      </p:sp>
-      <p:sp>
-        <p:nvSpPr>
-          <p:cNvPr id="10" name="직사각형 9"/>
+            <a:endParaRPr lang="ko-KR" altLang="en-US" dirty="0">
+              <a:solidFill>
+                <a:sysClr val="windowText" lastClr="000000"/>
+              </a:solidFill>
+            </a:endParaRPr>
+          </a:p>
+        </p:txBody>
+      </p:sp>
+      <p:sp>
+        <p:nvSpPr>
+          <p:cNvPr id="22" name="직사각형 21"/>
           <p:cNvSpPr/>
           <p:nvPr/>
         </p:nvSpPr>
         <p:spPr>
           <a:xfrm>
-            <a:off x="4741817" y="2860766"/>
+            <a:off x="4552153" y="2860766"/>
             <a:ext cx="2834641" cy="3997234"/>
           </a:xfrm>
           <a:prstGeom prst="rect">
@@ -4164,18 +4272,23 @@
       </p:sp>
       <p:sp>
         <p:nvSpPr>
-          <p:cNvPr id="11" name="직사각형 10"/>
+          <p:cNvPr id="23" name="직사각형 22"/>
           <p:cNvSpPr/>
           <p:nvPr/>
         </p:nvSpPr>
         <p:spPr>
           <a:xfrm>
-            <a:off x="5055326" y="3122022"/>
+            <a:off x="4865662" y="3122022"/>
             <a:ext cx="2129246" cy="1776549"/>
           </a:xfrm>
           <a:prstGeom prst="rect">
             <a:avLst/>
           </a:prstGeom>
+          <a:ln>
+            <a:solidFill>
+              <a:schemeClr val="tx1"/>
+            </a:solidFill>
+          </a:ln>
         </p:spPr>
         <p:style>
           <a:lnRef idx="2">
@@ -4199,27 +4312,43 @@
           <a:p>
             <a:pPr algn="ctr"/>
             <a:r>
-              <a:rPr lang="en-US" altLang="ko-KR" dirty="0" smtClean="0"/>
+              <a:rPr lang="en-US" altLang="ko-KR" dirty="0" smtClean="0">
+                <a:solidFill>
+                  <a:sysClr val="windowText" lastClr="000000"/>
+                </a:solidFill>
+              </a:rPr>
               <a:t>PIC</a:t>
             </a:r>
-            <a:endParaRPr lang="ko-KR" altLang="en-US" dirty="0"/>
-          </a:p>
-        </p:txBody>
-      </p:sp>
-      <p:sp>
-        <p:nvSpPr>
-          <p:cNvPr id="12" name="직사각형 11"/>
+            <a:endParaRPr lang="ko-KR" altLang="en-US" dirty="0">
+              <a:solidFill>
+                <a:sysClr val="windowText" lastClr="000000"/>
+              </a:solidFill>
+            </a:endParaRPr>
+          </a:p>
+        </p:txBody>
+      </p:sp>
+      <p:sp>
+        <p:nvSpPr>
+          <p:cNvPr id="24" name="직사각형 23"/>
           <p:cNvSpPr/>
           <p:nvPr/>
         </p:nvSpPr>
         <p:spPr>
           <a:xfrm>
-            <a:off x="5055326" y="5081452"/>
+            <a:off x="4865662" y="5081452"/>
             <a:ext cx="2129246" cy="561703"/>
           </a:xfrm>
           <a:prstGeom prst="rect">
             <a:avLst/>
           </a:prstGeom>
+          <a:solidFill>
+            <a:schemeClr val="bg1"/>
+          </a:solidFill>
+          <a:ln>
+            <a:solidFill>
+              <a:schemeClr val="tx1"/>
+            </a:solidFill>
+          </a:ln>
         </p:spPr>
         <p:style>
           <a:lnRef idx="2">
@@ -4243,27 +4372,43 @@
           <a:p>
             <a:pPr algn="ctr"/>
             <a:r>
-              <a:rPr lang="en-US" altLang="ko-KR" dirty="0" smtClean="0"/>
+              <a:rPr lang="en-US" altLang="ko-KR" dirty="0" smtClean="0">
+                <a:solidFill>
+                  <a:sysClr val="windowText" lastClr="000000"/>
+                </a:solidFill>
+              </a:rPr>
               <a:t>Rank</a:t>
             </a:r>
-            <a:endParaRPr lang="ko-KR" altLang="en-US" dirty="0"/>
-          </a:p>
-        </p:txBody>
-      </p:sp>
-      <p:sp>
-        <p:nvSpPr>
-          <p:cNvPr id="13" name="직사각형 12"/>
+            <a:endParaRPr lang="ko-KR" altLang="en-US" dirty="0">
+              <a:solidFill>
+                <a:sysClr val="windowText" lastClr="000000"/>
+              </a:solidFill>
+            </a:endParaRPr>
+          </a:p>
+        </p:txBody>
+      </p:sp>
+      <p:sp>
+        <p:nvSpPr>
+          <p:cNvPr id="25" name="직사각형 24"/>
           <p:cNvSpPr/>
           <p:nvPr/>
         </p:nvSpPr>
         <p:spPr>
           <a:xfrm>
-            <a:off x="5055326" y="5865223"/>
+            <a:off x="4865662" y="5865223"/>
             <a:ext cx="2129246" cy="809897"/>
           </a:xfrm>
           <a:prstGeom prst="rect">
             <a:avLst/>
           </a:prstGeom>
+          <a:solidFill>
+            <a:schemeClr val="bg1"/>
+          </a:solidFill>
+          <a:ln>
+            <a:solidFill>
+              <a:schemeClr val="tx1"/>
+            </a:solidFill>
+          </a:ln>
         </p:spPr>
         <p:style>
           <a:lnRef idx="2">
@@ -4287,22 +4432,30 @@
           <a:p>
             <a:pPr algn="ctr"/>
             <a:r>
-              <a:rPr lang="en-US" altLang="ko-KR" dirty="0" err="1" smtClean="0"/>
+              <a:rPr lang="en-US" altLang="ko-KR" dirty="0" err="1" smtClean="0">
+                <a:solidFill>
+                  <a:sysClr val="windowText" lastClr="000000"/>
+                </a:solidFill>
+              </a:rPr>
               <a:t>TextArea</a:t>
             </a:r>
-            <a:endParaRPr lang="ko-KR" altLang="en-US" dirty="0"/>
-          </a:p>
-        </p:txBody>
-      </p:sp>
-      <p:sp>
-        <p:nvSpPr>
-          <p:cNvPr id="14" name="직사각형 13"/>
+            <a:endParaRPr lang="ko-KR" altLang="en-US" dirty="0">
+              <a:solidFill>
+                <a:sysClr val="windowText" lastClr="000000"/>
+              </a:solidFill>
+            </a:endParaRPr>
+          </a:p>
+        </p:txBody>
+      </p:sp>
+      <p:sp>
+        <p:nvSpPr>
+          <p:cNvPr id="26" name="직사각형 25"/>
           <p:cNvSpPr/>
           <p:nvPr/>
         </p:nvSpPr>
         <p:spPr>
           <a:xfrm>
-            <a:off x="7889967" y="2860766"/>
+            <a:off x="7889966" y="2860766"/>
             <a:ext cx="2834641" cy="3997234"/>
           </a:xfrm>
           <a:prstGeom prst="rect">
@@ -4342,18 +4495,23 @@
       </p:sp>
       <p:sp>
         <p:nvSpPr>
-          <p:cNvPr id="15" name="직사각형 14"/>
+          <p:cNvPr id="27" name="직사각형 26"/>
           <p:cNvSpPr/>
           <p:nvPr/>
         </p:nvSpPr>
         <p:spPr>
           <a:xfrm>
-            <a:off x="8203476" y="3122022"/>
+            <a:off x="8203475" y="3122022"/>
             <a:ext cx="2129246" cy="1776549"/>
           </a:xfrm>
           <a:prstGeom prst="rect">
             <a:avLst/>
           </a:prstGeom>
+          <a:ln>
+            <a:solidFill>
+              <a:schemeClr val="tx1"/>
+            </a:solidFill>
+          </a:ln>
         </p:spPr>
         <p:style>
           <a:lnRef idx="2">
@@ -4377,27 +4535,43 @@
           <a:p>
             <a:pPr algn="ctr"/>
             <a:r>
-              <a:rPr lang="en-US" altLang="ko-KR" dirty="0" smtClean="0"/>
+              <a:rPr lang="en-US" altLang="ko-KR" dirty="0" smtClean="0">
+                <a:solidFill>
+                  <a:sysClr val="windowText" lastClr="000000"/>
+                </a:solidFill>
+              </a:rPr>
               <a:t>PIC</a:t>
             </a:r>
-            <a:endParaRPr lang="ko-KR" altLang="en-US" dirty="0"/>
-          </a:p>
-        </p:txBody>
-      </p:sp>
-      <p:sp>
-        <p:nvSpPr>
-          <p:cNvPr id="16" name="직사각형 15"/>
+            <a:endParaRPr lang="ko-KR" altLang="en-US" dirty="0">
+              <a:solidFill>
+                <a:sysClr val="windowText" lastClr="000000"/>
+              </a:solidFill>
+            </a:endParaRPr>
+          </a:p>
+        </p:txBody>
+      </p:sp>
+      <p:sp>
+        <p:nvSpPr>
+          <p:cNvPr id="28" name="직사각형 27"/>
           <p:cNvSpPr/>
           <p:nvPr/>
         </p:nvSpPr>
         <p:spPr>
           <a:xfrm>
-            <a:off x="8203476" y="5081452"/>
+            <a:off x="8203475" y="5081452"/>
             <a:ext cx="2129246" cy="561703"/>
           </a:xfrm>
           <a:prstGeom prst="rect">
             <a:avLst/>
           </a:prstGeom>
+          <a:solidFill>
+            <a:schemeClr val="bg1"/>
+          </a:solidFill>
+          <a:ln>
+            <a:solidFill>
+              <a:schemeClr val="tx1"/>
+            </a:solidFill>
+          </a:ln>
         </p:spPr>
         <p:style>
           <a:lnRef idx="2">
@@ -4421,27 +4595,43 @@
           <a:p>
             <a:pPr algn="ctr"/>
             <a:r>
-              <a:rPr lang="en-US" altLang="ko-KR" dirty="0" smtClean="0"/>
+              <a:rPr lang="en-US" altLang="ko-KR" dirty="0" smtClean="0">
+                <a:solidFill>
+                  <a:sysClr val="windowText" lastClr="000000"/>
+                </a:solidFill>
+              </a:rPr>
               <a:t>Rank</a:t>
             </a:r>
-            <a:endParaRPr lang="ko-KR" altLang="en-US" dirty="0"/>
-          </a:p>
-        </p:txBody>
-      </p:sp>
-      <p:sp>
-        <p:nvSpPr>
-          <p:cNvPr id="17" name="직사각형 16"/>
+            <a:endParaRPr lang="ko-KR" altLang="en-US" dirty="0">
+              <a:solidFill>
+                <a:sysClr val="windowText" lastClr="000000"/>
+              </a:solidFill>
+            </a:endParaRPr>
+          </a:p>
+        </p:txBody>
+      </p:sp>
+      <p:sp>
+        <p:nvSpPr>
+          <p:cNvPr id="29" name="직사각형 28"/>
           <p:cNvSpPr/>
           <p:nvPr/>
         </p:nvSpPr>
         <p:spPr>
           <a:xfrm>
-            <a:off x="8203476" y="5865223"/>
+            <a:off x="8203475" y="5865223"/>
             <a:ext cx="2129246" cy="809897"/>
           </a:xfrm>
           <a:prstGeom prst="rect">
             <a:avLst/>
           </a:prstGeom>
+          <a:solidFill>
+            <a:schemeClr val="bg1"/>
+          </a:solidFill>
+          <a:ln>
+            <a:solidFill>
+              <a:schemeClr val="tx1"/>
+            </a:solidFill>
+          </a:ln>
         </p:spPr>
         <p:style>
           <a:lnRef idx="2">
@@ -4465,10 +4655,18 @@
           <a:p>
             <a:pPr algn="ctr"/>
             <a:r>
-              <a:rPr lang="en-US" altLang="ko-KR" dirty="0" err="1" smtClean="0"/>
+              <a:rPr lang="en-US" altLang="ko-KR" dirty="0" err="1" smtClean="0">
+                <a:solidFill>
+                  <a:sysClr val="windowText" lastClr="000000"/>
+                </a:solidFill>
+              </a:rPr>
               <a:t>TextArea</a:t>
             </a:r>
-            <a:endParaRPr lang="ko-KR" altLang="en-US" dirty="0"/>
+            <a:endParaRPr lang="ko-KR" altLang="en-US" dirty="0">
+              <a:solidFill>
+                <a:sysClr val="windowText" lastClr="000000"/>
+              </a:solidFill>
+            </a:endParaRPr>
           </a:p>
         </p:txBody>
       </p:sp>
@@ -4516,6 +4714,12 @@
           <a:prstGeom prst="roundRect">
             <a:avLst/>
           </a:prstGeom>
+          <a:solidFill>
+            <a:srgbClr val="FFB9C6"/>
+          </a:solidFill>
+          <a:ln>
+            <a:noFill/>
+          </a:ln>
         </p:spPr>
         <p:style>
           <a:lnRef idx="2">
@@ -4557,15 +4761,10 @@
             <a:avLst/>
           </a:prstGeom>
           <a:solidFill>
-            <a:schemeClr val="accent4">
-              <a:lumMod val="40000"/>
-              <a:lumOff val="60000"/>
-            </a:schemeClr>
-          </a:solidFill>
-          <a:ln>
-            <a:solidFill>
-              <a:schemeClr val="tx1"/>
-            </a:solidFill>
+            <a:srgbClr val="FFC6AA"/>
+          </a:solidFill>
+          <a:ln>
+            <a:noFill/>
           </a:ln>
         </p:spPr>
         <p:style>
@@ -4599,13 +4798,77 @@
       </p:sp>
       <p:sp>
         <p:nvSpPr>
-          <p:cNvPr id="4" name="직사각형 3"/>
+          <p:cNvPr id="16" name="TextBox 15"/>
+          <p:cNvSpPr txBox="1"/>
+          <p:nvPr/>
+        </p:nvSpPr>
+        <p:spPr>
+          <a:xfrm>
+            <a:off x="4548387" y="939521"/>
+            <a:ext cx="4650377" cy="369332"/>
+          </a:xfrm>
+          <a:prstGeom prst="rect">
+            <a:avLst/>
+          </a:prstGeom>
+          <a:solidFill>
+            <a:srgbClr val="FFB9C6"/>
+          </a:solidFill>
+        </p:spPr>
+        <p:txBody>
+          <a:bodyPr wrap="square" rtlCol="0">
+            <a:spAutoFit/>
+          </a:bodyPr>
+          <a:lstStyle/>
+          <a:p>
+            <a:r>
+              <a:rPr lang="ko-KR" altLang="en-US" dirty="0" smtClean="0"/>
+              <a:t>상품 가격</a:t>
+            </a:r>
+            <a:endParaRPr lang="ko-KR" altLang="en-US" dirty="0"/>
+          </a:p>
+        </p:txBody>
+      </p:sp>
+      <p:sp>
+        <p:nvSpPr>
+          <p:cNvPr id="17" name="TextBox 16"/>
+          <p:cNvSpPr txBox="1"/>
+          <p:nvPr/>
+        </p:nvSpPr>
+        <p:spPr>
+          <a:xfrm>
+            <a:off x="4548387" y="1557047"/>
+            <a:ext cx="4650377" cy="369332"/>
+          </a:xfrm>
+          <a:prstGeom prst="rect">
+            <a:avLst/>
+          </a:prstGeom>
+          <a:solidFill>
+            <a:srgbClr val="FFB9C6"/>
+          </a:solidFill>
+        </p:spPr>
+        <p:txBody>
+          <a:bodyPr wrap="square" rtlCol="0">
+            <a:spAutoFit/>
+          </a:bodyPr>
+          <a:lstStyle/>
+          <a:p>
+            <a:r>
+              <a:rPr lang="ko-KR" altLang="en-US" dirty="0" smtClean="0"/>
+              <a:t>상품 정보</a:t>
+            </a:r>
+            <a:endParaRPr lang="ko-KR" altLang="en-US" dirty="0"/>
+          </a:p>
+        </p:txBody>
+      </p:sp>
+      <p:sp>
+        <p:nvSpPr>
+          <p:cNvPr id="18" name="직사각형 17"/>
           <p:cNvSpPr/>
           <p:nvPr/>
         </p:nvSpPr>
         <p:spPr>
           <a:xfrm>
-            <a:off x="1149531" y="2860766"/>
+            <a:off x="1149530" y="2860766"/>
             <a:ext cx="2834641" cy="3997234"/>
           </a:xfrm>
           <a:prstGeom prst="rect">
@@ -4645,18 +4908,23 @@
       </p:sp>
       <p:sp>
         <p:nvSpPr>
-          <p:cNvPr id="5" name="직사각형 4"/>
+          <p:cNvPr id="19" name="직사각형 18"/>
           <p:cNvSpPr/>
           <p:nvPr/>
         </p:nvSpPr>
         <p:spPr>
           <a:xfrm>
-            <a:off x="1463040" y="3122022"/>
+            <a:off x="1463039" y="3122022"/>
             <a:ext cx="2129246" cy="1776549"/>
           </a:xfrm>
           <a:prstGeom prst="rect">
             <a:avLst/>
           </a:prstGeom>
+          <a:ln>
+            <a:solidFill>
+              <a:schemeClr val="tx1"/>
+            </a:solidFill>
+          </a:ln>
         </p:spPr>
         <p:style>
           <a:lnRef idx="2">
@@ -4680,27 +4948,43 @@
           <a:p>
             <a:pPr algn="ctr"/>
             <a:r>
-              <a:rPr lang="en-US" altLang="ko-KR" dirty="0" smtClean="0"/>
+              <a:rPr lang="en-US" altLang="ko-KR" dirty="0" smtClean="0">
+                <a:solidFill>
+                  <a:sysClr val="windowText" lastClr="000000"/>
+                </a:solidFill>
+              </a:rPr>
               <a:t>PIC</a:t>
             </a:r>
-            <a:endParaRPr lang="ko-KR" altLang="en-US" dirty="0"/>
-          </a:p>
-        </p:txBody>
-      </p:sp>
-      <p:sp>
-        <p:nvSpPr>
-          <p:cNvPr id="6" name="직사각형 5"/>
+            <a:endParaRPr lang="ko-KR" altLang="en-US" dirty="0">
+              <a:solidFill>
+                <a:sysClr val="windowText" lastClr="000000"/>
+              </a:solidFill>
+            </a:endParaRPr>
+          </a:p>
+        </p:txBody>
+      </p:sp>
+      <p:sp>
+        <p:nvSpPr>
+          <p:cNvPr id="20" name="직사각형 19"/>
           <p:cNvSpPr/>
           <p:nvPr/>
         </p:nvSpPr>
         <p:spPr>
           <a:xfrm>
-            <a:off x="1463040" y="5081452"/>
+            <a:off x="1463039" y="5081452"/>
             <a:ext cx="2129246" cy="561703"/>
           </a:xfrm>
           <a:prstGeom prst="rect">
             <a:avLst/>
           </a:prstGeom>
+          <a:solidFill>
+            <a:schemeClr val="bg1"/>
+          </a:solidFill>
+          <a:ln>
+            <a:solidFill>
+              <a:schemeClr val="tx1"/>
+            </a:solidFill>
+          </a:ln>
         </p:spPr>
         <p:style>
           <a:lnRef idx="2">
@@ -4724,27 +5008,43 @@
           <a:p>
             <a:pPr algn="ctr"/>
             <a:r>
-              <a:rPr lang="en-US" altLang="ko-KR" dirty="0" smtClean="0"/>
+              <a:rPr lang="en-US" altLang="ko-KR" dirty="0" smtClean="0">
+                <a:solidFill>
+                  <a:sysClr val="windowText" lastClr="000000"/>
+                </a:solidFill>
+              </a:rPr>
               <a:t>Rank</a:t>
             </a:r>
-            <a:endParaRPr lang="ko-KR" altLang="en-US" dirty="0"/>
-          </a:p>
-        </p:txBody>
-      </p:sp>
-      <p:sp>
-        <p:nvSpPr>
-          <p:cNvPr id="7" name="직사각형 6"/>
+            <a:endParaRPr lang="ko-KR" altLang="en-US" dirty="0">
+              <a:solidFill>
+                <a:sysClr val="windowText" lastClr="000000"/>
+              </a:solidFill>
+            </a:endParaRPr>
+          </a:p>
+        </p:txBody>
+      </p:sp>
+      <p:sp>
+        <p:nvSpPr>
+          <p:cNvPr id="21" name="직사각형 20"/>
           <p:cNvSpPr/>
           <p:nvPr/>
         </p:nvSpPr>
         <p:spPr>
           <a:xfrm>
-            <a:off x="1463040" y="5865223"/>
+            <a:off x="1463039" y="5865223"/>
             <a:ext cx="2129246" cy="809897"/>
           </a:xfrm>
           <a:prstGeom prst="rect">
             <a:avLst/>
           </a:prstGeom>
+          <a:solidFill>
+            <a:schemeClr val="bg1"/>
+          </a:solidFill>
+          <a:ln>
+            <a:solidFill>
+              <a:schemeClr val="tx1"/>
+            </a:solidFill>
+          </a:ln>
         </p:spPr>
         <p:style>
           <a:lnRef idx="2">
@@ -4768,22 +5068,30 @@
           <a:p>
             <a:pPr algn="ctr"/>
             <a:r>
-              <a:rPr lang="en-US" altLang="ko-KR" dirty="0" err="1" smtClean="0"/>
+              <a:rPr lang="en-US" altLang="ko-KR" dirty="0" err="1" smtClean="0">
+                <a:solidFill>
+                  <a:sysClr val="windowText" lastClr="000000"/>
+                </a:solidFill>
+              </a:rPr>
               <a:t>TextArea</a:t>
             </a:r>
-            <a:endParaRPr lang="ko-KR" altLang="en-US" dirty="0"/>
-          </a:p>
-        </p:txBody>
-      </p:sp>
-      <p:sp>
-        <p:nvSpPr>
-          <p:cNvPr id="8" name="직사각형 7"/>
+            <a:endParaRPr lang="ko-KR" altLang="en-US" dirty="0">
+              <a:solidFill>
+                <a:sysClr val="windowText" lastClr="000000"/>
+              </a:solidFill>
+            </a:endParaRPr>
+          </a:p>
+        </p:txBody>
+      </p:sp>
+      <p:sp>
+        <p:nvSpPr>
+          <p:cNvPr id="22" name="직사각형 21"/>
           <p:cNvSpPr/>
           <p:nvPr/>
         </p:nvSpPr>
         <p:spPr>
           <a:xfrm>
-            <a:off x="4741817" y="2860766"/>
+            <a:off x="4552153" y="2860766"/>
             <a:ext cx="2834641" cy="3997234"/>
           </a:xfrm>
           <a:prstGeom prst="rect">
@@ -4823,18 +5131,23 @@
       </p:sp>
       <p:sp>
         <p:nvSpPr>
-          <p:cNvPr id="9" name="직사각형 8"/>
+          <p:cNvPr id="23" name="직사각형 22"/>
           <p:cNvSpPr/>
           <p:nvPr/>
         </p:nvSpPr>
         <p:spPr>
           <a:xfrm>
-            <a:off x="5055326" y="3122022"/>
+            <a:off x="4865662" y="3122022"/>
             <a:ext cx="2129246" cy="1776549"/>
           </a:xfrm>
           <a:prstGeom prst="rect">
             <a:avLst/>
           </a:prstGeom>
+          <a:ln>
+            <a:solidFill>
+              <a:schemeClr val="tx1"/>
+            </a:solidFill>
+          </a:ln>
         </p:spPr>
         <p:style>
           <a:lnRef idx="2">
@@ -4858,27 +5171,43 @@
           <a:p>
             <a:pPr algn="ctr"/>
             <a:r>
-              <a:rPr lang="en-US" altLang="ko-KR" dirty="0" smtClean="0"/>
+              <a:rPr lang="en-US" altLang="ko-KR" dirty="0" smtClean="0">
+                <a:solidFill>
+                  <a:sysClr val="windowText" lastClr="000000"/>
+                </a:solidFill>
+              </a:rPr>
               <a:t>PIC</a:t>
             </a:r>
-            <a:endParaRPr lang="ko-KR" altLang="en-US" dirty="0"/>
-          </a:p>
-        </p:txBody>
-      </p:sp>
-      <p:sp>
-        <p:nvSpPr>
-          <p:cNvPr id="10" name="직사각형 9"/>
+            <a:endParaRPr lang="ko-KR" altLang="en-US" dirty="0">
+              <a:solidFill>
+                <a:sysClr val="windowText" lastClr="000000"/>
+              </a:solidFill>
+            </a:endParaRPr>
+          </a:p>
+        </p:txBody>
+      </p:sp>
+      <p:sp>
+        <p:nvSpPr>
+          <p:cNvPr id="24" name="직사각형 23"/>
           <p:cNvSpPr/>
           <p:nvPr/>
         </p:nvSpPr>
         <p:spPr>
           <a:xfrm>
-            <a:off x="5055326" y="5081452"/>
+            <a:off x="4865662" y="5081452"/>
             <a:ext cx="2129246" cy="561703"/>
           </a:xfrm>
           <a:prstGeom prst="rect">
             <a:avLst/>
           </a:prstGeom>
+          <a:solidFill>
+            <a:schemeClr val="bg1"/>
+          </a:solidFill>
+          <a:ln>
+            <a:solidFill>
+              <a:schemeClr val="tx1"/>
+            </a:solidFill>
+          </a:ln>
         </p:spPr>
         <p:style>
           <a:lnRef idx="2">
@@ -4902,27 +5231,43 @@
           <a:p>
             <a:pPr algn="ctr"/>
             <a:r>
-              <a:rPr lang="en-US" altLang="ko-KR" dirty="0" smtClean="0"/>
+              <a:rPr lang="en-US" altLang="ko-KR" dirty="0" smtClean="0">
+                <a:solidFill>
+                  <a:sysClr val="windowText" lastClr="000000"/>
+                </a:solidFill>
+              </a:rPr>
               <a:t>Rank</a:t>
             </a:r>
-            <a:endParaRPr lang="ko-KR" altLang="en-US" dirty="0"/>
-          </a:p>
-        </p:txBody>
-      </p:sp>
-      <p:sp>
-        <p:nvSpPr>
-          <p:cNvPr id="11" name="직사각형 10"/>
+            <a:endParaRPr lang="ko-KR" altLang="en-US" dirty="0">
+              <a:solidFill>
+                <a:sysClr val="windowText" lastClr="000000"/>
+              </a:solidFill>
+            </a:endParaRPr>
+          </a:p>
+        </p:txBody>
+      </p:sp>
+      <p:sp>
+        <p:nvSpPr>
+          <p:cNvPr id="25" name="직사각형 24"/>
           <p:cNvSpPr/>
           <p:nvPr/>
         </p:nvSpPr>
         <p:spPr>
           <a:xfrm>
-            <a:off x="5055326" y="5865223"/>
+            <a:off x="4865662" y="5865223"/>
             <a:ext cx="2129246" cy="809897"/>
           </a:xfrm>
           <a:prstGeom prst="rect">
             <a:avLst/>
           </a:prstGeom>
+          <a:solidFill>
+            <a:schemeClr val="bg1"/>
+          </a:solidFill>
+          <a:ln>
+            <a:solidFill>
+              <a:schemeClr val="tx1"/>
+            </a:solidFill>
+          </a:ln>
         </p:spPr>
         <p:style>
           <a:lnRef idx="2">
@@ -4946,22 +5291,30 @@
           <a:p>
             <a:pPr algn="ctr"/>
             <a:r>
-              <a:rPr lang="en-US" altLang="ko-KR" dirty="0" err="1" smtClean="0"/>
+              <a:rPr lang="en-US" altLang="ko-KR" dirty="0" err="1" smtClean="0">
+                <a:solidFill>
+                  <a:sysClr val="windowText" lastClr="000000"/>
+                </a:solidFill>
+              </a:rPr>
               <a:t>TextArea</a:t>
             </a:r>
-            <a:endParaRPr lang="ko-KR" altLang="en-US" dirty="0"/>
-          </a:p>
-        </p:txBody>
-      </p:sp>
-      <p:sp>
-        <p:nvSpPr>
-          <p:cNvPr id="12" name="직사각형 11"/>
+            <a:endParaRPr lang="ko-KR" altLang="en-US" dirty="0">
+              <a:solidFill>
+                <a:sysClr val="windowText" lastClr="000000"/>
+              </a:solidFill>
+            </a:endParaRPr>
+          </a:p>
+        </p:txBody>
+      </p:sp>
+      <p:sp>
+        <p:nvSpPr>
+          <p:cNvPr id="26" name="직사각형 25"/>
           <p:cNvSpPr/>
           <p:nvPr/>
         </p:nvSpPr>
         <p:spPr>
           <a:xfrm>
-            <a:off x="7889967" y="2860766"/>
+            <a:off x="7889966" y="2860766"/>
             <a:ext cx="2834641" cy="3997234"/>
           </a:xfrm>
           <a:prstGeom prst="rect">
@@ -5001,18 +5354,23 @@
       </p:sp>
       <p:sp>
         <p:nvSpPr>
-          <p:cNvPr id="13" name="직사각형 12"/>
+          <p:cNvPr id="27" name="직사각형 26"/>
           <p:cNvSpPr/>
           <p:nvPr/>
         </p:nvSpPr>
         <p:spPr>
           <a:xfrm>
-            <a:off x="8203476" y="3122022"/>
+            <a:off x="8203475" y="3122022"/>
             <a:ext cx="2129246" cy="1776549"/>
           </a:xfrm>
           <a:prstGeom prst="rect">
             <a:avLst/>
           </a:prstGeom>
+          <a:ln>
+            <a:solidFill>
+              <a:schemeClr val="tx1"/>
+            </a:solidFill>
+          </a:ln>
         </p:spPr>
         <p:style>
           <a:lnRef idx="2">
@@ -5036,27 +5394,43 @@
           <a:p>
             <a:pPr algn="ctr"/>
             <a:r>
-              <a:rPr lang="en-US" altLang="ko-KR" dirty="0" smtClean="0"/>
+              <a:rPr lang="en-US" altLang="ko-KR" dirty="0" smtClean="0">
+                <a:solidFill>
+                  <a:sysClr val="windowText" lastClr="000000"/>
+                </a:solidFill>
+              </a:rPr>
               <a:t>PIC</a:t>
             </a:r>
-            <a:endParaRPr lang="ko-KR" altLang="en-US" dirty="0"/>
-          </a:p>
-        </p:txBody>
-      </p:sp>
-      <p:sp>
-        <p:nvSpPr>
-          <p:cNvPr id="14" name="직사각형 13"/>
+            <a:endParaRPr lang="ko-KR" altLang="en-US" dirty="0">
+              <a:solidFill>
+                <a:sysClr val="windowText" lastClr="000000"/>
+              </a:solidFill>
+            </a:endParaRPr>
+          </a:p>
+        </p:txBody>
+      </p:sp>
+      <p:sp>
+        <p:nvSpPr>
+          <p:cNvPr id="28" name="직사각형 27"/>
           <p:cNvSpPr/>
           <p:nvPr/>
         </p:nvSpPr>
         <p:spPr>
           <a:xfrm>
-            <a:off x="8203476" y="5081452"/>
+            <a:off x="8203475" y="5081452"/>
             <a:ext cx="2129246" cy="561703"/>
           </a:xfrm>
           <a:prstGeom prst="rect">
             <a:avLst/>
           </a:prstGeom>
+          <a:solidFill>
+            <a:schemeClr val="bg1"/>
+          </a:solidFill>
+          <a:ln>
+            <a:solidFill>
+              <a:schemeClr val="tx1"/>
+            </a:solidFill>
+          </a:ln>
         </p:spPr>
         <p:style>
           <a:lnRef idx="2">
@@ -5080,27 +5454,43 @@
           <a:p>
             <a:pPr algn="ctr"/>
             <a:r>
-              <a:rPr lang="en-US" altLang="ko-KR" dirty="0" smtClean="0"/>
+              <a:rPr lang="en-US" altLang="ko-KR" dirty="0" smtClean="0">
+                <a:solidFill>
+                  <a:sysClr val="windowText" lastClr="000000"/>
+                </a:solidFill>
+              </a:rPr>
               <a:t>Rank</a:t>
             </a:r>
-            <a:endParaRPr lang="ko-KR" altLang="en-US" dirty="0"/>
-          </a:p>
-        </p:txBody>
-      </p:sp>
-      <p:sp>
-        <p:nvSpPr>
-          <p:cNvPr id="15" name="직사각형 14"/>
+            <a:endParaRPr lang="ko-KR" altLang="en-US" dirty="0">
+              <a:solidFill>
+                <a:sysClr val="windowText" lastClr="000000"/>
+              </a:solidFill>
+            </a:endParaRPr>
+          </a:p>
+        </p:txBody>
+      </p:sp>
+      <p:sp>
+        <p:nvSpPr>
+          <p:cNvPr id="29" name="직사각형 28"/>
           <p:cNvSpPr/>
           <p:nvPr/>
         </p:nvSpPr>
         <p:spPr>
           <a:xfrm>
-            <a:off x="8203476" y="5865223"/>
+            <a:off x="8203475" y="5865223"/>
             <a:ext cx="2129246" cy="809897"/>
           </a:xfrm>
           <a:prstGeom prst="rect">
             <a:avLst/>
           </a:prstGeom>
+          <a:solidFill>
+            <a:schemeClr val="bg1"/>
+          </a:solidFill>
+          <a:ln>
+            <a:solidFill>
+              <a:schemeClr val="tx1"/>
+            </a:solidFill>
+          </a:ln>
         </p:spPr>
         <p:style>
           <a:lnRef idx="2">
@@ -5124,10 +5514,18 @@
           <a:p>
             <a:pPr algn="ctr"/>
             <a:r>
-              <a:rPr lang="en-US" altLang="ko-KR" dirty="0" err="1" smtClean="0"/>
+              <a:rPr lang="en-US" altLang="ko-KR" dirty="0" err="1" smtClean="0">
+                <a:solidFill>
+                  <a:sysClr val="windowText" lastClr="000000"/>
+                </a:solidFill>
+              </a:rPr>
               <a:t>TextArea</a:t>
             </a:r>
-            <a:endParaRPr lang="ko-KR" altLang="en-US" dirty="0"/>
+            <a:endParaRPr lang="ko-KR" altLang="en-US" dirty="0">
+              <a:solidFill>
+                <a:sysClr val="windowText" lastClr="000000"/>
+              </a:solidFill>
+            </a:endParaRPr>
           </a:p>
         </p:txBody>
       </p:sp>
@@ -5245,6 +5643,12 @@
           <a:prstGeom prst="rect">
             <a:avLst/>
           </a:prstGeom>
+          <a:solidFill>
+            <a:srgbClr val="FFB9C6"/>
+          </a:solidFill>
+          <a:ln>
+            <a:noFill/>
+          </a:ln>
         </p:spPr>
         <p:style>
           <a:lnRef idx="2">
@@ -5268,10 +5672,18 @@
           <a:p>
             <a:pPr algn="ctr"/>
             <a:r>
-              <a:rPr lang="en-US" altLang="ko-KR" dirty="0" smtClean="0"/>
+              <a:rPr lang="en-US" altLang="ko-KR" dirty="0" smtClean="0">
+                <a:solidFill>
+                  <a:sysClr val="windowText" lastClr="000000"/>
+                </a:solidFill>
+              </a:rPr>
               <a:t>Review title</a:t>
             </a:r>
-            <a:endParaRPr lang="ko-KR" altLang="en-US" dirty="0"/>
+            <a:endParaRPr lang="ko-KR" altLang="en-US" dirty="0">
+              <a:solidFill>
+                <a:sysClr val="windowText" lastClr="000000"/>
+              </a:solidFill>
+            </a:endParaRPr>
           </a:p>
         </p:txBody>
       </p:sp>
@@ -5289,6 +5701,14 @@
           <a:prstGeom prst="star5">
             <a:avLst/>
           </a:prstGeom>
+          <a:solidFill>
+            <a:srgbClr val="FFC6AA"/>
+          </a:solidFill>
+          <a:ln>
+            <a:solidFill>
+              <a:schemeClr val="tx1"/>
+            </a:solidFill>
+          </a:ln>
         </p:spPr>
         <p:style>
           <a:lnRef idx="2">
@@ -5311,7 +5731,11 @@
           <a:lstStyle/>
           <a:p>
             <a:pPr algn="ctr"/>
-            <a:endParaRPr lang="ko-KR" altLang="en-US"/>
+            <a:endParaRPr lang="ko-KR" altLang="en-US">
+              <a:solidFill>
+                <a:sysClr val="windowText" lastClr="000000"/>
+              </a:solidFill>
+            </a:endParaRPr>
           </a:p>
         </p:txBody>
       </p:sp>
@@ -5329,6 +5753,14 @@
           <a:prstGeom prst="star5">
             <a:avLst/>
           </a:prstGeom>
+          <a:solidFill>
+            <a:srgbClr val="FFC6AA"/>
+          </a:solidFill>
+          <a:ln>
+            <a:solidFill>
+              <a:schemeClr val="tx1"/>
+            </a:solidFill>
+          </a:ln>
         </p:spPr>
         <p:style>
           <a:lnRef idx="2">
@@ -5351,7 +5783,11 @@
           <a:lstStyle/>
           <a:p>
             <a:pPr algn="ctr"/>
-            <a:endParaRPr lang="ko-KR" altLang="en-US"/>
+            <a:endParaRPr lang="ko-KR" altLang="en-US">
+              <a:solidFill>
+                <a:sysClr val="windowText" lastClr="000000"/>
+              </a:solidFill>
+            </a:endParaRPr>
           </a:p>
         </p:txBody>
       </p:sp>
@@ -5369,6 +5805,14 @@
           <a:prstGeom prst="star5">
             <a:avLst/>
           </a:prstGeom>
+          <a:solidFill>
+            <a:srgbClr val="FFC6AA"/>
+          </a:solidFill>
+          <a:ln>
+            <a:solidFill>
+              <a:schemeClr val="tx1"/>
+            </a:solidFill>
+          </a:ln>
         </p:spPr>
         <p:style>
           <a:lnRef idx="2">
@@ -5391,7 +5835,11 @@
           <a:lstStyle/>
           <a:p>
             <a:pPr algn="ctr"/>
-            <a:endParaRPr lang="ko-KR" altLang="en-US"/>
+            <a:endParaRPr lang="ko-KR" altLang="en-US">
+              <a:solidFill>
+                <a:sysClr val="windowText" lastClr="000000"/>
+              </a:solidFill>
+            </a:endParaRPr>
           </a:p>
         </p:txBody>
       </p:sp>
@@ -5409,6 +5857,14 @@
           <a:prstGeom prst="star5">
             <a:avLst/>
           </a:prstGeom>
+          <a:solidFill>
+            <a:schemeClr val="bg1"/>
+          </a:solidFill>
+          <a:ln>
+            <a:solidFill>
+              <a:schemeClr val="tx1"/>
+            </a:solidFill>
+          </a:ln>
         </p:spPr>
         <p:style>
           <a:lnRef idx="2">
@@ -5431,7 +5887,11 @@
           <a:lstStyle/>
           <a:p>
             <a:pPr algn="ctr"/>
-            <a:endParaRPr lang="ko-KR" altLang="en-US"/>
+            <a:endParaRPr lang="ko-KR" altLang="en-US">
+              <a:solidFill>
+                <a:sysClr val="windowText" lastClr="000000"/>
+              </a:solidFill>
+            </a:endParaRPr>
           </a:p>
         </p:txBody>
       </p:sp>
@@ -5449,6 +5909,14 @@
           <a:prstGeom prst="star5">
             <a:avLst/>
           </a:prstGeom>
+          <a:solidFill>
+            <a:schemeClr val="bg1"/>
+          </a:solidFill>
+          <a:ln>
+            <a:solidFill>
+              <a:schemeClr val="tx1"/>
+            </a:solidFill>
+          </a:ln>
         </p:spPr>
         <p:style>
           <a:lnRef idx="2">
@@ -5471,7 +5939,11 @@
           <a:lstStyle/>
           <a:p>
             <a:pPr algn="ctr"/>
-            <a:endParaRPr lang="ko-KR" altLang="en-US"/>
+            <a:endParaRPr lang="ko-KR" altLang="en-US">
+              <a:solidFill>
+                <a:sysClr val="windowText" lastClr="000000"/>
+              </a:solidFill>
+            </a:endParaRPr>
           </a:p>
         </p:txBody>
       </p:sp>
@@ -5489,6 +5961,14 @@
           <a:prstGeom prst="rect">
             <a:avLst/>
           </a:prstGeom>
+          <a:solidFill>
+            <a:srgbClr val="FFB9C6"/>
+          </a:solidFill>
+          <a:ln>
+            <a:solidFill>
+              <a:schemeClr val="bg1"/>
+            </a:solidFill>
+          </a:ln>
         </p:spPr>
         <p:style>
           <a:lnRef idx="2">
@@ -5512,10 +5992,18 @@
           <a:p>
             <a:pPr algn="ctr"/>
             <a:r>
-              <a:rPr lang="en-US" altLang="ko-KR" dirty="0" err="1" smtClean="0"/>
+              <a:rPr lang="en-US" altLang="ko-KR" dirty="0" err="1" smtClean="0">
+                <a:solidFill>
+                  <a:sysClr val="windowText" lastClr="000000"/>
+                </a:solidFill>
+              </a:rPr>
               <a:t>TextArea</a:t>
             </a:r>
-            <a:endParaRPr lang="ko-KR" altLang="en-US" dirty="0"/>
+            <a:endParaRPr lang="ko-KR" altLang="en-US" dirty="0">
+              <a:solidFill>
+                <a:sysClr val="windowText" lastClr="000000"/>
+              </a:solidFill>
+            </a:endParaRPr>
           </a:p>
         </p:txBody>
       </p:sp>
@@ -5563,6 +6051,14 @@
           <a:prstGeom prst="rect">
             <a:avLst/>
           </a:prstGeom>
+          <a:solidFill>
+            <a:srgbClr val="FFB9C6"/>
+          </a:solidFill>
+          <a:ln>
+            <a:solidFill>
+              <a:schemeClr val="bg1"/>
+            </a:solidFill>
+          </a:ln>
         </p:spPr>
         <p:style>
           <a:lnRef idx="2">
@@ -5586,10 +6082,18 @@
           <a:p>
             <a:pPr algn="ctr"/>
             <a:r>
-              <a:rPr lang="en-US" altLang="ko-KR" dirty="0" err="1" smtClean="0"/>
+              <a:rPr lang="en-US" altLang="ko-KR" dirty="0" err="1" smtClean="0">
+                <a:solidFill>
+                  <a:sysClr val="windowText" lastClr="000000"/>
+                </a:solidFill>
+              </a:rPr>
               <a:t>TextArea</a:t>
             </a:r>
-            <a:endParaRPr lang="ko-KR" altLang="en-US" dirty="0"/>
+            <a:endParaRPr lang="ko-KR" altLang="en-US" dirty="0">
+              <a:solidFill>
+                <a:sysClr val="windowText" lastClr="000000"/>
+              </a:solidFill>
+            </a:endParaRPr>
           </a:p>
         </p:txBody>
       </p:sp>
@@ -5607,6 +6111,14 @@
           <a:prstGeom prst="rect">
             <a:avLst/>
           </a:prstGeom>
+          <a:solidFill>
+            <a:srgbClr val="FFB9C6"/>
+          </a:solidFill>
+          <a:ln>
+            <a:solidFill>
+              <a:schemeClr val="bg1"/>
+            </a:solidFill>
+          </a:ln>
         </p:spPr>
         <p:style>
           <a:lnRef idx="2">
@@ -5630,10 +6142,18 @@
           <a:p>
             <a:pPr algn="ctr"/>
             <a:r>
-              <a:rPr lang="en-US" altLang="ko-KR" dirty="0" smtClean="0"/>
+              <a:rPr lang="en-US" altLang="ko-KR" dirty="0" smtClean="0">
+                <a:solidFill>
+                  <a:sysClr val="windowText" lastClr="000000"/>
+                </a:solidFill>
+              </a:rPr>
               <a:t>Upload</a:t>
             </a:r>
-            <a:endParaRPr lang="ko-KR" altLang="en-US" dirty="0"/>
+            <a:endParaRPr lang="ko-KR" altLang="en-US" dirty="0">
+              <a:solidFill>
+                <a:sysClr val="windowText" lastClr="000000"/>
+              </a:solidFill>
+            </a:endParaRPr>
           </a:p>
         </p:txBody>
       </p:sp>
@@ -5669,28 +6189,23 @@
       </p:grpSpPr>
       <p:sp>
         <p:nvSpPr>
-          <p:cNvPr id="2" name="직사각형 1"/>
+          <p:cNvPr id="6" name="직사각형 5"/>
           <p:cNvSpPr/>
           <p:nvPr/>
         </p:nvSpPr>
         <p:spPr>
           <a:xfrm>
-            <a:off x="1149530" y="378823"/>
-            <a:ext cx="9575077" cy="2377440"/>
-          </a:xfrm>
-          <a:prstGeom prst="rect">
-            <a:avLst/>
-          </a:prstGeom>
-          <a:solidFill>
-            <a:schemeClr val="accent4">
-              <a:lumMod val="40000"/>
-              <a:lumOff val="60000"/>
-            </a:schemeClr>
-          </a:solidFill>
-          <a:ln>
-            <a:solidFill>
-              <a:schemeClr val="tx1"/>
-            </a:solidFill>
+            <a:off x="1149530" y="2860766"/>
+            <a:ext cx="9575077" cy="3997234"/>
+          </a:xfrm>
+          <a:prstGeom prst="rect">
+            <a:avLst/>
+          </a:prstGeom>
+          <a:solidFill>
+            <a:srgbClr val="FFB9C6"/>
+          </a:solidFill>
+          <a:ln>
+            <a:noFill/>
           </a:ln>
         </p:spPr>
         <p:style>
@@ -5720,18 +6235,29 @@
       </p:sp>
       <p:sp>
         <p:nvSpPr>
-          <p:cNvPr id="3" name="모서리가 둥근 직사각형 2"/>
+          <p:cNvPr id="7" name="직사각형 6"/>
           <p:cNvSpPr/>
           <p:nvPr/>
         </p:nvSpPr>
         <p:spPr>
           <a:xfrm>
-            <a:off x="1436914" y="666206"/>
-            <a:ext cx="2024743" cy="1763485"/>
-          </a:xfrm>
-          <a:prstGeom prst="roundRect">
-            <a:avLst/>
-          </a:prstGeom>
+            <a:off x="1658983" y="3148149"/>
+            <a:ext cx="8203474" cy="548640"/>
+          </a:xfrm>
+          <a:prstGeom prst="rect">
+            <a:avLst/>
+          </a:prstGeom>
+          <a:solidFill>
+            <a:schemeClr val="accent4">
+              <a:lumMod val="40000"/>
+              <a:lumOff val="60000"/>
+            </a:schemeClr>
+          </a:solidFill>
+          <a:ln>
+            <a:solidFill>
+              <a:schemeClr val="tx1"/>
+            </a:solidFill>
+          </a:ln>
         </p:spPr>
         <p:style>
           <a:lnRef idx="2">
@@ -5755,68 +6281,8 @@
           <a:p>
             <a:pPr algn="ctr"/>
             <a:r>
-              <a:rPr lang="ko-KR" altLang="en-US" smtClean="0"/>
-              <a:t>상품 이미지</a:t>
-            </a:r>
-            <a:endParaRPr lang="ko-KR" altLang="en-US"/>
-          </a:p>
-        </p:txBody>
-      </p:sp>
-      <p:sp>
-        <p:nvSpPr>
-          <p:cNvPr id="4" name="TextBox 3"/>
-          <p:cNvSpPr txBox="1"/>
-          <p:nvPr/>
-        </p:nvSpPr>
-        <p:spPr>
-          <a:xfrm>
-            <a:off x="4741817" y="1045029"/>
-            <a:ext cx="4650377" cy="369332"/>
-          </a:xfrm>
-          <a:prstGeom prst="rect">
-            <a:avLst/>
-          </a:prstGeom>
-          <a:noFill/>
-        </p:spPr>
-        <p:txBody>
-          <a:bodyPr wrap="square" rtlCol="0">
-            <a:spAutoFit/>
-          </a:bodyPr>
-          <a:lstStyle/>
-          <a:p>
-            <a:r>
-              <a:rPr lang="ko-KR" altLang="en-US" smtClean="0"/>
-              <a:t>상품 가격</a:t>
-            </a:r>
-            <a:endParaRPr lang="ko-KR" altLang="en-US"/>
-          </a:p>
-        </p:txBody>
-      </p:sp>
-      <p:sp>
-        <p:nvSpPr>
-          <p:cNvPr id="5" name="TextBox 4"/>
-          <p:cNvSpPr txBox="1"/>
-          <p:nvPr/>
-        </p:nvSpPr>
-        <p:spPr>
-          <a:xfrm>
-            <a:off x="4741817" y="1662555"/>
-            <a:ext cx="4650377" cy="369332"/>
-          </a:xfrm>
-          <a:prstGeom prst="rect">
-            <a:avLst/>
-          </a:prstGeom>
-          <a:noFill/>
-        </p:spPr>
-        <p:txBody>
-          <a:bodyPr wrap="square" rtlCol="0">
-            <a:spAutoFit/>
-          </a:bodyPr>
-          <a:lstStyle/>
-          <a:p>
-            <a:r>
-              <a:rPr lang="ko-KR" altLang="en-US" dirty="0" smtClean="0"/>
-              <a:t>상품 정보</a:t>
+              <a:rPr lang="en-US" altLang="ko-KR" dirty="0" smtClean="0"/>
+              <a:t>Review title</a:t>
             </a:r>
             <a:endParaRPr lang="ko-KR" altLang="en-US" dirty="0"/>
           </a:p>
@@ -5824,23 +6290,28 @@
       </p:sp>
       <p:sp>
         <p:nvSpPr>
-          <p:cNvPr id="6" name="직사각형 5"/>
+          <p:cNvPr id="8" name="포인트가 5개인 별 7"/>
           <p:cNvSpPr/>
           <p:nvPr/>
         </p:nvSpPr>
         <p:spPr>
           <a:xfrm>
-            <a:off x="1149530" y="2860766"/>
-            <a:ext cx="9575077" cy="3997234"/>
-          </a:xfrm>
-          <a:prstGeom prst="rect">
-            <a:avLst/>
-          </a:prstGeom>
-          <a:solidFill>
-            <a:srgbClr val="FFB9C6"/>
-          </a:solidFill>
-          <a:ln>
-            <a:noFill/>
+            <a:off x="1828800" y="4049486"/>
+            <a:ext cx="849086" cy="731520"/>
+          </a:xfrm>
+          <a:prstGeom prst="star5">
+            <a:avLst/>
+          </a:prstGeom>
+          <a:solidFill>
+            <a:schemeClr val="accent4">
+              <a:lumMod val="40000"/>
+              <a:lumOff val="60000"/>
+            </a:schemeClr>
+          </a:solidFill>
+          <a:ln>
+            <a:solidFill>
+              <a:schemeClr val="tx1"/>
+            </a:solidFill>
           </a:ln>
         </p:spPr>
         <p:style>
@@ -5870,18 +6341,29 @@
       </p:sp>
       <p:sp>
         <p:nvSpPr>
-          <p:cNvPr id="7" name="직사각형 6"/>
+          <p:cNvPr id="9" name="포인트가 5개인 별 8"/>
           <p:cNvSpPr/>
           <p:nvPr/>
         </p:nvSpPr>
         <p:spPr>
           <a:xfrm>
-            <a:off x="1658983" y="3148149"/>
-            <a:ext cx="8203474" cy="548640"/>
-          </a:xfrm>
-          <a:prstGeom prst="rect">
-            <a:avLst/>
-          </a:prstGeom>
+            <a:off x="2821577" y="4049486"/>
+            <a:ext cx="849086" cy="731520"/>
+          </a:xfrm>
+          <a:prstGeom prst="star5">
+            <a:avLst/>
+          </a:prstGeom>
+          <a:solidFill>
+            <a:schemeClr val="accent4">
+              <a:lumMod val="40000"/>
+              <a:lumOff val="60000"/>
+            </a:schemeClr>
+          </a:solidFill>
+          <a:ln>
+            <a:solidFill>
+              <a:schemeClr val="tx1"/>
+            </a:solidFill>
+          </a:ln>
         </p:spPr>
         <p:style>
           <a:lnRef idx="2">
@@ -5904,28 +6386,35 @@
           <a:lstStyle/>
           <a:p>
             <a:pPr algn="ctr"/>
-            <a:r>
-              <a:rPr lang="en-US" altLang="ko-KR" dirty="0" smtClean="0"/>
-              <a:t>Review title</a:t>
-            </a:r>
-            <a:endParaRPr lang="ko-KR" altLang="en-US" dirty="0"/>
-          </a:p>
-        </p:txBody>
-      </p:sp>
-      <p:sp>
-        <p:nvSpPr>
-          <p:cNvPr id="8" name="포인트가 5개인 별 7"/>
+            <a:endParaRPr lang="ko-KR" altLang="en-US"/>
+          </a:p>
+        </p:txBody>
+      </p:sp>
+      <p:sp>
+        <p:nvSpPr>
+          <p:cNvPr id="10" name="포인트가 5개인 별 9"/>
           <p:cNvSpPr/>
           <p:nvPr/>
         </p:nvSpPr>
         <p:spPr>
           <a:xfrm>
-            <a:off x="1828800" y="4049486"/>
+            <a:off x="3670663" y="4049486"/>
             <a:ext cx="849086" cy="731520"/>
           </a:xfrm>
           <a:prstGeom prst="star5">
             <a:avLst/>
           </a:prstGeom>
+          <a:solidFill>
+            <a:schemeClr val="accent4">
+              <a:lumMod val="40000"/>
+              <a:lumOff val="60000"/>
+            </a:schemeClr>
+          </a:solidFill>
+          <a:ln>
+            <a:solidFill>
+              <a:schemeClr val="tx1"/>
+            </a:solidFill>
+          </a:ln>
         </p:spPr>
         <p:style>
           <a:lnRef idx="2">
@@ -5954,18 +6443,26 @@
       </p:sp>
       <p:sp>
         <p:nvSpPr>
-          <p:cNvPr id="9" name="포인트가 5개인 별 8"/>
+          <p:cNvPr id="11" name="포인트가 5개인 별 10"/>
           <p:cNvSpPr/>
           <p:nvPr/>
         </p:nvSpPr>
         <p:spPr>
           <a:xfrm>
-            <a:off x="2821577" y="4049486"/>
+            <a:off x="4650377" y="4049486"/>
             <a:ext cx="849086" cy="731520"/>
           </a:xfrm>
           <a:prstGeom prst="star5">
             <a:avLst/>
           </a:prstGeom>
+          <a:solidFill>
+            <a:schemeClr val="bg1"/>
+          </a:solidFill>
+          <a:ln>
+            <a:solidFill>
+              <a:schemeClr val="tx1"/>
+            </a:solidFill>
+          </a:ln>
         </p:spPr>
         <p:style>
           <a:lnRef idx="2">
@@ -5994,18 +6491,26 @@
       </p:sp>
       <p:sp>
         <p:nvSpPr>
-          <p:cNvPr id="10" name="포인트가 5개인 별 9"/>
+          <p:cNvPr id="12" name="포인트가 5개인 별 11"/>
           <p:cNvSpPr/>
           <p:nvPr/>
         </p:nvSpPr>
         <p:spPr>
           <a:xfrm>
-            <a:off x="3670663" y="4049486"/>
+            <a:off x="5675811" y="4049486"/>
             <a:ext cx="849086" cy="731520"/>
           </a:xfrm>
           <a:prstGeom prst="star5">
             <a:avLst/>
           </a:prstGeom>
+          <a:solidFill>
+            <a:schemeClr val="bg1"/>
+          </a:solidFill>
+          <a:ln>
+            <a:solidFill>
+              <a:schemeClr val="tx1"/>
+            </a:solidFill>
+          </a:ln>
         </p:spPr>
         <p:style>
           <a:lnRef idx="2">
@@ -6034,18 +6539,29 @@
       </p:sp>
       <p:sp>
         <p:nvSpPr>
-          <p:cNvPr id="11" name="포인트가 5개인 별 10"/>
+          <p:cNvPr id="13" name="직사각형 12"/>
           <p:cNvSpPr/>
           <p:nvPr/>
         </p:nvSpPr>
         <p:spPr>
           <a:xfrm>
-            <a:off x="4650377" y="4049486"/>
-            <a:ext cx="849086" cy="731520"/>
-          </a:xfrm>
-          <a:prstGeom prst="star5">
-            <a:avLst/>
-          </a:prstGeom>
+            <a:off x="1815737" y="5251269"/>
+            <a:ext cx="8373292" cy="1606731"/>
+          </a:xfrm>
+          <a:prstGeom prst="rect">
+            <a:avLst/>
+          </a:prstGeom>
+          <a:solidFill>
+            <a:schemeClr val="accent4">
+              <a:lumMod val="40000"/>
+              <a:lumOff val="60000"/>
+            </a:schemeClr>
+          </a:solidFill>
+          <a:ln>
+            <a:solidFill>
+              <a:schemeClr val="tx1"/>
+            </a:solidFill>
+          </a:ln>
         </p:spPr>
         <p:style>
           <a:lnRef idx="2">
@@ -6068,24 +6584,42 @@
           <a:lstStyle/>
           <a:p>
             <a:pPr algn="ctr"/>
-            <a:endParaRPr lang="ko-KR" altLang="en-US"/>
-          </a:p>
-        </p:txBody>
-      </p:sp>
-      <p:sp>
-        <p:nvSpPr>
-          <p:cNvPr id="12" name="포인트가 5개인 별 11"/>
+            <a:r>
+              <a:rPr lang="en-US" altLang="ko-KR" dirty="0" err="1" smtClean="0">
+                <a:solidFill>
+                  <a:sysClr val="windowText" lastClr="000000"/>
+                </a:solidFill>
+              </a:rPr>
+              <a:t>TextArea</a:t>
+            </a:r>
+            <a:endParaRPr lang="ko-KR" altLang="en-US" dirty="0">
+              <a:solidFill>
+                <a:sysClr val="windowText" lastClr="000000"/>
+              </a:solidFill>
+            </a:endParaRPr>
+          </a:p>
+        </p:txBody>
+      </p:sp>
+      <p:sp>
+        <p:nvSpPr>
+          <p:cNvPr id="18" name="모서리가 둥근 직사각형 17"/>
           <p:cNvSpPr/>
           <p:nvPr/>
         </p:nvSpPr>
         <p:spPr>
           <a:xfrm>
-            <a:off x="5675811" y="4049486"/>
-            <a:ext cx="849086" cy="731520"/>
-          </a:xfrm>
-          <a:prstGeom prst="star5">
-            <a:avLst/>
-          </a:prstGeom>
+            <a:off x="1071154" y="470263"/>
+            <a:ext cx="9614263" cy="2076994"/>
+          </a:xfrm>
+          <a:prstGeom prst="roundRect">
+            <a:avLst/>
+          </a:prstGeom>
+          <a:solidFill>
+            <a:srgbClr val="FFB9C6"/>
+          </a:solidFill>
+          <a:ln>
+            <a:noFill/>
+          </a:ln>
         </p:spPr>
         <p:style>
           <a:lnRef idx="2">
@@ -6114,18 +6648,24 @@
       </p:sp>
       <p:sp>
         <p:nvSpPr>
-          <p:cNvPr id="13" name="직사각형 12"/>
+          <p:cNvPr id="19" name="모서리가 둥근 직사각형 18"/>
           <p:cNvSpPr/>
           <p:nvPr/>
         </p:nvSpPr>
         <p:spPr>
           <a:xfrm>
-            <a:off x="1815737" y="5251269"/>
-            <a:ext cx="8373292" cy="1606731"/>
-          </a:xfrm>
-          <a:prstGeom prst="rect">
-            <a:avLst/>
-          </a:prstGeom>
+            <a:off x="1515291" y="757646"/>
+            <a:ext cx="1802675" cy="1306285"/>
+          </a:xfrm>
+          <a:prstGeom prst="roundRect">
+            <a:avLst/>
+          </a:prstGeom>
+          <a:solidFill>
+            <a:srgbClr val="FFC6AA"/>
+          </a:solidFill>
+          <a:ln>
+            <a:noFill/>
+          </a:ln>
         </p:spPr>
         <p:style>
           <a:lnRef idx="2">
@@ -6149,8 +6689,72 @@
           <a:p>
             <a:pPr algn="ctr"/>
             <a:r>
-              <a:rPr lang="en-US" altLang="ko-KR" dirty="0" err="1" smtClean="0"/>
-              <a:t>TextArea</a:t>
+              <a:rPr lang="ko-KR" altLang="en-US" dirty="0" smtClean="0"/>
+              <a:t>프로필 사진</a:t>
+            </a:r>
+            <a:endParaRPr lang="ko-KR" altLang="en-US" dirty="0"/>
+          </a:p>
+        </p:txBody>
+      </p:sp>
+      <p:sp>
+        <p:nvSpPr>
+          <p:cNvPr id="20" name="TextBox 19"/>
+          <p:cNvSpPr txBox="1"/>
+          <p:nvPr/>
+        </p:nvSpPr>
+        <p:spPr>
+          <a:xfrm>
+            <a:off x="4548387" y="939521"/>
+            <a:ext cx="4650377" cy="369332"/>
+          </a:xfrm>
+          <a:prstGeom prst="rect">
+            <a:avLst/>
+          </a:prstGeom>
+          <a:solidFill>
+            <a:srgbClr val="FFB9C6"/>
+          </a:solidFill>
+        </p:spPr>
+        <p:txBody>
+          <a:bodyPr wrap="square" rtlCol="0">
+            <a:spAutoFit/>
+          </a:bodyPr>
+          <a:lstStyle/>
+          <a:p>
+            <a:r>
+              <a:rPr lang="ko-KR" altLang="en-US" dirty="0" smtClean="0"/>
+              <a:t>상품 가격</a:t>
+            </a:r>
+            <a:endParaRPr lang="ko-KR" altLang="en-US" dirty="0"/>
+          </a:p>
+        </p:txBody>
+      </p:sp>
+      <p:sp>
+        <p:nvSpPr>
+          <p:cNvPr id="21" name="TextBox 20"/>
+          <p:cNvSpPr txBox="1"/>
+          <p:nvPr/>
+        </p:nvSpPr>
+        <p:spPr>
+          <a:xfrm>
+            <a:off x="4548387" y="1557047"/>
+            <a:ext cx="4650377" cy="369332"/>
+          </a:xfrm>
+          <a:prstGeom prst="rect">
+            <a:avLst/>
+          </a:prstGeom>
+          <a:solidFill>
+            <a:srgbClr val="FFB9C6"/>
+          </a:solidFill>
+        </p:spPr>
+        <p:txBody>
+          <a:bodyPr wrap="square" rtlCol="0">
+            <a:spAutoFit/>
+          </a:bodyPr>
+          <a:lstStyle/>
+          <a:p>
+            <a:r>
+              <a:rPr lang="ko-KR" altLang="en-US" dirty="0" smtClean="0"/>
+              <a:t>상품 정보</a:t>
             </a:r>
             <a:endParaRPr lang="ko-KR" altLang="en-US" dirty="0"/>
           </a:p>
@@ -6246,6 +6850,17 @@
           <a:prstGeom prst="rect">
             <a:avLst/>
           </a:prstGeom>
+          <a:solidFill>
+            <a:schemeClr val="accent4">
+              <a:lumMod val="40000"/>
+              <a:lumOff val="60000"/>
+            </a:schemeClr>
+          </a:solidFill>
+          <a:ln>
+            <a:solidFill>
+              <a:schemeClr val="tx1"/>
+            </a:solidFill>
+          </a:ln>
         </p:spPr>
         <p:style>
           <a:lnRef idx="2">
@@ -6269,10 +6884,18 @@
           <a:p>
             <a:pPr algn="ctr"/>
             <a:r>
-              <a:rPr lang="en-US" altLang="ko-KR" dirty="0" err="1" smtClean="0"/>
+              <a:rPr lang="en-US" altLang="ko-KR" dirty="0" err="1" smtClean="0">
+                <a:solidFill>
+                  <a:sysClr val="windowText" lastClr="000000"/>
+                </a:solidFill>
+              </a:rPr>
               <a:t>TextArea</a:t>
             </a:r>
-            <a:endParaRPr lang="ko-KR" altLang="en-US" dirty="0"/>
+            <a:endParaRPr lang="ko-KR" altLang="en-US" dirty="0">
+              <a:solidFill>
+                <a:sysClr val="windowText" lastClr="000000"/>
+              </a:solidFill>
+            </a:endParaRPr>
           </a:p>
         </p:txBody>
       </p:sp>
@@ -6290,6 +6913,14 @@
           <a:prstGeom prst="ellipse">
             <a:avLst/>
           </a:prstGeom>
+          <a:solidFill>
+            <a:srgbClr val="FFC6AA"/>
+          </a:solidFill>
+          <a:ln>
+            <a:solidFill>
+              <a:schemeClr val="tx1"/>
+            </a:solidFill>
+          </a:ln>
         </p:spPr>
         <p:style>
           <a:lnRef idx="2">
@@ -6313,10 +6944,18 @@
           <a:p>
             <a:pPr algn="ctr"/>
             <a:r>
-              <a:rPr lang="en-US" altLang="ko-KR" dirty="0" err="1" smtClean="0"/>
+              <a:rPr lang="en-US" altLang="ko-KR" dirty="0" err="1" smtClean="0">
+                <a:solidFill>
+                  <a:sysClr val="windowText" lastClr="000000"/>
+                </a:solidFill>
+              </a:rPr>
               <a:t>Pro_pc</a:t>
             </a:r>
-            <a:endParaRPr lang="ko-KR" altLang="en-US" dirty="0"/>
+            <a:endParaRPr lang="ko-KR" altLang="en-US" dirty="0">
+              <a:solidFill>
+                <a:sysClr val="windowText" lastClr="000000"/>
+              </a:solidFill>
+            </a:endParaRPr>
           </a:p>
         </p:txBody>
       </p:sp>
@@ -6334,6 +6973,14 @@
           <a:prstGeom prst="roundRect">
             <a:avLst/>
           </a:prstGeom>
+          <a:solidFill>
+            <a:srgbClr val="FFC6AA"/>
+          </a:solidFill>
+          <a:ln>
+            <a:solidFill>
+              <a:schemeClr val="tx1"/>
+            </a:solidFill>
+          </a:ln>
         </p:spPr>
         <p:style>
           <a:lnRef idx="2">
@@ -6357,10 +7004,18 @@
           <a:p>
             <a:pPr algn="ctr"/>
             <a:r>
-              <a:rPr lang="en-US" altLang="ko-KR" dirty="0" smtClean="0"/>
+              <a:rPr lang="en-US" altLang="ko-KR" dirty="0" smtClean="0">
+                <a:solidFill>
+                  <a:sysClr val="windowText" lastClr="000000"/>
+                </a:solidFill>
+              </a:rPr>
               <a:t>name</a:t>
             </a:r>
-            <a:endParaRPr lang="ko-KR" altLang="en-US" dirty="0"/>
+            <a:endParaRPr lang="ko-KR" altLang="en-US" dirty="0">
+              <a:solidFill>
+                <a:sysClr val="windowText" lastClr="000000"/>
+              </a:solidFill>
+            </a:endParaRPr>
           </a:p>
         </p:txBody>
       </p:sp>
@@ -6378,6 +7033,14 @@
           <a:prstGeom prst="rect">
             <a:avLst/>
           </a:prstGeom>
+          <a:solidFill>
+            <a:srgbClr val="FFC6AA"/>
+          </a:solidFill>
+          <a:ln>
+            <a:solidFill>
+              <a:schemeClr val="tx1"/>
+            </a:solidFill>
+          </a:ln>
         </p:spPr>
         <p:style>
           <a:lnRef idx="2">
@@ -6401,10 +7064,18 @@
           <a:p>
             <a:pPr algn="ctr"/>
             <a:r>
-              <a:rPr lang="en-US" altLang="ko-KR" dirty="0" smtClean="0"/>
+              <a:rPr lang="en-US" altLang="ko-KR" dirty="0" smtClean="0">
+                <a:solidFill>
+                  <a:sysClr val="windowText" lastClr="000000"/>
+                </a:solidFill>
+              </a:rPr>
               <a:t>Reply</a:t>
             </a:r>
-            <a:endParaRPr lang="ko-KR" altLang="en-US" dirty="0"/>
+            <a:endParaRPr lang="ko-KR" altLang="en-US" dirty="0">
+              <a:solidFill>
+                <a:sysClr val="windowText" lastClr="000000"/>
+              </a:solidFill>
+            </a:endParaRPr>
           </a:p>
         </p:txBody>
       </p:sp>
@@ -6498,6 +7169,14 @@
           <a:prstGeom prst="rect">
             <a:avLst/>
           </a:prstGeom>
+          <a:solidFill>
+            <a:srgbClr val="FFC6AA"/>
+          </a:solidFill>
+          <a:ln>
+            <a:solidFill>
+              <a:schemeClr val="bg1"/>
+            </a:solidFill>
+          </a:ln>
         </p:spPr>
         <p:style>
           <a:lnRef idx="2">
@@ -6521,10 +7200,18 @@
           <a:p>
             <a:pPr algn="ctr"/>
             <a:r>
-              <a:rPr lang="en-US" altLang="ko-KR" dirty="0" smtClean="0"/>
+              <a:rPr lang="en-US" altLang="ko-KR" dirty="0" smtClean="0">
+                <a:solidFill>
+                  <a:sysClr val="windowText" lastClr="000000"/>
+                </a:solidFill>
+              </a:rPr>
               <a:t>CS View</a:t>
             </a:r>
-            <a:endParaRPr lang="ko-KR" altLang="en-US" dirty="0"/>
+            <a:endParaRPr lang="ko-KR" altLang="en-US" dirty="0">
+              <a:solidFill>
+                <a:sysClr val="windowText" lastClr="000000"/>
+              </a:solidFill>
+            </a:endParaRPr>
           </a:p>
         </p:txBody>
       </p:sp>
@@ -6542,6 +7229,17 @@
           <a:prstGeom prst="rect">
             <a:avLst/>
           </a:prstGeom>
+          <a:solidFill>
+            <a:schemeClr val="accent4">
+              <a:lumMod val="40000"/>
+              <a:lumOff val="60000"/>
+            </a:schemeClr>
+          </a:solidFill>
+          <a:ln>
+            <a:solidFill>
+              <a:schemeClr val="bg1"/>
+            </a:solidFill>
+          </a:ln>
         </p:spPr>
         <p:style>
           <a:lnRef idx="2">
@@ -6565,7 +7263,11 @@
           <a:p>
             <a:pPr algn="ctr"/>
             <a:r>
-              <a:rPr lang="en-US" altLang="ko-KR" dirty="0" smtClean="0"/>
+              <a:rPr lang="en-US" altLang="ko-KR" dirty="0" smtClean="0">
+                <a:solidFill>
+                  <a:sysClr val="windowText" lastClr="000000"/>
+                </a:solidFill>
+              </a:rPr>
               <a:t>Your Request</a:t>
             </a:r>
           </a:p>
@@ -6585,6 +7287,17 @@
           <a:prstGeom prst="rect">
             <a:avLst/>
           </a:prstGeom>
+          <a:solidFill>
+            <a:schemeClr val="accent4">
+              <a:lumMod val="40000"/>
+              <a:lumOff val="60000"/>
+            </a:schemeClr>
+          </a:solidFill>
+          <a:ln>
+            <a:solidFill>
+              <a:schemeClr val="bg1"/>
+            </a:solidFill>
+          </a:ln>
         </p:spPr>
         <p:style>
           <a:lnRef idx="2">
@@ -6608,14 +7321,26 @@
           <a:p>
             <a:pPr algn="ctr"/>
             <a:r>
-              <a:rPr lang="ko-KR" altLang="en-US" dirty="0" err="1" smtClean="0"/>
+              <a:rPr lang="ko-KR" altLang="en-US" dirty="0" err="1" smtClean="0">
+                <a:solidFill>
+                  <a:sysClr val="windowText" lastClr="000000"/>
+                </a:solidFill>
+              </a:rPr>
               <a:t>답변받을</a:t>
             </a:r>
             <a:r>
-              <a:rPr lang="ko-KR" altLang="en-US" dirty="0" smtClean="0"/>
+              <a:rPr lang="ko-KR" altLang="en-US" dirty="0" smtClean="0">
+                <a:solidFill>
+                  <a:sysClr val="windowText" lastClr="000000"/>
+                </a:solidFill>
+              </a:rPr>
               <a:t> 이메일</a:t>
             </a:r>
-            <a:endParaRPr lang="ko-KR" altLang="en-US" dirty="0"/>
+            <a:endParaRPr lang="ko-KR" altLang="en-US" dirty="0">
+              <a:solidFill>
+                <a:sysClr val="windowText" lastClr="000000"/>
+              </a:solidFill>
+            </a:endParaRPr>
           </a:p>
         </p:txBody>
       </p:sp>
@@ -6709,6 +7434,17 @@
           <a:prstGeom prst="rect">
             <a:avLst/>
           </a:prstGeom>
+          <a:solidFill>
+            <a:schemeClr val="accent4">
+              <a:lumMod val="40000"/>
+              <a:lumOff val="60000"/>
+            </a:schemeClr>
+          </a:solidFill>
+          <a:ln>
+            <a:solidFill>
+              <a:schemeClr val="bg1"/>
+            </a:solidFill>
+          </a:ln>
         </p:spPr>
         <p:style>
           <a:lnRef idx="2">
@@ -6732,10 +7468,18 @@
           <a:p>
             <a:pPr algn="ctr"/>
             <a:r>
-              <a:rPr lang="en-US" altLang="ko-KR" dirty="0" smtClean="0"/>
+              <a:rPr lang="en-US" altLang="ko-KR" dirty="0" smtClean="0">
+                <a:solidFill>
+                  <a:sysClr val="windowText" lastClr="000000"/>
+                </a:solidFill>
+              </a:rPr>
               <a:t>SEND</a:t>
             </a:r>
-            <a:endParaRPr lang="ko-KR" altLang="en-US" dirty="0"/>
+            <a:endParaRPr lang="ko-KR" altLang="en-US" dirty="0">
+              <a:solidFill>
+                <a:sysClr val="windowText" lastClr="000000"/>
+              </a:solidFill>
+            </a:endParaRPr>
           </a:p>
         </p:txBody>
       </p:sp>
@@ -7098,8 +7842,13 @@
             <a:avLst/>
           </a:prstGeom>
           <a:solidFill>
-            <a:srgbClr val="FFC000"/>
-          </a:solidFill>
+            <a:schemeClr val="bg1"/>
+          </a:solidFill>
+          <a:ln>
+            <a:solidFill>
+              <a:schemeClr val="tx1"/>
+            </a:solidFill>
+          </a:ln>
         </p:spPr>
         <p:style>
           <a:lnRef idx="2">
@@ -7123,10 +7872,28 @@
           <a:p>
             <a:pPr algn="ctr"/>
             <a:r>
-              <a:rPr lang="en-US" altLang="ko-KR" dirty="0" err="1" smtClean="0"/>
+              <a:rPr lang="en-US" altLang="ko-KR" dirty="0" err="1" smtClean="0">
+                <a:ln>
+                  <a:solidFill>
+                    <a:srgbClr val="FFB9C6"/>
+                  </a:solidFill>
+                </a:ln>
+                <a:solidFill>
+                  <a:sysClr val="windowText" lastClr="000000"/>
+                </a:solidFill>
+              </a:rPr>
               <a:t>SReview</a:t>
             </a:r>
-            <a:endParaRPr lang="ko-KR" altLang="en-US" dirty="0"/>
+            <a:endParaRPr lang="ko-KR" altLang="en-US" dirty="0">
+              <a:ln>
+                <a:solidFill>
+                  <a:srgbClr val="FFB9C6"/>
+                </a:solidFill>
+              </a:ln>
+              <a:solidFill>
+                <a:sysClr val="windowText" lastClr="000000"/>
+              </a:solidFill>
+            </a:endParaRPr>
           </a:p>
         </p:txBody>
       </p:sp>
@@ -7138,12 +7905,20 @@
         </p:nvSpPr>
         <p:spPr>
           <a:xfrm>
-            <a:off x="10894423" y="-13063"/>
+            <a:off x="10894423" y="-4271"/>
             <a:ext cx="1297577" cy="627017"/>
           </a:xfrm>
           <a:prstGeom prst="rect">
             <a:avLst/>
           </a:prstGeom>
+          <a:solidFill>
+            <a:schemeClr val="bg1"/>
+          </a:solidFill>
+          <a:ln>
+            <a:solidFill>
+              <a:schemeClr val="tx1"/>
+            </a:solidFill>
+          </a:ln>
         </p:spPr>
         <p:style>
           <a:lnRef idx="2">
@@ -7167,10 +7942,18 @@
           <a:p>
             <a:pPr algn="ctr"/>
             <a:r>
-              <a:rPr lang="en-US" altLang="ko-KR" dirty="0" smtClean="0"/>
+              <a:rPr lang="en-US" altLang="ko-KR" dirty="0" smtClean="0">
+                <a:solidFill>
+                  <a:sysClr val="windowText" lastClr="000000"/>
+                </a:solidFill>
+              </a:rPr>
               <a:t>Sign In</a:t>
             </a:r>
-            <a:endParaRPr lang="ko-KR" altLang="en-US" dirty="0"/>
+            <a:endParaRPr lang="ko-KR" altLang="en-US" dirty="0">
+              <a:solidFill>
+                <a:sysClr val="windowText" lastClr="000000"/>
+              </a:solidFill>
+            </a:endParaRPr>
           </a:p>
         </p:txBody>
       </p:sp>
@@ -7182,12 +7965,20 @@
         </p:nvSpPr>
         <p:spPr>
           <a:xfrm>
-            <a:off x="9596846" y="-13063"/>
+            <a:off x="9596846" y="-4271"/>
             <a:ext cx="1297577" cy="627017"/>
           </a:xfrm>
           <a:prstGeom prst="rect">
             <a:avLst/>
           </a:prstGeom>
+          <a:solidFill>
+            <a:schemeClr val="bg1"/>
+          </a:solidFill>
+          <a:ln>
+            <a:solidFill>
+              <a:schemeClr val="tx1"/>
+            </a:solidFill>
+          </a:ln>
         </p:spPr>
         <p:style>
           <a:lnRef idx="2">
@@ -7211,10 +8002,18 @@
           <a:p>
             <a:pPr algn="ctr"/>
             <a:r>
-              <a:rPr lang="en-US" altLang="ko-KR" dirty="0" smtClean="0"/>
+              <a:rPr lang="en-US" altLang="ko-KR" dirty="0" smtClean="0">
+                <a:solidFill>
+                  <a:sysClr val="windowText" lastClr="000000"/>
+                </a:solidFill>
+              </a:rPr>
               <a:t>Login</a:t>
             </a:r>
-            <a:endParaRPr lang="ko-KR" altLang="en-US" dirty="0"/>
+            <a:endParaRPr lang="ko-KR" altLang="en-US" dirty="0">
+              <a:solidFill>
+                <a:sysClr val="windowText" lastClr="000000"/>
+              </a:solidFill>
+            </a:endParaRPr>
           </a:p>
         </p:txBody>
       </p:sp>
@@ -7278,6 +8077,12 @@
           <a:prstGeom prst="rect">
             <a:avLst/>
           </a:prstGeom>
+          <a:solidFill>
+            <a:srgbClr val="FFC6AA"/>
+          </a:solidFill>
+          <a:ln>
+            <a:noFill/>
+          </a:ln>
         </p:spPr>
         <p:style>
           <a:lnRef idx="2">
@@ -7301,10 +8106,18 @@
           <a:p>
             <a:pPr algn="ctr"/>
             <a:r>
-              <a:rPr lang="en-US" altLang="ko-KR" dirty="0" smtClean="0"/>
+              <a:rPr lang="en-US" altLang="ko-KR" dirty="0" smtClean="0">
+                <a:solidFill>
+                  <a:sysClr val="windowText" lastClr="000000"/>
+                </a:solidFill>
+              </a:rPr>
               <a:t>EVENT</a:t>
             </a:r>
-            <a:endParaRPr lang="ko-KR" altLang="en-US" dirty="0"/>
+            <a:endParaRPr lang="ko-KR" altLang="en-US" dirty="0">
+              <a:solidFill>
+                <a:sysClr val="windowText" lastClr="000000"/>
+              </a:solidFill>
+            </a:endParaRPr>
           </a:p>
         </p:txBody>
       </p:sp>
@@ -7362,12 +8175,18 @@
         </p:nvSpPr>
         <p:spPr>
           <a:xfrm>
-            <a:off x="1188720" y="4715691"/>
-            <a:ext cx="9914709" cy="574766"/>
-          </a:xfrm>
-          <a:prstGeom prst="rect">
-            <a:avLst/>
-          </a:prstGeom>
+            <a:off x="0" y="4715691"/>
+            <a:ext cx="12192000" cy="574766"/>
+          </a:xfrm>
+          <a:prstGeom prst="rect">
+            <a:avLst/>
+          </a:prstGeom>
+          <a:solidFill>
+            <a:srgbClr val="FFB9C6"/>
+          </a:solidFill>
+          <a:ln>
+            <a:noFill/>
+          </a:ln>
         </p:spPr>
         <p:style>
           <a:lnRef idx="2">
@@ -7391,10 +8210,18 @@
           <a:p>
             <a:pPr algn="ctr"/>
             <a:r>
-              <a:rPr lang="en-US" altLang="ko-KR" dirty="0" smtClean="0"/>
+              <a:rPr lang="en-US" altLang="ko-KR" dirty="0" smtClean="0">
+                <a:solidFill>
+                  <a:sysClr val="windowText" lastClr="000000"/>
+                </a:solidFill>
+              </a:rPr>
               <a:t>What is your sex?</a:t>
             </a:r>
-            <a:endParaRPr lang="ko-KR" altLang="en-US" dirty="0"/>
+            <a:endParaRPr lang="ko-KR" altLang="en-US" dirty="0">
+              <a:solidFill>
+                <a:sysClr val="windowText" lastClr="000000"/>
+              </a:solidFill>
+            </a:endParaRPr>
           </a:p>
         </p:txBody>
       </p:sp>
@@ -7415,6 +8242,11 @@
           <a:solidFill>
             <a:schemeClr val="bg1"/>
           </a:solidFill>
+          <a:ln>
+            <a:solidFill>
+              <a:schemeClr val="tx1"/>
+            </a:solidFill>
+          </a:ln>
         </p:spPr>
         <p:style>
           <a:lnRef idx="2">
@@ -7455,6 +8287,12 @@
           <a:prstGeom prst="ellipse">
             <a:avLst/>
           </a:prstGeom>
+          <a:solidFill>
+            <a:srgbClr val="FFB9C6"/>
+          </a:solidFill>
+          <a:ln>
+            <a:noFill/>
+          </a:ln>
         </p:spPr>
         <p:style>
           <a:lnRef idx="2">
@@ -7495,6 +8333,12 @@
           <a:prstGeom prst="triangle">
             <a:avLst/>
           </a:prstGeom>
+          <a:solidFill>
+            <a:srgbClr val="FFB9C6"/>
+          </a:solidFill>
+          <a:ln>
+            <a:noFill/>
+          </a:ln>
         </p:spPr>
         <p:style>
           <a:lnRef idx="2">
@@ -7538,6 +8382,11 @@
           <a:solidFill>
             <a:schemeClr val="bg1"/>
           </a:solidFill>
+          <a:ln>
+            <a:solidFill>
+              <a:schemeClr val="tx1"/>
+            </a:solidFill>
+          </a:ln>
         </p:spPr>
         <p:style>
           <a:lnRef idx="2">
@@ -7578,6 +8427,12 @@
           <a:prstGeom prst="ellipse">
             <a:avLst/>
           </a:prstGeom>
+          <a:solidFill>
+            <a:srgbClr val="FFB9C6"/>
+          </a:solidFill>
+          <a:ln>
+            <a:noFill/>
+          </a:ln>
         </p:spPr>
         <p:style>
           <a:lnRef idx="2">
@@ -7618,6 +8473,12 @@
           <a:prstGeom prst="triangle">
             <a:avLst/>
           </a:prstGeom>
+          <a:solidFill>
+            <a:srgbClr val="FFB9C6"/>
+          </a:solidFill>
+          <a:ln>
+            <a:noFill/>
+          </a:ln>
         </p:spPr>
         <p:style>
           <a:lnRef idx="2">
@@ -7661,6 +8522,11 @@
           <a:solidFill>
             <a:schemeClr val="bg1"/>
           </a:solidFill>
+          <a:ln>
+            <a:solidFill>
+              <a:schemeClr val="tx1"/>
+            </a:solidFill>
+          </a:ln>
         </p:spPr>
         <p:style>
           <a:lnRef idx="2">
@@ -7701,6 +8567,12 @@
           <a:prstGeom prst="ellipse">
             <a:avLst/>
           </a:prstGeom>
+          <a:solidFill>
+            <a:srgbClr val="FFB9C6"/>
+          </a:solidFill>
+          <a:ln>
+            <a:noFill/>
+          </a:ln>
         </p:spPr>
         <p:style>
           <a:lnRef idx="2">
@@ -7741,6 +8613,12 @@
           <a:prstGeom prst="triangle">
             <a:avLst/>
           </a:prstGeom>
+          <a:solidFill>
+            <a:srgbClr val="FFB9C6"/>
+          </a:solidFill>
+          <a:ln>
+            <a:noFill/>
+          </a:ln>
         </p:spPr>
         <p:style>
           <a:lnRef idx="2">
@@ -7872,13 +8750,12 @@
             <a:avLst/>
           </a:prstGeom>
           <a:solidFill>
-            <a:schemeClr val="accent4">
-              <a:lumMod val="60000"/>
-              <a:lumOff val="40000"/>
-            </a:schemeClr>
-          </a:solidFill>
-          <a:ln>
-            <a:noFill/>
+            <a:schemeClr val="bg1"/>
+          </a:solidFill>
+          <a:ln>
+            <a:solidFill>
+              <a:schemeClr val="tx1"/>
+            </a:solidFill>
           </a:ln>
         </p:spPr>
         <p:style>
@@ -7903,10 +8780,18 @@
           <a:p>
             <a:pPr algn="ctr"/>
             <a:r>
-              <a:rPr lang="en-US" altLang="ko-KR" dirty="0" smtClean="0"/>
+              <a:rPr lang="en-US" altLang="ko-KR" dirty="0" smtClean="0">
+                <a:solidFill>
+                  <a:sysClr val="windowText" lastClr="000000"/>
+                </a:solidFill>
+              </a:rPr>
               <a:t>SEARCH</a:t>
             </a:r>
-            <a:endParaRPr lang="ko-KR" altLang="en-US" dirty="0"/>
+            <a:endParaRPr lang="ko-KR" altLang="en-US" dirty="0">
+              <a:solidFill>
+                <a:sysClr val="windowText" lastClr="000000"/>
+              </a:solidFill>
+            </a:endParaRPr>
           </a:p>
         </p:txBody>
       </p:sp>
@@ -7926,10 +8811,15 @@
           </a:prstGeom>
           <a:solidFill>
             <a:schemeClr val="accent4">
-              <a:lumMod val="60000"/>
-              <a:lumOff val="40000"/>
-            </a:schemeClr>
-          </a:solidFill>
+              <a:lumMod val="40000"/>
+              <a:lumOff val="60000"/>
+            </a:schemeClr>
+          </a:solidFill>
+          <a:ln>
+            <a:solidFill>
+              <a:schemeClr val="tx1"/>
+            </a:solidFill>
+          </a:ln>
         </p:spPr>
         <p:style>
           <a:lnRef idx="2">
@@ -7971,8 +8861,16 @@
             <a:avLst/>
           </a:prstGeom>
           <a:solidFill>
-            <a:srgbClr val="00B050"/>
-          </a:solidFill>
+            <a:schemeClr val="accent4">
+              <a:lumMod val="40000"/>
+              <a:lumOff val="60000"/>
+            </a:schemeClr>
+          </a:solidFill>
+          <a:ln>
+            <a:solidFill>
+              <a:schemeClr val="tx1"/>
+            </a:solidFill>
+          </a:ln>
         </p:spPr>
         <p:style>
           <a:lnRef idx="2">
@@ -8135,6 +9033,11 @@
           <a:prstGeom prst="rect">
             <a:avLst/>
           </a:prstGeom>
+          <a:ln>
+            <a:solidFill>
+              <a:schemeClr val="tx1"/>
+            </a:solidFill>
+          </a:ln>
         </p:spPr>
         <p:style>
           <a:lnRef idx="2">
@@ -8158,10 +9061,18 @@
           <a:p>
             <a:pPr algn="ctr"/>
             <a:r>
-              <a:rPr lang="en-US" altLang="ko-KR" dirty="0" smtClean="0"/>
+              <a:rPr lang="en-US" altLang="ko-KR" dirty="0" smtClean="0">
+                <a:solidFill>
+                  <a:sysClr val="windowText" lastClr="000000"/>
+                </a:solidFill>
+              </a:rPr>
               <a:t>PIC</a:t>
             </a:r>
-            <a:endParaRPr lang="ko-KR" altLang="en-US" dirty="0"/>
+            <a:endParaRPr lang="ko-KR" altLang="en-US" dirty="0">
+              <a:solidFill>
+                <a:sysClr val="windowText" lastClr="000000"/>
+              </a:solidFill>
+            </a:endParaRPr>
           </a:p>
         </p:txBody>
       </p:sp>
@@ -8179,6 +9090,14 @@
           <a:prstGeom prst="rect">
             <a:avLst/>
           </a:prstGeom>
+          <a:solidFill>
+            <a:schemeClr val="bg1"/>
+          </a:solidFill>
+          <a:ln>
+            <a:solidFill>
+              <a:schemeClr val="tx1"/>
+            </a:solidFill>
+          </a:ln>
         </p:spPr>
         <p:style>
           <a:lnRef idx="2">
@@ -8202,10 +9121,18 @@
           <a:p>
             <a:pPr algn="ctr"/>
             <a:r>
-              <a:rPr lang="en-US" altLang="ko-KR" dirty="0" smtClean="0"/>
+              <a:rPr lang="en-US" altLang="ko-KR" dirty="0" smtClean="0">
+                <a:solidFill>
+                  <a:sysClr val="windowText" lastClr="000000"/>
+                </a:solidFill>
+              </a:rPr>
               <a:t>Rank</a:t>
             </a:r>
-            <a:endParaRPr lang="ko-KR" altLang="en-US" dirty="0"/>
+            <a:endParaRPr lang="ko-KR" altLang="en-US" dirty="0">
+              <a:solidFill>
+                <a:sysClr val="windowText" lastClr="000000"/>
+              </a:solidFill>
+            </a:endParaRPr>
           </a:p>
         </p:txBody>
       </p:sp>
@@ -8223,6 +9150,14 @@
           <a:prstGeom prst="rect">
             <a:avLst/>
           </a:prstGeom>
+          <a:solidFill>
+            <a:schemeClr val="bg1"/>
+          </a:solidFill>
+          <a:ln>
+            <a:solidFill>
+              <a:schemeClr val="tx1"/>
+            </a:solidFill>
+          </a:ln>
         </p:spPr>
         <p:style>
           <a:lnRef idx="2">
@@ -8246,10 +9181,18 @@
           <a:p>
             <a:pPr algn="ctr"/>
             <a:r>
-              <a:rPr lang="en-US" altLang="ko-KR" dirty="0" err="1" smtClean="0"/>
+              <a:rPr lang="en-US" altLang="ko-KR" dirty="0" err="1" smtClean="0">
+                <a:solidFill>
+                  <a:sysClr val="windowText" lastClr="000000"/>
+                </a:solidFill>
+              </a:rPr>
               <a:t>TextArea</a:t>
             </a:r>
-            <a:endParaRPr lang="ko-KR" altLang="en-US" dirty="0"/>
+            <a:endParaRPr lang="ko-KR" altLang="en-US" dirty="0">
+              <a:solidFill>
+                <a:sysClr val="windowText" lastClr="000000"/>
+              </a:solidFill>
+            </a:endParaRPr>
           </a:p>
         </p:txBody>
       </p:sp>
@@ -8313,6 +9256,11 @@
           <a:prstGeom prst="rect">
             <a:avLst/>
           </a:prstGeom>
+          <a:ln>
+            <a:solidFill>
+              <a:schemeClr val="tx1"/>
+            </a:solidFill>
+          </a:ln>
         </p:spPr>
         <p:style>
           <a:lnRef idx="2">
@@ -8336,10 +9284,18 @@
           <a:p>
             <a:pPr algn="ctr"/>
             <a:r>
-              <a:rPr lang="en-US" altLang="ko-KR" dirty="0" smtClean="0"/>
+              <a:rPr lang="en-US" altLang="ko-KR" dirty="0" smtClean="0">
+                <a:solidFill>
+                  <a:sysClr val="windowText" lastClr="000000"/>
+                </a:solidFill>
+              </a:rPr>
               <a:t>PIC</a:t>
             </a:r>
-            <a:endParaRPr lang="ko-KR" altLang="en-US" dirty="0"/>
+            <a:endParaRPr lang="ko-KR" altLang="en-US" dirty="0">
+              <a:solidFill>
+                <a:sysClr val="windowText" lastClr="000000"/>
+              </a:solidFill>
+            </a:endParaRPr>
           </a:p>
         </p:txBody>
       </p:sp>
@@ -8357,6 +9313,14 @@
           <a:prstGeom prst="rect">
             <a:avLst/>
           </a:prstGeom>
+          <a:solidFill>
+            <a:schemeClr val="bg1"/>
+          </a:solidFill>
+          <a:ln>
+            <a:solidFill>
+              <a:schemeClr val="tx1"/>
+            </a:solidFill>
+          </a:ln>
         </p:spPr>
         <p:style>
           <a:lnRef idx="2">
@@ -8380,10 +9344,18 @@
           <a:p>
             <a:pPr algn="ctr"/>
             <a:r>
-              <a:rPr lang="en-US" altLang="ko-KR" dirty="0" smtClean="0"/>
+              <a:rPr lang="en-US" altLang="ko-KR" dirty="0" smtClean="0">
+                <a:solidFill>
+                  <a:sysClr val="windowText" lastClr="000000"/>
+                </a:solidFill>
+              </a:rPr>
               <a:t>Rank</a:t>
             </a:r>
-            <a:endParaRPr lang="ko-KR" altLang="en-US" dirty="0"/>
+            <a:endParaRPr lang="ko-KR" altLang="en-US" dirty="0">
+              <a:solidFill>
+                <a:sysClr val="windowText" lastClr="000000"/>
+              </a:solidFill>
+            </a:endParaRPr>
           </a:p>
         </p:txBody>
       </p:sp>
@@ -8401,6 +9373,14 @@
           <a:prstGeom prst="rect">
             <a:avLst/>
           </a:prstGeom>
+          <a:solidFill>
+            <a:schemeClr val="bg1"/>
+          </a:solidFill>
+          <a:ln>
+            <a:solidFill>
+              <a:schemeClr val="tx1"/>
+            </a:solidFill>
+          </a:ln>
         </p:spPr>
         <p:style>
           <a:lnRef idx="2">
@@ -8424,10 +9404,18 @@
           <a:p>
             <a:pPr algn="ctr"/>
             <a:r>
-              <a:rPr lang="en-US" altLang="ko-KR" dirty="0" err="1" smtClean="0"/>
+              <a:rPr lang="en-US" altLang="ko-KR" dirty="0" err="1" smtClean="0">
+                <a:solidFill>
+                  <a:sysClr val="windowText" lastClr="000000"/>
+                </a:solidFill>
+              </a:rPr>
               <a:t>TextArea</a:t>
             </a:r>
-            <a:endParaRPr lang="ko-KR" altLang="en-US" dirty="0"/>
+            <a:endParaRPr lang="ko-KR" altLang="en-US" dirty="0">
+              <a:solidFill>
+                <a:sysClr val="windowText" lastClr="000000"/>
+              </a:solidFill>
+            </a:endParaRPr>
           </a:p>
         </p:txBody>
       </p:sp>
@@ -8514,10 +9502,18 @@
           <a:p>
             <a:pPr algn="ctr"/>
             <a:r>
-              <a:rPr lang="en-US" altLang="ko-KR" dirty="0" smtClean="0"/>
+              <a:rPr lang="en-US" altLang="ko-KR" dirty="0" smtClean="0">
+                <a:solidFill>
+                  <a:sysClr val="windowText" lastClr="000000"/>
+                </a:solidFill>
+              </a:rPr>
               <a:t>PIC</a:t>
             </a:r>
-            <a:endParaRPr lang="ko-KR" altLang="en-US" dirty="0"/>
+            <a:endParaRPr lang="ko-KR" altLang="en-US" dirty="0">
+              <a:solidFill>
+                <a:sysClr val="windowText" lastClr="000000"/>
+              </a:solidFill>
+            </a:endParaRPr>
           </a:p>
         </p:txBody>
       </p:sp>
@@ -8535,6 +9531,14 @@
           <a:prstGeom prst="rect">
             <a:avLst/>
           </a:prstGeom>
+          <a:solidFill>
+            <a:schemeClr val="bg1"/>
+          </a:solidFill>
+          <a:ln>
+            <a:solidFill>
+              <a:schemeClr val="tx1"/>
+            </a:solidFill>
+          </a:ln>
         </p:spPr>
         <p:style>
           <a:lnRef idx="2">
@@ -8558,10 +9562,18 @@
           <a:p>
             <a:pPr algn="ctr"/>
             <a:r>
-              <a:rPr lang="en-US" altLang="ko-KR" dirty="0" smtClean="0"/>
+              <a:rPr lang="en-US" altLang="ko-KR" dirty="0" smtClean="0">
+                <a:solidFill>
+                  <a:sysClr val="windowText" lastClr="000000"/>
+                </a:solidFill>
+              </a:rPr>
               <a:t>Rank</a:t>
             </a:r>
-            <a:endParaRPr lang="ko-KR" altLang="en-US" dirty="0"/>
+            <a:endParaRPr lang="ko-KR" altLang="en-US" dirty="0">
+              <a:solidFill>
+                <a:sysClr val="windowText" lastClr="000000"/>
+              </a:solidFill>
+            </a:endParaRPr>
           </a:p>
         </p:txBody>
       </p:sp>
@@ -8579,6 +9591,14 @@
           <a:prstGeom prst="rect">
             <a:avLst/>
           </a:prstGeom>
+          <a:solidFill>
+            <a:schemeClr val="bg1"/>
+          </a:solidFill>
+          <a:ln>
+            <a:solidFill>
+              <a:schemeClr val="tx1"/>
+            </a:solidFill>
+          </a:ln>
         </p:spPr>
         <p:style>
           <a:lnRef idx="2">
@@ -8602,10 +9622,18 @@
           <a:p>
             <a:pPr algn="ctr"/>
             <a:r>
-              <a:rPr lang="en-US" altLang="ko-KR" dirty="0" err="1" smtClean="0"/>
+              <a:rPr lang="en-US" altLang="ko-KR" dirty="0" err="1" smtClean="0">
+                <a:solidFill>
+                  <a:sysClr val="windowText" lastClr="000000"/>
+                </a:solidFill>
+              </a:rPr>
               <a:t>TextArea</a:t>
             </a:r>
-            <a:endParaRPr lang="ko-KR" altLang="en-US" dirty="0"/>
+            <a:endParaRPr lang="ko-KR" altLang="en-US" dirty="0">
+              <a:solidFill>
+                <a:sysClr val="windowText" lastClr="000000"/>
+              </a:solidFill>
+            </a:endParaRPr>
           </a:p>
         </p:txBody>
       </p:sp>
@@ -8623,6 +9651,12 @@
           <a:prstGeom prst="rect">
             <a:avLst/>
           </a:prstGeom>
+          <a:solidFill>
+            <a:srgbClr val="FFB9C6"/>
+          </a:solidFill>
+          <a:ln>
+            <a:noFill/>
+          </a:ln>
         </p:spPr>
         <p:style>
           <a:lnRef idx="2">
@@ -8646,10 +9680,18 @@
           <a:p>
             <a:pPr algn="ctr"/>
             <a:r>
-              <a:rPr lang="ko-KR" altLang="en-US" dirty="0" smtClean="0"/>
+              <a:rPr lang="ko-KR" altLang="en-US" dirty="0" smtClean="0">
+                <a:solidFill>
+                  <a:sysClr val="windowText" lastClr="000000"/>
+                </a:solidFill>
+              </a:rPr>
               <a:t>더 보 기</a:t>
             </a:r>
-            <a:endParaRPr lang="ko-KR" altLang="en-US" dirty="0"/>
+            <a:endParaRPr lang="ko-KR" altLang="en-US" dirty="0">
+              <a:solidFill>
+                <a:sysClr val="windowText" lastClr="000000"/>
+              </a:solidFill>
+            </a:endParaRPr>
           </a:p>
         </p:txBody>
       </p:sp>
@@ -8667,6 +9709,12 @@
           <a:prstGeom prst="rect">
             <a:avLst/>
           </a:prstGeom>
+          <a:solidFill>
+            <a:srgbClr val="FFB1BE"/>
+          </a:solidFill>
+          <a:ln>
+            <a:noFill/>
+          </a:ln>
         </p:spPr>
         <p:style>
           <a:lnRef idx="2">
@@ -8690,21 +9738,37 @@
           <a:p>
             <a:pPr algn="ctr"/>
             <a:r>
-              <a:rPr lang="en-US" altLang="ko-KR" dirty="0" smtClean="0"/>
+              <a:rPr lang="en-US" altLang="ko-KR" dirty="0" smtClean="0">
+                <a:solidFill>
+                  <a:sysClr val="windowText" lastClr="000000"/>
+                </a:solidFill>
+              </a:rPr>
               <a:t>Ranking</a:t>
             </a:r>
           </a:p>
           <a:p>
             <a:pPr algn="ctr"/>
             <a:r>
-              <a:rPr lang="ko-KR" altLang="en-US" dirty="0" smtClean="0"/>
+              <a:rPr lang="ko-KR" altLang="en-US" dirty="0" smtClean="0">
+                <a:solidFill>
+                  <a:sysClr val="windowText" lastClr="000000"/>
+                </a:solidFill>
+              </a:rPr>
               <a:t>제일 잘 나가는 인플루언서와 상품을 확인해보세요</a:t>
             </a:r>
             <a:r>
-              <a:rPr lang="en-US" altLang="ko-KR" dirty="0" smtClean="0"/>
+              <a:rPr lang="en-US" altLang="ko-KR" dirty="0" smtClean="0">
+                <a:solidFill>
+                  <a:sysClr val="windowText" lastClr="000000"/>
+                </a:solidFill>
+              </a:rPr>
               <a:t>!</a:t>
             </a:r>
-            <a:endParaRPr lang="ko-KR" altLang="en-US" dirty="0"/>
+            <a:endParaRPr lang="ko-KR" altLang="en-US" dirty="0">
+              <a:solidFill>
+                <a:sysClr val="windowText" lastClr="000000"/>
+              </a:solidFill>
+            </a:endParaRPr>
           </a:p>
         </p:txBody>
       </p:sp>
@@ -8801,14 +9865,14 @@
             <a:avLst/>
           </a:prstGeom>
           <a:solidFill>
-            <a:schemeClr val="accent4">
-              <a:lumMod val="40000"/>
-              <a:lumOff val="60000"/>
-            </a:schemeClr>
+            <a:srgbClr val="FFB1BE"/>
           </a:solidFill>
           <a:ln>
             <a:solidFill>
-              <a:schemeClr val="tx1"/>
+              <a:schemeClr val="tx1">
+                <a:lumMod val="85000"/>
+                <a:lumOff val="15000"/>
+              </a:schemeClr>
             </a:solidFill>
           </a:ln>
         </p:spPr>
@@ -8834,77 +9898,149 @@
           <a:p>
             <a:pPr algn="ctr"/>
             <a:r>
-              <a:rPr lang="ko-KR" altLang="en-US" dirty="0" smtClean="0"/>
+              <a:rPr lang="ko-KR" altLang="en-US" dirty="0" smtClean="0">
+                <a:solidFill>
+                  <a:sysClr val="windowText" lastClr="000000"/>
+                </a:solidFill>
+              </a:rPr>
               <a:t>상품 </a:t>
             </a:r>
             <a:r>
-              <a:rPr lang="en-US" altLang="ko-KR" dirty="0" smtClean="0"/>
+              <a:rPr lang="en-US" altLang="ko-KR" dirty="0" smtClean="0">
+                <a:solidFill>
+                  <a:sysClr val="windowText" lastClr="000000"/>
+                </a:solidFill>
+              </a:rPr>
               <a:t>Ranking</a:t>
             </a:r>
           </a:p>
           <a:p>
             <a:pPr algn="ctr"/>
             <a:r>
-              <a:rPr lang="en-US" altLang="ko-KR" dirty="0" smtClean="0"/>
+              <a:rPr lang="en-US" altLang="ko-KR" dirty="0" smtClean="0">
+                <a:solidFill>
+                  <a:sysClr val="windowText" lastClr="000000"/>
+                </a:solidFill>
+              </a:rPr>
               <a:t>1</a:t>
             </a:r>
             <a:r>
-              <a:rPr lang="ko-KR" altLang="en-US" dirty="0" smtClean="0"/>
+              <a:rPr lang="ko-KR" altLang="en-US" dirty="0" smtClean="0">
+                <a:solidFill>
+                  <a:sysClr val="windowText" lastClr="000000"/>
+                </a:solidFill>
+              </a:rPr>
               <a:t>위</a:t>
             </a:r>
-            <a:endParaRPr lang="en-US" altLang="ko-KR" dirty="0" smtClean="0"/>
-          </a:p>
-          <a:p>
-            <a:pPr algn="ctr"/>
-            <a:r>
-              <a:rPr lang="en-US" altLang="ko-KR" dirty="0" smtClean="0"/>
+            <a:endParaRPr lang="en-US" altLang="ko-KR" dirty="0" smtClean="0">
+              <a:solidFill>
+                <a:sysClr val="windowText" lastClr="000000"/>
+              </a:solidFill>
+            </a:endParaRPr>
+          </a:p>
+          <a:p>
+            <a:pPr algn="ctr"/>
+            <a:r>
+              <a:rPr lang="en-US" altLang="ko-KR" dirty="0" smtClean="0">
+                <a:solidFill>
+                  <a:sysClr val="windowText" lastClr="000000"/>
+                </a:solidFill>
+              </a:rPr>
               <a:t>2</a:t>
             </a:r>
             <a:r>
-              <a:rPr lang="ko-KR" altLang="en-US" dirty="0" smtClean="0"/>
+              <a:rPr lang="ko-KR" altLang="en-US" dirty="0" smtClean="0">
+                <a:solidFill>
+                  <a:sysClr val="windowText" lastClr="000000"/>
+                </a:solidFill>
+              </a:rPr>
               <a:t>위</a:t>
             </a:r>
-            <a:endParaRPr lang="en-US" altLang="ko-KR" dirty="0" smtClean="0"/>
-          </a:p>
-          <a:p>
-            <a:pPr algn="ctr"/>
-            <a:r>
-              <a:rPr lang="en-US" altLang="ko-KR" dirty="0" smtClean="0"/>
+            <a:endParaRPr lang="en-US" altLang="ko-KR" dirty="0" smtClean="0">
+              <a:solidFill>
+                <a:sysClr val="windowText" lastClr="000000"/>
+              </a:solidFill>
+            </a:endParaRPr>
+          </a:p>
+          <a:p>
+            <a:pPr algn="ctr"/>
+            <a:r>
+              <a:rPr lang="en-US" altLang="ko-KR" dirty="0" smtClean="0">
+                <a:solidFill>
+                  <a:sysClr val="windowText" lastClr="000000"/>
+                </a:solidFill>
+              </a:rPr>
               <a:t>3</a:t>
             </a:r>
             <a:r>
-              <a:rPr lang="ko-KR" altLang="en-US" dirty="0" smtClean="0"/>
+              <a:rPr lang="ko-KR" altLang="en-US" dirty="0" smtClean="0">
+                <a:solidFill>
+                  <a:sysClr val="windowText" lastClr="000000"/>
+                </a:solidFill>
+              </a:rPr>
               <a:t>위</a:t>
             </a:r>
-            <a:endParaRPr lang="en-US" altLang="ko-KR" dirty="0" smtClean="0"/>
-          </a:p>
-          <a:p>
-            <a:pPr algn="ctr"/>
-            <a:r>
-              <a:rPr lang="en-US" altLang="ko-KR" dirty="0" smtClean="0"/>
+            <a:endParaRPr lang="en-US" altLang="ko-KR" dirty="0" smtClean="0">
+              <a:solidFill>
+                <a:sysClr val="windowText" lastClr="000000"/>
+              </a:solidFill>
+            </a:endParaRPr>
+          </a:p>
+          <a:p>
+            <a:pPr algn="ctr"/>
+            <a:r>
+              <a:rPr lang="en-US" altLang="ko-KR" dirty="0" smtClean="0">
+                <a:solidFill>
+                  <a:sysClr val="windowText" lastClr="000000"/>
+                </a:solidFill>
+              </a:rPr>
               <a:t>4</a:t>
             </a:r>
             <a:r>
-              <a:rPr lang="ko-KR" altLang="en-US" dirty="0" smtClean="0"/>
+              <a:rPr lang="ko-KR" altLang="en-US" dirty="0" smtClean="0">
+                <a:solidFill>
+                  <a:sysClr val="windowText" lastClr="000000"/>
+                </a:solidFill>
+              </a:rPr>
               <a:t>위</a:t>
             </a:r>
-            <a:endParaRPr lang="en-US" altLang="ko-KR" dirty="0" smtClean="0"/>
-          </a:p>
-          <a:p>
-            <a:pPr algn="ctr"/>
-            <a:r>
-              <a:rPr lang="en-US" altLang="ko-KR" dirty="0" smtClean="0"/>
+            <a:endParaRPr lang="en-US" altLang="ko-KR" dirty="0" smtClean="0">
+              <a:solidFill>
+                <a:sysClr val="windowText" lastClr="000000"/>
+              </a:solidFill>
+            </a:endParaRPr>
+          </a:p>
+          <a:p>
+            <a:pPr algn="ctr"/>
+            <a:r>
+              <a:rPr lang="en-US" altLang="ko-KR" dirty="0" smtClean="0">
+                <a:solidFill>
+                  <a:sysClr val="windowText" lastClr="000000"/>
+                </a:solidFill>
+              </a:rPr>
               <a:t>5</a:t>
             </a:r>
             <a:r>
-              <a:rPr lang="ko-KR" altLang="en-US" dirty="0" smtClean="0"/>
+              <a:rPr lang="ko-KR" altLang="en-US" dirty="0" smtClean="0">
+                <a:solidFill>
+                  <a:sysClr val="windowText" lastClr="000000"/>
+                </a:solidFill>
+              </a:rPr>
               <a:t>위</a:t>
             </a:r>
-            <a:endParaRPr lang="en-US" altLang="ko-KR" dirty="0" smtClean="0"/>
-          </a:p>
-          <a:p>
-            <a:pPr algn="ctr"/>
-            <a:endParaRPr lang="en-US" altLang="ko-KR" dirty="0" smtClean="0"/>
+            <a:endParaRPr lang="en-US" altLang="ko-KR" dirty="0" smtClean="0">
+              <a:solidFill>
+                <a:sysClr val="windowText" lastClr="000000"/>
+              </a:solidFill>
+            </a:endParaRPr>
+          </a:p>
+          <a:p>
+            <a:pPr algn="ctr"/>
+            <a:endParaRPr lang="en-US" altLang="ko-KR" dirty="0" smtClean="0">
+              <a:solidFill>
+                <a:sysClr val="windowText" lastClr="000000"/>
+              </a:solidFill>
+            </a:endParaRPr>
           </a:p>
         </p:txBody>
       </p:sp>
@@ -8922,6 +10058,17 @@
           <a:prstGeom prst="rect">
             <a:avLst/>
           </a:prstGeom>
+          <a:solidFill>
+            <a:srgbClr val="FFB1BE"/>
+          </a:solidFill>
+          <a:ln>
+            <a:solidFill>
+              <a:schemeClr val="tx1">
+                <a:lumMod val="85000"/>
+                <a:lumOff val="15000"/>
+              </a:schemeClr>
+            </a:solidFill>
+          </a:ln>
         </p:spPr>
         <p:style>
           <a:lnRef idx="2">
@@ -8945,10 +10092,18 @@
           <a:p>
             <a:pPr algn="ctr"/>
             <a:r>
-              <a:rPr lang="ko-KR" altLang="en-US" dirty="0" err="1" smtClean="0"/>
+              <a:rPr lang="ko-KR" altLang="en-US" dirty="0" err="1" smtClean="0">
+                <a:solidFill>
+                  <a:sysClr val="windowText" lastClr="000000"/>
+                </a:solidFill>
+              </a:rPr>
               <a:t>더보기</a:t>
             </a:r>
-            <a:endParaRPr lang="ko-KR" altLang="en-US" dirty="0"/>
+            <a:endParaRPr lang="ko-KR" altLang="en-US" dirty="0">
+              <a:solidFill>
+                <a:sysClr val="windowText" lastClr="000000"/>
+              </a:solidFill>
+            </a:endParaRPr>
           </a:p>
         </p:txBody>
       </p:sp>
@@ -8967,14 +10122,14 @@
             <a:avLst/>
           </a:prstGeom>
           <a:solidFill>
-            <a:schemeClr val="accent4">
-              <a:lumMod val="40000"/>
-              <a:lumOff val="60000"/>
-            </a:schemeClr>
+            <a:srgbClr val="FFB1BE"/>
           </a:solidFill>
           <a:ln>
             <a:solidFill>
-              <a:schemeClr val="tx1"/>
+              <a:schemeClr val="tx1">
+                <a:lumMod val="85000"/>
+                <a:lumOff val="15000"/>
+              </a:schemeClr>
             </a:solidFill>
           </a:ln>
         </p:spPr>
@@ -9000,81 +10155,157 @@
           <a:p>
             <a:pPr algn="ctr"/>
             <a:r>
-              <a:rPr lang="ko-KR" altLang="en-US" dirty="0" err="1" smtClean="0"/>
+              <a:rPr lang="ko-KR" altLang="en-US" dirty="0" err="1" smtClean="0">
+                <a:solidFill>
+                  <a:sysClr val="windowText" lastClr="000000"/>
+                </a:solidFill>
+              </a:rPr>
               <a:t>인플루언서</a:t>
             </a:r>
             <a:r>
-              <a:rPr lang="ko-KR" altLang="en-US" dirty="0" smtClean="0"/>
+              <a:rPr lang="ko-KR" altLang="en-US" dirty="0" smtClean="0">
+                <a:solidFill>
+                  <a:sysClr val="windowText" lastClr="000000"/>
+                </a:solidFill>
+              </a:rPr>
               <a:t> </a:t>
             </a:r>
             <a:r>
-              <a:rPr lang="en-US" altLang="ko-KR" dirty="0" smtClean="0"/>
+              <a:rPr lang="en-US" altLang="ko-KR" dirty="0" smtClean="0">
+                <a:solidFill>
+                  <a:sysClr val="windowText" lastClr="000000"/>
+                </a:solidFill>
+              </a:rPr>
               <a:t>Ranking</a:t>
             </a:r>
           </a:p>
           <a:p>
             <a:pPr algn="ctr"/>
             <a:r>
-              <a:rPr lang="en-US" altLang="ko-KR" dirty="0" smtClean="0"/>
+              <a:rPr lang="en-US" altLang="ko-KR" dirty="0" smtClean="0">
+                <a:solidFill>
+                  <a:sysClr val="windowText" lastClr="000000"/>
+                </a:solidFill>
+              </a:rPr>
               <a:t>1</a:t>
             </a:r>
             <a:r>
-              <a:rPr lang="ko-KR" altLang="en-US" dirty="0" smtClean="0"/>
+              <a:rPr lang="ko-KR" altLang="en-US" dirty="0" smtClean="0">
+                <a:solidFill>
+                  <a:sysClr val="windowText" lastClr="000000"/>
+                </a:solidFill>
+              </a:rPr>
               <a:t>위</a:t>
             </a:r>
-            <a:endParaRPr lang="en-US" altLang="ko-KR" dirty="0" smtClean="0"/>
-          </a:p>
-          <a:p>
-            <a:pPr algn="ctr"/>
-            <a:r>
-              <a:rPr lang="en-US" altLang="ko-KR" dirty="0" smtClean="0"/>
+            <a:endParaRPr lang="en-US" altLang="ko-KR" dirty="0" smtClean="0">
+              <a:solidFill>
+                <a:sysClr val="windowText" lastClr="000000"/>
+              </a:solidFill>
+            </a:endParaRPr>
+          </a:p>
+          <a:p>
+            <a:pPr algn="ctr"/>
+            <a:r>
+              <a:rPr lang="en-US" altLang="ko-KR" dirty="0" smtClean="0">
+                <a:solidFill>
+                  <a:sysClr val="windowText" lastClr="000000"/>
+                </a:solidFill>
+              </a:rPr>
               <a:t>2</a:t>
             </a:r>
             <a:r>
-              <a:rPr lang="ko-KR" altLang="en-US" dirty="0" smtClean="0"/>
+              <a:rPr lang="ko-KR" altLang="en-US" dirty="0" smtClean="0">
+                <a:solidFill>
+                  <a:sysClr val="windowText" lastClr="000000"/>
+                </a:solidFill>
+              </a:rPr>
               <a:t>위</a:t>
             </a:r>
-            <a:endParaRPr lang="en-US" altLang="ko-KR" dirty="0" smtClean="0"/>
-          </a:p>
-          <a:p>
-            <a:pPr algn="ctr"/>
-            <a:r>
-              <a:rPr lang="en-US" altLang="ko-KR" dirty="0" smtClean="0"/>
+            <a:endParaRPr lang="en-US" altLang="ko-KR" dirty="0" smtClean="0">
+              <a:solidFill>
+                <a:sysClr val="windowText" lastClr="000000"/>
+              </a:solidFill>
+            </a:endParaRPr>
+          </a:p>
+          <a:p>
+            <a:pPr algn="ctr"/>
+            <a:r>
+              <a:rPr lang="en-US" altLang="ko-KR" dirty="0" smtClean="0">
+                <a:solidFill>
+                  <a:sysClr val="windowText" lastClr="000000"/>
+                </a:solidFill>
+              </a:rPr>
               <a:t>3</a:t>
             </a:r>
             <a:r>
-              <a:rPr lang="ko-KR" altLang="en-US" dirty="0" smtClean="0"/>
+              <a:rPr lang="ko-KR" altLang="en-US" dirty="0" smtClean="0">
+                <a:solidFill>
+                  <a:sysClr val="windowText" lastClr="000000"/>
+                </a:solidFill>
+              </a:rPr>
               <a:t>위</a:t>
             </a:r>
-            <a:endParaRPr lang="en-US" altLang="ko-KR" dirty="0" smtClean="0"/>
-          </a:p>
-          <a:p>
-            <a:pPr algn="ctr"/>
-            <a:r>
-              <a:rPr lang="en-US" altLang="ko-KR" dirty="0" smtClean="0"/>
+            <a:endParaRPr lang="en-US" altLang="ko-KR" dirty="0" smtClean="0">
+              <a:solidFill>
+                <a:sysClr val="windowText" lastClr="000000"/>
+              </a:solidFill>
+            </a:endParaRPr>
+          </a:p>
+          <a:p>
+            <a:pPr algn="ctr"/>
+            <a:r>
+              <a:rPr lang="en-US" altLang="ko-KR" dirty="0" smtClean="0">
+                <a:solidFill>
+                  <a:sysClr val="windowText" lastClr="000000"/>
+                </a:solidFill>
+              </a:rPr>
               <a:t>4</a:t>
             </a:r>
             <a:r>
-              <a:rPr lang="ko-KR" altLang="en-US" dirty="0" smtClean="0"/>
+              <a:rPr lang="ko-KR" altLang="en-US" dirty="0" smtClean="0">
+                <a:solidFill>
+                  <a:sysClr val="windowText" lastClr="000000"/>
+                </a:solidFill>
+              </a:rPr>
               <a:t>위</a:t>
             </a:r>
-            <a:endParaRPr lang="en-US" altLang="ko-KR" dirty="0" smtClean="0"/>
-          </a:p>
-          <a:p>
-            <a:pPr algn="ctr"/>
-            <a:r>
-              <a:rPr lang="en-US" altLang="ko-KR" dirty="0" smtClean="0"/>
+            <a:endParaRPr lang="en-US" altLang="ko-KR" dirty="0" smtClean="0">
+              <a:solidFill>
+                <a:sysClr val="windowText" lastClr="000000"/>
+              </a:solidFill>
+            </a:endParaRPr>
+          </a:p>
+          <a:p>
+            <a:pPr algn="ctr"/>
+            <a:r>
+              <a:rPr lang="en-US" altLang="ko-KR" dirty="0" smtClean="0">
+                <a:solidFill>
+                  <a:sysClr val="windowText" lastClr="000000"/>
+                </a:solidFill>
+              </a:rPr>
               <a:t>5</a:t>
             </a:r>
             <a:r>
-              <a:rPr lang="ko-KR" altLang="en-US" dirty="0" smtClean="0"/>
+              <a:rPr lang="ko-KR" altLang="en-US" dirty="0" smtClean="0">
+                <a:solidFill>
+                  <a:sysClr val="windowText" lastClr="000000"/>
+                </a:solidFill>
+              </a:rPr>
               <a:t>위</a:t>
             </a:r>
-            <a:endParaRPr lang="en-US" altLang="ko-KR" dirty="0" smtClean="0"/>
-          </a:p>
-          <a:p>
-            <a:pPr algn="ctr"/>
-            <a:endParaRPr lang="en-US" altLang="ko-KR" dirty="0" smtClean="0"/>
+            <a:endParaRPr lang="en-US" altLang="ko-KR" dirty="0" smtClean="0">
+              <a:solidFill>
+                <a:sysClr val="windowText" lastClr="000000"/>
+              </a:solidFill>
+            </a:endParaRPr>
+          </a:p>
+          <a:p>
+            <a:pPr algn="ctr"/>
+            <a:endParaRPr lang="en-US" altLang="ko-KR" dirty="0" smtClean="0">
+              <a:solidFill>
+                <a:sysClr val="windowText" lastClr="000000"/>
+              </a:solidFill>
+            </a:endParaRPr>
           </a:p>
         </p:txBody>
       </p:sp>
@@ -9092,6 +10323,17 @@
           <a:prstGeom prst="rect">
             <a:avLst/>
           </a:prstGeom>
+          <a:solidFill>
+            <a:srgbClr val="FFB1BE"/>
+          </a:solidFill>
+          <a:ln>
+            <a:solidFill>
+              <a:schemeClr val="tx1">
+                <a:lumMod val="85000"/>
+                <a:lumOff val="15000"/>
+              </a:schemeClr>
+            </a:solidFill>
+          </a:ln>
         </p:spPr>
         <p:style>
           <a:lnRef idx="2">
@@ -9115,10 +10357,18 @@
           <a:p>
             <a:pPr algn="ctr"/>
             <a:r>
-              <a:rPr lang="ko-KR" altLang="en-US" dirty="0" err="1" smtClean="0"/>
+              <a:rPr lang="ko-KR" altLang="en-US" dirty="0" err="1" smtClean="0">
+                <a:solidFill>
+                  <a:sysClr val="windowText" lastClr="000000"/>
+                </a:solidFill>
+              </a:rPr>
               <a:t>더보기</a:t>
             </a:r>
-            <a:endParaRPr lang="ko-KR" altLang="en-US" dirty="0"/>
+            <a:endParaRPr lang="ko-KR" altLang="en-US" dirty="0">
+              <a:solidFill>
+                <a:sysClr val="windowText" lastClr="000000"/>
+              </a:solidFill>
+            </a:endParaRPr>
           </a:p>
         </p:txBody>
       </p:sp>
@@ -9136,6 +10386,17 @@
           <a:prstGeom prst="rect">
             <a:avLst/>
           </a:prstGeom>
+          <a:solidFill>
+            <a:srgbClr val="FFC6AA"/>
+          </a:solidFill>
+          <a:ln>
+            <a:solidFill>
+              <a:schemeClr val="tx1">
+                <a:lumMod val="85000"/>
+                <a:lumOff val="15000"/>
+              </a:schemeClr>
+            </a:solidFill>
+          </a:ln>
         </p:spPr>
         <p:style>
           <a:lnRef idx="2">
@@ -9159,69 +10420,132 @@
           <a:p>
             <a:pPr algn="ctr"/>
             <a:r>
-              <a:rPr lang="en-US" altLang="ko-KR" dirty="0" smtClean="0"/>
+              <a:rPr lang="en-US" altLang="ko-KR" dirty="0" smtClean="0">
+                <a:solidFill>
+                  <a:sysClr val="windowText" lastClr="000000"/>
+                </a:solidFill>
+              </a:rPr>
               <a:t>Contact : </a:t>
             </a:r>
             <a:r>
               <a:rPr lang="en-US" altLang="ko-KR" dirty="0" smtClean="0">
+                <a:solidFill>
+                  <a:sysClr val="windowText" lastClr="000000"/>
+                </a:solidFill>
                 <a:hlinkClick r:id="rId3"/>
               </a:rPr>
               <a:t>mail@mail.com</a:t>
             </a:r>
-            <a:endParaRPr lang="en-US" altLang="ko-KR" dirty="0" smtClean="0"/>
-          </a:p>
-          <a:p>
-            <a:pPr algn="ctr"/>
-            <a:r>
-              <a:rPr lang="ko-KR" altLang="en-US" dirty="0" smtClean="0"/>
+            <a:endParaRPr lang="en-US" altLang="ko-KR" dirty="0" smtClean="0">
+              <a:solidFill>
+                <a:sysClr val="windowText" lastClr="000000"/>
+              </a:solidFill>
+            </a:endParaRPr>
+          </a:p>
+          <a:p>
+            <a:pPr algn="ctr"/>
+            <a:r>
+              <a:rPr lang="ko-KR" altLang="en-US" dirty="0" smtClean="0">
+                <a:solidFill>
+                  <a:sysClr val="windowText" lastClr="000000"/>
+                </a:solidFill>
+              </a:rPr>
               <a:t>사업자등록번호 </a:t>
             </a:r>
             <a:r>
-              <a:rPr lang="en-US" altLang="ko-KR" dirty="0" smtClean="0"/>
+              <a:rPr lang="en-US" altLang="ko-KR" dirty="0" smtClean="0">
+                <a:solidFill>
+                  <a:sysClr val="windowText" lastClr="000000"/>
+                </a:solidFill>
+              </a:rPr>
               <a:t>: </a:t>
             </a:r>
             <a:r>
-              <a:rPr lang="ko-KR" altLang="en-US" dirty="0" err="1" smtClean="0"/>
+              <a:rPr lang="ko-KR" altLang="en-US" dirty="0" err="1" smtClean="0">
+                <a:solidFill>
+                  <a:sysClr val="windowText" lastClr="000000"/>
+                </a:solidFill>
+              </a:rPr>
               <a:t>어쩌구저쩌구</a:t>
             </a:r>
-            <a:endParaRPr lang="en-US" altLang="ko-KR" dirty="0" smtClean="0"/>
-          </a:p>
-          <a:p>
-            <a:pPr algn="ctr"/>
-            <a:r>
-              <a:rPr lang="en-US" altLang="ko-KR" dirty="0" smtClean="0"/>
+            <a:endParaRPr lang="en-US" altLang="ko-KR" dirty="0" smtClean="0">
+              <a:solidFill>
+                <a:sysClr val="windowText" lastClr="000000"/>
+              </a:solidFill>
+            </a:endParaRPr>
+          </a:p>
+          <a:p>
+            <a:pPr algn="ctr"/>
+            <a:r>
+              <a:rPr lang="en-US" altLang="ko-KR" dirty="0" smtClean="0">
+                <a:solidFill>
+                  <a:sysClr val="windowText" lastClr="000000"/>
+                </a:solidFill>
+              </a:rPr>
               <a:t>CS : 010-0000-0000</a:t>
             </a:r>
-            <a:endParaRPr lang="en-US" altLang="ko-KR" dirty="0"/>
-          </a:p>
-          <a:p>
-            <a:pPr algn="ctr"/>
-            <a:r>
-              <a:rPr lang="ko-KR" altLang="en-US" dirty="0" err="1" smtClean="0"/>
+            <a:endParaRPr lang="en-US" altLang="ko-KR" dirty="0">
+              <a:solidFill>
+                <a:sysClr val="windowText" lastClr="000000"/>
+              </a:solidFill>
+            </a:endParaRPr>
+          </a:p>
+          <a:p>
+            <a:pPr algn="ctr"/>
+            <a:r>
+              <a:rPr lang="ko-KR" altLang="en-US" dirty="0" err="1" smtClean="0">
+                <a:solidFill>
+                  <a:sysClr val="windowText" lastClr="000000"/>
+                </a:solidFill>
+              </a:rPr>
               <a:t>입점문의</a:t>
             </a:r>
             <a:r>
-              <a:rPr lang="ko-KR" altLang="en-US" dirty="0" smtClean="0"/>
+              <a:rPr lang="ko-KR" altLang="en-US" dirty="0" smtClean="0">
+                <a:solidFill>
+                  <a:sysClr val="windowText" lastClr="000000"/>
+                </a:solidFill>
+              </a:rPr>
               <a:t> </a:t>
             </a:r>
             <a:r>
-              <a:rPr lang="en-US" altLang="ko-KR" dirty="0" smtClean="0"/>
+              <a:rPr lang="en-US" altLang="ko-KR" dirty="0" smtClean="0">
+                <a:solidFill>
+                  <a:sysClr val="windowText" lastClr="000000"/>
+                </a:solidFill>
+              </a:rPr>
               <a:t>: </a:t>
             </a:r>
             <a:r>
-              <a:rPr lang="ko-KR" altLang="en-US" dirty="0" err="1" smtClean="0"/>
+              <a:rPr lang="ko-KR" altLang="en-US" dirty="0" err="1" smtClean="0">
+                <a:solidFill>
+                  <a:sysClr val="windowText" lastClr="000000"/>
+                </a:solidFill>
+              </a:rPr>
               <a:t>어쩌구저쩌구</a:t>
             </a:r>
-            <a:endParaRPr lang="en-US" altLang="ko-KR" dirty="0" smtClean="0"/>
-          </a:p>
-          <a:p>
-            <a:pPr algn="ctr"/>
-            <a:r>
-              <a:rPr lang="ko-KR" altLang="en-US" dirty="0" smtClean="0"/>
+            <a:endParaRPr lang="en-US" altLang="ko-KR" dirty="0" smtClean="0">
+              <a:solidFill>
+                <a:sysClr val="windowText" lastClr="000000"/>
+              </a:solidFill>
+            </a:endParaRPr>
+          </a:p>
+          <a:p>
+            <a:pPr algn="ctr"/>
+            <a:r>
+              <a:rPr lang="ko-KR" altLang="en-US" dirty="0" smtClean="0">
+                <a:solidFill>
+                  <a:sysClr val="windowText" lastClr="000000"/>
+                </a:solidFill>
+              </a:rPr>
               <a:t>라이선스 </a:t>
             </a:r>
             <a:r>
-              <a:rPr lang="en-US" altLang="ko-KR" dirty="0" smtClean="0"/>
+              <a:rPr lang="en-US" altLang="ko-KR" dirty="0" smtClean="0">
+                <a:solidFill>
+                  <a:sysClr val="windowText" lastClr="000000"/>
+                </a:solidFill>
+              </a:rPr>
               <a:t>: ~~~</a:t>
             </a:r>
           </a:p>
@@ -9249,7 +10573,10 @@
           </a:solidFill>
           <a:ln>
             <a:solidFill>
-              <a:schemeClr val="tx1"/>
+              <a:schemeClr val="tx1">
+                <a:lumMod val="85000"/>
+                <a:lumOff val="15000"/>
+              </a:schemeClr>
             </a:solidFill>
           </a:ln>
         </p:spPr>
@@ -9275,10 +10602,18 @@
           <a:p>
             <a:pPr algn="ctr"/>
             <a:r>
-              <a:rPr lang="ko-KR" altLang="en-US" smtClean="0"/>
+              <a:rPr lang="ko-KR" altLang="en-US" smtClean="0">
+                <a:solidFill>
+                  <a:sysClr val="windowText" lastClr="000000"/>
+                </a:solidFill>
+              </a:rPr>
               <a:t>고객문의</a:t>
             </a:r>
-            <a:endParaRPr lang="ko-KR" altLang="en-US"/>
+            <a:endParaRPr lang="ko-KR" altLang="en-US">
+              <a:solidFill>
+                <a:sysClr val="windowText" lastClr="000000"/>
+              </a:solidFill>
+            </a:endParaRPr>
           </a:p>
         </p:txBody>
       </p:sp>
@@ -9326,6 +10661,17 @@
           <a:prstGeom prst="rect">
             <a:avLst/>
           </a:prstGeom>
+          <a:solidFill>
+            <a:srgbClr val="FFB9C6"/>
+          </a:solidFill>
+          <a:ln>
+            <a:solidFill>
+              <a:schemeClr val="tx1">
+                <a:lumMod val="85000"/>
+                <a:lumOff val="15000"/>
+              </a:schemeClr>
+            </a:solidFill>
+          </a:ln>
         </p:spPr>
         <p:style>
           <a:lnRef idx="2">
@@ -9349,10 +10695,18 @@
           <a:p>
             <a:pPr algn="ctr"/>
             <a:r>
-              <a:rPr lang="ko-KR" altLang="en-US" dirty="0" smtClean="0"/>
+              <a:rPr lang="ko-KR" altLang="en-US" dirty="0" smtClean="0">
+                <a:solidFill>
+                  <a:sysClr val="windowText" lastClr="000000"/>
+                </a:solidFill>
+              </a:rPr>
               <a:t>멋진 이미지</a:t>
             </a:r>
-            <a:endParaRPr lang="ko-KR" altLang="en-US" dirty="0"/>
+            <a:endParaRPr lang="ko-KR" altLang="en-US" dirty="0">
+              <a:solidFill>
+                <a:sysClr val="windowText" lastClr="000000"/>
+              </a:solidFill>
+            </a:endParaRPr>
           </a:p>
         </p:txBody>
       </p:sp>
@@ -9370,6 +10724,17 @@
           <a:prstGeom prst="rect">
             <a:avLst/>
           </a:prstGeom>
+          <a:solidFill>
+            <a:srgbClr val="FFC6AA"/>
+          </a:solidFill>
+          <a:ln>
+            <a:solidFill>
+              <a:schemeClr val="tx1">
+                <a:lumMod val="85000"/>
+                <a:lumOff val="15000"/>
+              </a:schemeClr>
+            </a:solidFill>
+          </a:ln>
         </p:spPr>
         <p:style>
           <a:lnRef idx="2">
@@ -9393,10 +10758,18 @@
           <a:p>
             <a:pPr algn="ctr"/>
             <a:r>
-              <a:rPr lang="ko-KR" altLang="en-US" dirty="0" smtClean="0"/>
+              <a:rPr lang="ko-KR" altLang="en-US" dirty="0" smtClean="0">
+                <a:solidFill>
+                  <a:sysClr val="windowText" lastClr="000000"/>
+                </a:solidFill>
+              </a:rPr>
               <a:t>로고</a:t>
             </a:r>
-            <a:endParaRPr lang="ko-KR" altLang="en-US" dirty="0"/>
+            <a:endParaRPr lang="ko-KR" altLang="en-US" dirty="0">
+              <a:solidFill>
+                <a:sysClr val="windowText" lastClr="000000"/>
+              </a:solidFill>
+            </a:endParaRPr>
           </a:p>
         </p:txBody>
       </p:sp>
@@ -9414,6 +10787,17 @@
           <a:prstGeom prst="rect">
             <a:avLst/>
           </a:prstGeom>
+          <a:solidFill>
+            <a:srgbClr val="FFC6AA"/>
+          </a:solidFill>
+          <a:ln>
+            <a:solidFill>
+              <a:schemeClr val="tx1">
+                <a:lumMod val="85000"/>
+                <a:lumOff val="15000"/>
+              </a:schemeClr>
+            </a:solidFill>
+          </a:ln>
         </p:spPr>
         <p:style>
           <a:lnRef idx="2">
@@ -9437,10 +10821,18 @@
           <a:p>
             <a:pPr algn="ctr"/>
             <a:r>
-              <a:rPr lang="en-US" altLang="ko-KR" dirty="0" smtClean="0"/>
+              <a:rPr lang="en-US" altLang="ko-KR" dirty="0" smtClean="0">
+                <a:solidFill>
+                  <a:sysClr val="windowText" lastClr="000000"/>
+                </a:solidFill>
+              </a:rPr>
               <a:t>ID</a:t>
             </a:r>
-            <a:endParaRPr lang="ko-KR" altLang="en-US" dirty="0"/>
+            <a:endParaRPr lang="ko-KR" altLang="en-US" dirty="0">
+              <a:solidFill>
+                <a:sysClr val="windowText" lastClr="000000"/>
+              </a:solidFill>
+            </a:endParaRPr>
           </a:p>
         </p:txBody>
       </p:sp>
@@ -9458,6 +10850,17 @@
           <a:prstGeom prst="rect">
             <a:avLst/>
           </a:prstGeom>
+          <a:solidFill>
+            <a:srgbClr val="FFC6AA"/>
+          </a:solidFill>
+          <a:ln>
+            <a:solidFill>
+              <a:schemeClr val="tx1">
+                <a:lumMod val="85000"/>
+                <a:lumOff val="15000"/>
+              </a:schemeClr>
+            </a:solidFill>
+          </a:ln>
         </p:spPr>
         <p:style>
           <a:lnRef idx="2">
@@ -9481,10 +10884,18 @@
           <a:p>
             <a:pPr algn="ctr"/>
             <a:r>
-              <a:rPr lang="en-US" altLang="ko-KR" dirty="0" smtClean="0"/>
+              <a:rPr lang="en-US" altLang="ko-KR" dirty="0" smtClean="0">
+                <a:solidFill>
+                  <a:sysClr val="windowText" lastClr="000000"/>
+                </a:solidFill>
+              </a:rPr>
               <a:t>PASSWORD</a:t>
             </a:r>
-            <a:endParaRPr lang="ko-KR" altLang="en-US" dirty="0"/>
+            <a:endParaRPr lang="ko-KR" altLang="en-US" dirty="0">
+              <a:solidFill>
+                <a:sysClr val="windowText" lastClr="000000"/>
+              </a:solidFill>
+            </a:endParaRPr>
           </a:p>
         </p:txBody>
       </p:sp>
@@ -9502,6 +10913,17 @@
           <a:prstGeom prst="rect">
             <a:avLst/>
           </a:prstGeom>
+          <a:solidFill>
+            <a:srgbClr val="FFC6AA"/>
+          </a:solidFill>
+          <a:ln>
+            <a:solidFill>
+              <a:schemeClr val="tx1">
+                <a:lumMod val="85000"/>
+                <a:lumOff val="15000"/>
+              </a:schemeClr>
+            </a:solidFill>
+          </a:ln>
         </p:spPr>
         <p:style>
           <a:lnRef idx="2">
@@ -9525,18 +10947,34 @@
           <a:p>
             <a:pPr algn="ctr"/>
             <a:r>
-              <a:rPr lang="ko-KR" altLang="en-US" dirty="0" smtClean="0"/>
+              <a:rPr lang="ko-KR" altLang="en-US" dirty="0" smtClean="0">
+                <a:solidFill>
+                  <a:sysClr val="windowText" lastClr="000000"/>
+                </a:solidFill>
+              </a:rPr>
               <a:t>로</a:t>
             </a:r>
             <a:r>
-              <a:rPr lang="en-US" altLang="ko-KR" dirty="0" smtClean="0"/>
+              <a:rPr lang="en-US" altLang="ko-KR" dirty="0" smtClean="0">
+                <a:solidFill>
+                  <a:sysClr val="windowText" lastClr="000000"/>
+                </a:solidFill>
+              </a:rPr>
               <a:t> </a:t>
             </a:r>
             <a:r>
-              <a:rPr lang="ko-KR" altLang="en-US" dirty="0" smtClean="0"/>
+              <a:rPr lang="ko-KR" altLang="en-US" dirty="0" smtClean="0">
+                <a:solidFill>
+                  <a:sysClr val="windowText" lastClr="000000"/>
+                </a:solidFill>
+              </a:rPr>
               <a:t>그 인</a:t>
             </a:r>
-            <a:endParaRPr lang="ko-KR" altLang="en-US" dirty="0"/>
+            <a:endParaRPr lang="ko-KR" altLang="en-US" dirty="0">
+              <a:solidFill>
+                <a:sysClr val="windowText" lastClr="000000"/>
+              </a:solidFill>
+            </a:endParaRPr>
           </a:p>
         </p:txBody>
       </p:sp>
@@ -9618,6 +11056,17 @@
           <a:prstGeom prst="rect">
             <a:avLst/>
           </a:prstGeom>
+          <a:solidFill>
+            <a:srgbClr val="FFC6AA"/>
+          </a:solidFill>
+          <a:ln>
+            <a:solidFill>
+              <a:schemeClr val="tx1">
+                <a:lumMod val="85000"/>
+                <a:lumOff val="15000"/>
+              </a:schemeClr>
+            </a:solidFill>
+          </a:ln>
         </p:spPr>
         <p:style>
           <a:lnRef idx="2">
@@ -9641,14 +11090,26 @@
           <a:p>
             <a:pPr algn="ctr"/>
             <a:r>
-              <a:rPr lang="en-US" altLang="ko-KR" dirty="0" smtClean="0"/>
+              <a:rPr lang="en-US" altLang="ko-KR" dirty="0" smtClean="0">
+                <a:solidFill>
+                  <a:sysClr val="windowText" lastClr="000000"/>
+                </a:solidFill>
+              </a:rPr>
               <a:t>Google</a:t>
             </a:r>
             <a:r>
-              <a:rPr lang="ko-KR" altLang="en-US" dirty="0" smtClean="0"/>
+              <a:rPr lang="ko-KR" altLang="en-US" dirty="0" smtClean="0">
+                <a:solidFill>
+                  <a:sysClr val="windowText" lastClr="000000"/>
+                </a:solidFill>
+              </a:rPr>
               <a:t>로 로그인</a:t>
             </a:r>
-            <a:endParaRPr lang="ko-KR" altLang="en-US" dirty="0"/>
+            <a:endParaRPr lang="ko-KR" altLang="en-US" dirty="0">
+              <a:solidFill>
+                <a:sysClr val="windowText" lastClr="000000"/>
+              </a:solidFill>
+            </a:endParaRPr>
           </a:p>
         </p:txBody>
       </p:sp>
@@ -9696,6 +11157,17 @@
           <a:prstGeom prst="rect">
             <a:avLst/>
           </a:prstGeom>
+          <a:solidFill>
+            <a:srgbClr val="FFB9C6"/>
+          </a:solidFill>
+          <a:ln>
+            <a:solidFill>
+              <a:schemeClr val="tx1">
+                <a:lumMod val="85000"/>
+                <a:lumOff val="15000"/>
+              </a:schemeClr>
+            </a:solidFill>
+          </a:ln>
         </p:spPr>
         <p:style>
           <a:lnRef idx="2">
@@ -9748,6 +11220,20 @@
           <a:prstGeom prst="rect">
             <a:avLst/>
           </a:prstGeom>
+          <a:solidFill>
+            <a:schemeClr val="accent1">
+              <a:lumMod val="40000"/>
+              <a:lumOff val="60000"/>
+            </a:schemeClr>
+          </a:solidFill>
+          <a:ln>
+            <a:solidFill>
+              <a:schemeClr val="tx1">
+                <a:lumMod val="85000"/>
+                <a:lumOff val="15000"/>
+              </a:schemeClr>
+            </a:solidFill>
+          </a:ln>
         </p:spPr>
         <p:style>
           <a:lnRef idx="2">
@@ -9792,6 +11278,17 @@
           <a:prstGeom prst="rect">
             <a:avLst/>
           </a:prstGeom>
+          <a:solidFill>
+            <a:srgbClr val="FFC6AA"/>
+          </a:solidFill>
+          <a:ln>
+            <a:solidFill>
+              <a:schemeClr val="tx1">
+                <a:lumMod val="85000"/>
+                <a:lumOff val="15000"/>
+              </a:schemeClr>
+            </a:solidFill>
+          </a:ln>
         </p:spPr>
         <p:style>
           <a:lnRef idx="2">
@@ -9892,18 +11389,24 @@
       </p:grpSpPr>
       <p:sp>
         <p:nvSpPr>
-          <p:cNvPr id="2" name="직사각형 1"/>
+          <p:cNvPr id="3" name="직사각형 2"/>
           <p:cNvSpPr/>
           <p:nvPr/>
         </p:nvSpPr>
         <p:spPr>
           <a:xfrm>
-            <a:off x="0" y="117566"/>
-            <a:ext cx="5355771" cy="6596743"/>
-          </a:xfrm>
-          <a:prstGeom prst="rect">
-            <a:avLst/>
-          </a:prstGeom>
+            <a:off x="0" y="0"/>
+            <a:ext cx="12192000" cy="6858000"/>
+          </a:xfrm>
+          <a:prstGeom prst="rect">
+            <a:avLst/>
+          </a:prstGeom>
+          <a:solidFill>
+            <a:srgbClr val="FFC6AA"/>
+          </a:solidFill>
+          <a:ln>
+            <a:noFill/>
+          </a:ln>
         </p:spPr>
         <p:style>
           <a:lnRef idx="2">
@@ -9926,11 +11429,65 @@
           <a:lstStyle/>
           <a:p>
             <a:pPr algn="ctr"/>
-            <a:r>
-              <a:rPr lang="ko-KR" altLang="en-US" dirty="0" smtClean="0"/>
+            <a:endParaRPr lang="ko-KR" altLang="en-US"/>
+          </a:p>
+        </p:txBody>
+      </p:sp>
+      <p:sp>
+        <p:nvSpPr>
+          <p:cNvPr id="2" name="직사각형 1"/>
+          <p:cNvSpPr/>
+          <p:nvPr/>
+        </p:nvSpPr>
+        <p:spPr>
+          <a:xfrm>
+            <a:off x="0" y="117566"/>
+            <a:ext cx="5355771" cy="6596743"/>
+          </a:xfrm>
+          <a:prstGeom prst="rect">
+            <a:avLst/>
+          </a:prstGeom>
+          <a:solidFill>
+            <a:schemeClr val="bg1"/>
+          </a:solidFill>
+          <a:ln>
+            <a:noFill/>
+          </a:ln>
+        </p:spPr>
+        <p:style>
+          <a:lnRef idx="2">
+            <a:schemeClr val="accent1">
+              <a:shade val="50000"/>
+            </a:schemeClr>
+          </a:lnRef>
+          <a:fillRef idx="1">
+            <a:schemeClr val="accent1"/>
+          </a:fillRef>
+          <a:effectRef idx="0">
+            <a:schemeClr val="accent1"/>
+          </a:effectRef>
+          <a:fontRef idx="minor">
+            <a:schemeClr val="lt1"/>
+          </a:fontRef>
+        </p:style>
+        <p:txBody>
+          <a:bodyPr rtlCol="0" anchor="ctr"/>
+          <a:lstStyle/>
+          <a:p>
+            <a:pPr algn="ctr"/>
+            <a:r>
+              <a:rPr lang="ko-KR" altLang="en-US" dirty="0" smtClean="0">
+                <a:solidFill>
+                  <a:sysClr val="windowText" lastClr="000000"/>
+                </a:solidFill>
+              </a:rPr>
               <a:t>자연 이미지</a:t>
             </a:r>
-            <a:endParaRPr lang="ko-KR" altLang="en-US" dirty="0"/>
+            <a:endParaRPr lang="ko-KR" altLang="en-US" dirty="0">
+              <a:solidFill>
+                <a:sysClr val="windowText" lastClr="000000"/>
+              </a:solidFill>
+            </a:endParaRPr>
           </a:p>
         </p:txBody>
       </p:sp>
@@ -9948,7 +11505,12 @@
           <a:prstGeom prst="rect">
             <a:avLst/>
           </a:prstGeom>
-          <a:noFill/>
+          <a:solidFill>
+            <a:schemeClr val="bg1"/>
+          </a:solidFill>
+          <a:ln>
+            <a:noFill/>
+          </a:ln>
         </p:spPr>
         <p:txBody>
           <a:bodyPr wrap="square" rtlCol="0">
@@ -9978,7 +11540,12 @@
           <a:prstGeom prst="rect">
             <a:avLst/>
           </a:prstGeom>
-          <a:noFill/>
+          <a:solidFill>
+            <a:schemeClr val="bg1"/>
+          </a:solidFill>
+          <a:ln>
+            <a:noFill/>
+          </a:ln>
         </p:spPr>
         <p:txBody>
           <a:bodyPr wrap="square" rtlCol="0">
@@ -10008,7 +11575,12 @@
           <a:prstGeom prst="rect">
             <a:avLst/>
           </a:prstGeom>
-          <a:noFill/>
+          <a:solidFill>
+            <a:schemeClr val="bg1"/>
+          </a:solidFill>
+          <a:ln>
+            <a:noFill/>
+          </a:ln>
         </p:spPr>
         <p:txBody>
           <a:bodyPr wrap="square" rtlCol="0">
@@ -10038,7 +11610,12 @@
           <a:prstGeom prst="rect">
             <a:avLst/>
           </a:prstGeom>
-          <a:noFill/>
+          <a:solidFill>
+            <a:schemeClr val="bg1"/>
+          </a:solidFill>
+          <a:ln>
+            <a:noFill/>
+          </a:ln>
         </p:spPr>
         <p:txBody>
           <a:bodyPr wrap="square" rtlCol="0">
@@ -10068,7 +11645,12 @@
           <a:prstGeom prst="rect">
             <a:avLst/>
           </a:prstGeom>
-          <a:noFill/>
+          <a:solidFill>
+            <a:schemeClr val="bg1"/>
+          </a:solidFill>
+          <a:ln>
+            <a:noFill/>
+          </a:ln>
         </p:spPr>
         <p:txBody>
           <a:bodyPr wrap="square" rtlCol="0">
@@ -10098,7 +11680,12 @@
           <a:prstGeom prst="rect">
             <a:avLst/>
           </a:prstGeom>
-          <a:noFill/>
+          <a:solidFill>
+            <a:schemeClr val="bg1"/>
+          </a:solidFill>
+          <a:ln>
+            <a:noFill/>
+          </a:ln>
         </p:spPr>
         <p:txBody>
           <a:bodyPr wrap="square" rtlCol="0">
@@ -10128,7 +11715,12 @@
           <a:prstGeom prst="rect">
             <a:avLst/>
           </a:prstGeom>
-          <a:noFill/>
+          <a:solidFill>
+            <a:schemeClr val="bg1"/>
+          </a:solidFill>
+          <a:ln>
+            <a:noFill/>
+          </a:ln>
         </p:spPr>
         <p:txBody>
           <a:bodyPr wrap="square" rtlCol="0">
@@ -10158,7 +11750,12 @@
           <a:prstGeom prst="rect">
             <a:avLst/>
           </a:prstGeom>
-          <a:noFill/>
+          <a:solidFill>
+            <a:schemeClr val="bg1"/>
+          </a:solidFill>
+          <a:ln>
+            <a:noFill/>
+          </a:ln>
         </p:spPr>
         <p:txBody>
           <a:bodyPr wrap="square" rtlCol="0">
@@ -10206,18 +11803,24 @@
       </p:grpSpPr>
       <p:sp>
         <p:nvSpPr>
-          <p:cNvPr id="2" name="직사각형 1"/>
+          <p:cNvPr id="7" name="직사각형 6"/>
           <p:cNvSpPr/>
           <p:nvPr/>
         </p:nvSpPr>
         <p:spPr>
           <a:xfrm>
-            <a:off x="0" y="117566"/>
-            <a:ext cx="5355771" cy="6596743"/>
-          </a:xfrm>
-          <a:prstGeom prst="rect">
-            <a:avLst/>
-          </a:prstGeom>
+            <a:off x="0" y="0"/>
+            <a:ext cx="12192000" cy="6858000"/>
+          </a:xfrm>
+          <a:prstGeom prst="rect">
+            <a:avLst/>
+          </a:prstGeom>
+          <a:solidFill>
+            <a:srgbClr val="FFC6AA"/>
+          </a:solidFill>
+          <a:ln>
+            <a:noFill/>
+          </a:ln>
         </p:spPr>
         <p:style>
           <a:lnRef idx="2">
@@ -10240,28 +11843,30 @@
           <a:lstStyle/>
           <a:p>
             <a:pPr algn="ctr"/>
-            <a:r>
-              <a:rPr lang="ko-KR" altLang="en-US" dirty="0" smtClean="0"/>
-              <a:t>자연 이미지</a:t>
-            </a:r>
-            <a:endParaRPr lang="ko-KR" altLang="en-US" dirty="0"/>
-          </a:p>
-        </p:txBody>
-      </p:sp>
-      <p:sp>
-        <p:nvSpPr>
-          <p:cNvPr id="3" name="타원 2"/>
+            <a:endParaRPr lang="ko-KR" altLang="en-US"/>
+          </a:p>
+        </p:txBody>
+      </p:sp>
+      <p:sp>
+        <p:nvSpPr>
+          <p:cNvPr id="2" name="직사각형 1"/>
           <p:cNvSpPr/>
           <p:nvPr/>
         </p:nvSpPr>
         <p:spPr>
           <a:xfrm>
-            <a:off x="6897189" y="796835"/>
-            <a:ext cx="1384662" cy="1227908"/>
-          </a:xfrm>
-          <a:prstGeom prst="ellipse">
-            <a:avLst/>
-          </a:prstGeom>
+            <a:off x="35168" y="117566"/>
+            <a:ext cx="5355771" cy="6596743"/>
+          </a:xfrm>
+          <a:prstGeom prst="rect">
+            <a:avLst/>
+          </a:prstGeom>
+          <a:solidFill>
+            <a:schemeClr val="bg1"/>
+          </a:solidFill>
+          <a:ln>
+            <a:noFill/>
+          </a:ln>
         </p:spPr>
         <p:style>
           <a:lnRef idx="2">
@@ -10284,62 +11889,42 @@
           <a:lstStyle/>
           <a:p>
             <a:pPr algn="ctr"/>
-            <a:endParaRPr lang="ko-KR" altLang="en-US"/>
-          </a:p>
-        </p:txBody>
-      </p:sp>
-      <p:sp>
-        <p:nvSpPr>
-          <p:cNvPr id="4" name="TextBox 3"/>
-          <p:cNvSpPr txBox="1"/>
-          <p:nvPr/>
-        </p:nvSpPr>
-        <p:spPr>
-          <a:xfrm>
-            <a:off x="9026434" y="1226123"/>
-            <a:ext cx="2926080" cy="369332"/>
-          </a:xfrm>
-          <a:prstGeom prst="rect">
-            <a:avLst/>
-          </a:prstGeom>
-          <a:noFill/>
-        </p:spPr>
-        <p:txBody>
-          <a:bodyPr wrap="square" rtlCol="0">
-            <a:spAutoFit/>
-          </a:bodyPr>
-          <a:lstStyle/>
-          <a:p>
-            <a:r>
-              <a:rPr lang="en-US" altLang="ko-KR" dirty="0" err="1" smtClean="0"/>
-              <a:t>Profic</a:t>
-            </a:r>
-            <a:r>
-              <a:rPr lang="en-US" altLang="ko-KR" dirty="0" smtClean="0"/>
-              <a:t> </a:t>
-            </a:r>
-            <a:r>
-              <a:rPr lang="ko-KR" altLang="en-US" dirty="0" smtClean="0"/>
-              <a:t>삽입</a:t>
-            </a:r>
-            <a:endParaRPr lang="ko-KR" altLang="en-US" dirty="0"/>
-          </a:p>
-        </p:txBody>
-      </p:sp>
-      <p:sp>
-        <p:nvSpPr>
-          <p:cNvPr id="5" name="직사각형 4"/>
+            <a:r>
+              <a:rPr lang="ko-KR" altLang="en-US" dirty="0" smtClean="0">
+                <a:solidFill>
+                  <a:sysClr val="windowText" lastClr="000000"/>
+                </a:solidFill>
+              </a:rPr>
+              <a:t>자연 이미지</a:t>
+            </a:r>
+            <a:endParaRPr lang="ko-KR" altLang="en-US" dirty="0">
+              <a:solidFill>
+                <a:sysClr val="windowText" lastClr="000000"/>
+              </a:solidFill>
+            </a:endParaRPr>
+          </a:p>
+        </p:txBody>
+      </p:sp>
+      <p:sp>
+        <p:nvSpPr>
+          <p:cNvPr id="3" name="타원 2"/>
           <p:cNvSpPr/>
           <p:nvPr/>
         </p:nvSpPr>
         <p:spPr>
           <a:xfrm>
-            <a:off x="6322423" y="2573383"/>
-            <a:ext cx="5408023" cy="1110343"/>
-          </a:xfrm>
-          <a:prstGeom prst="rect">
-            <a:avLst/>
-          </a:prstGeom>
+            <a:off x="6897189" y="796835"/>
+            <a:ext cx="1384662" cy="1227908"/>
+          </a:xfrm>
+          <a:prstGeom prst="ellipse">
+            <a:avLst/>
+          </a:prstGeom>
+          <a:solidFill>
+            <a:schemeClr val="bg1"/>
+          </a:solidFill>
+          <a:ln>
+            <a:noFill/>
+          </a:ln>
         </p:spPr>
         <p:style>
           <a:lnRef idx="2">
@@ -10362,25 +11947,34 @@
           <a:lstStyle/>
           <a:p>
             <a:pPr algn="ctr"/>
-            <a:endParaRPr lang="ko-KR" altLang="en-US"/>
-          </a:p>
-        </p:txBody>
-      </p:sp>
-      <p:sp>
-        <p:nvSpPr>
-          <p:cNvPr id="6" name="TextBox 5"/>
+            <a:endParaRPr lang="ko-KR" altLang="en-US">
+              <a:solidFill>
+                <a:sysClr val="windowText" lastClr="000000"/>
+              </a:solidFill>
+            </a:endParaRPr>
+          </a:p>
+        </p:txBody>
+      </p:sp>
+      <p:sp>
+        <p:nvSpPr>
+          <p:cNvPr id="4" name="TextBox 3"/>
           <p:cNvSpPr txBox="1"/>
           <p:nvPr/>
         </p:nvSpPr>
         <p:spPr>
           <a:xfrm>
-            <a:off x="7563394" y="4476988"/>
+            <a:off x="9026434" y="1226123"/>
             <a:ext cx="2926080" cy="369332"/>
           </a:xfrm>
           <a:prstGeom prst="rect">
             <a:avLst/>
           </a:prstGeom>
-          <a:noFill/>
+          <a:solidFill>
+            <a:schemeClr val="bg1"/>
+          </a:solidFill>
+          <a:ln>
+            <a:noFill/>
+          </a:ln>
         </p:spPr>
         <p:txBody>
           <a:bodyPr wrap="square" rtlCol="0">
@@ -10389,18 +11983,143 @@
           <a:lstStyle/>
           <a:p>
             <a:r>
-              <a:rPr lang="en-US" altLang="ko-KR" dirty="0" err="1" smtClean="0"/>
+              <a:rPr lang="en-US" altLang="ko-KR" dirty="0" err="1" smtClean="0">
+                <a:solidFill>
+                  <a:sysClr val="windowText" lastClr="000000"/>
+                </a:solidFill>
+              </a:rPr>
+              <a:t>Profic</a:t>
+            </a:r>
+            <a:r>
+              <a:rPr lang="en-US" altLang="ko-KR" dirty="0" smtClean="0">
+                <a:solidFill>
+                  <a:sysClr val="windowText" lastClr="000000"/>
+                </a:solidFill>
+              </a:rPr>
+              <a:t> </a:t>
+            </a:r>
+            <a:r>
+              <a:rPr lang="ko-KR" altLang="en-US" dirty="0" smtClean="0">
+                <a:solidFill>
+                  <a:sysClr val="windowText" lastClr="000000"/>
+                </a:solidFill>
+              </a:rPr>
+              <a:t>삽입</a:t>
+            </a:r>
+            <a:endParaRPr lang="ko-KR" altLang="en-US" dirty="0">
+              <a:solidFill>
+                <a:sysClr val="windowText" lastClr="000000"/>
+              </a:solidFill>
+            </a:endParaRPr>
+          </a:p>
+        </p:txBody>
+      </p:sp>
+      <p:sp>
+        <p:nvSpPr>
+          <p:cNvPr id="5" name="직사각형 4"/>
+          <p:cNvSpPr/>
+          <p:nvPr/>
+        </p:nvSpPr>
+        <p:spPr>
+          <a:xfrm>
+            <a:off x="6322423" y="2573383"/>
+            <a:ext cx="5408023" cy="1110343"/>
+          </a:xfrm>
+          <a:prstGeom prst="rect">
+            <a:avLst/>
+          </a:prstGeom>
+          <a:solidFill>
+            <a:schemeClr val="bg1"/>
+          </a:solidFill>
+          <a:ln>
+            <a:noFill/>
+          </a:ln>
+        </p:spPr>
+        <p:style>
+          <a:lnRef idx="2">
+            <a:schemeClr val="accent1">
+              <a:shade val="50000"/>
+            </a:schemeClr>
+          </a:lnRef>
+          <a:fillRef idx="1">
+            <a:schemeClr val="accent1"/>
+          </a:fillRef>
+          <a:effectRef idx="0">
+            <a:schemeClr val="accent1"/>
+          </a:effectRef>
+          <a:fontRef idx="minor">
+            <a:schemeClr val="lt1"/>
+          </a:fontRef>
+        </p:style>
+        <p:txBody>
+          <a:bodyPr rtlCol="0" anchor="ctr"/>
+          <a:lstStyle/>
+          <a:p>
+            <a:pPr algn="ctr"/>
+            <a:endParaRPr lang="ko-KR" altLang="en-US">
+              <a:solidFill>
+                <a:sysClr val="windowText" lastClr="000000"/>
+              </a:solidFill>
+            </a:endParaRPr>
+          </a:p>
+        </p:txBody>
+      </p:sp>
+      <p:sp>
+        <p:nvSpPr>
+          <p:cNvPr id="6" name="TextBox 5"/>
+          <p:cNvSpPr txBox="1"/>
+          <p:nvPr/>
+        </p:nvSpPr>
+        <p:spPr>
+          <a:xfrm>
+            <a:off x="7563394" y="4476988"/>
+            <a:ext cx="2926080" cy="369332"/>
+          </a:xfrm>
+          <a:prstGeom prst="rect">
+            <a:avLst/>
+          </a:prstGeom>
+          <a:solidFill>
+            <a:schemeClr val="bg1"/>
+          </a:solidFill>
+          <a:ln>
+            <a:noFill/>
+          </a:ln>
+        </p:spPr>
+        <p:txBody>
+          <a:bodyPr wrap="square" rtlCol="0">
+            <a:spAutoFit/>
+          </a:bodyPr>
+          <a:lstStyle/>
+          <a:p>
+            <a:r>
+              <a:rPr lang="en-US" altLang="ko-KR" dirty="0" err="1" smtClean="0">
+                <a:solidFill>
+                  <a:sysClr val="windowText" lastClr="000000"/>
+                </a:solidFill>
+              </a:rPr>
               <a:t>backpic</a:t>
             </a:r>
             <a:r>
-              <a:rPr lang="en-US" altLang="ko-KR" dirty="0" smtClean="0"/>
+              <a:rPr lang="en-US" altLang="ko-KR" dirty="0" smtClean="0">
+                <a:solidFill>
+                  <a:sysClr val="windowText" lastClr="000000"/>
+                </a:solidFill>
+              </a:rPr>
               <a:t> </a:t>
             </a:r>
             <a:r>
-              <a:rPr lang="ko-KR" altLang="en-US" dirty="0" smtClean="0"/>
+              <a:rPr lang="ko-KR" altLang="en-US" dirty="0" smtClean="0">
+                <a:solidFill>
+                  <a:sysClr val="windowText" lastClr="000000"/>
+                </a:solidFill>
+              </a:rPr>
               <a:t>삽입</a:t>
             </a:r>
-            <a:endParaRPr lang="ko-KR" altLang="en-US" dirty="0"/>
+            <a:endParaRPr lang="ko-KR" altLang="en-US" dirty="0">
+              <a:solidFill>
+                <a:sysClr val="windowText" lastClr="000000"/>
+              </a:solidFill>
+            </a:endParaRPr>
           </a:p>
         </p:txBody>
       </p:sp>

--- a/hi/view powerpoint.pptx
+++ b/hi/view powerpoint.pptx
@@ -214,7 +214,7 @@
           <a:p>
             <a:fld id="{D2AEBC38-2F16-4FAE-ADF6-419CDA398339}" type="datetimeFigureOut">
               <a:rPr lang="ko-KR" altLang="en-US" smtClean="0"/>
-              <a:t>2022-09-27</a:t>
+              <a:t>2022-09-28</a:t>
             </a:fld>
             <a:endParaRPr lang="ko-KR" altLang="en-US"/>
           </a:p>
@@ -781,7 +781,7 @@
           <a:p>
             <a:fld id="{E37795E4-A1DC-4025-8E01-34B9FDF0EAC2}" type="datetimeFigureOut">
               <a:rPr lang="ko-KR" altLang="en-US" smtClean="0"/>
-              <a:t>2022-09-27</a:t>
+              <a:t>2022-09-28</a:t>
             </a:fld>
             <a:endParaRPr lang="ko-KR" altLang="en-US"/>
           </a:p>
@@ -951,7 +951,7 @@
           <a:p>
             <a:fld id="{E37795E4-A1DC-4025-8E01-34B9FDF0EAC2}" type="datetimeFigureOut">
               <a:rPr lang="ko-KR" altLang="en-US" smtClean="0"/>
-              <a:t>2022-09-27</a:t>
+              <a:t>2022-09-28</a:t>
             </a:fld>
             <a:endParaRPr lang="ko-KR" altLang="en-US"/>
           </a:p>
@@ -1131,7 +1131,7 @@
           <a:p>
             <a:fld id="{E37795E4-A1DC-4025-8E01-34B9FDF0EAC2}" type="datetimeFigureOut">
               <a:rPr lang="ko-KR" altLang="en-US" smtClean="0"/>
-              <a:t>2022-09-27</a:t>
+              <a:t>2022-09-28</a:t>
             </a:fld>
             <a:endParaRPr lang="ko-KR" altLang="en-US"/>
           </a:p>
@@ -1301,7 +1301,7 @@
           <a:p>
             <a:fld id="{E37795E4-A1DC-4025-8E01-34B9FDF0EAC2}" type="datetimeFigureOut">
               <a:rPr lang="ko-KR" altLang="en-US" smtClean="0"/>
-              <a:t>2022-09-27</a:t>
+              <a:t>2022-09-28</a:t>
             </a:fld>
             <a:endParaRPr lang="ko-KR" altLang="en-US"/>
           </a:p>
@@ -1547,7 +1547,7 @@
           <a:p>
             <a:fld id="{E37795E4-A1DC-4025-8E01-34B9FDF0EAC2}" type="datetimeFigureOut">
               <a:rPr lang="ko-KR" altLang="en-US" smtClean="0"/>
-              <a:t>2022-09-27</a:t>
+              <a:t>2022-09-28</a:t>
             </a:fld>
             <a:endParaRPr lang="ko-KR" altLang="en-US"/>
           </a:p>
@@ -1779,7 +1779,7 @@
           <a:p>
             <a:fld id="{E37795E4-A1DC-4025-8E01-34B9FDF0EAC2}" type="datetimeFigureOut">
               <a:rPr lang="ko-KR" altLang="en-US" smtClean="0"/>
-              <a:t>2022-09-27</a:t>
+              <a:t>2022-09-28</a:t>
             </a:fld>
             <a:endParaRPr lang="ko-KR" altLang="en-US"/>
           </a:p>
@@ -2146,7 +2146,7 @@
           <a:p>
             <a:fld id="{E37795E4-A1DC-4025-8E01-34B9FDF0EAC2}" type="datetimeFigureOut">
               <a:rPr lang="ko-KR" altLang="en-US" smtClean="0"/>
-              <a:t>2022-09-27</a:t>
+              <a:t>2022-09-28</a:t>
             </a:fld>
             <a:endParaRPr lang="ko-KR" altLang="en-US"/>
           </a:p>
@@ -2264,7 +2264,7 @@
           <a:p>
             <a:fld id="{E37795E4-A1DC-4025-8E01-34B9FDF0EAC2}" type="datetimeFigureOut">
               <a:rPr lang="ko-KR" altLang="en-US" smtClean="0"/>
-              <a:t>2022-09-27</a:t>
+              <a:t>2022-09-28</a:t>
             </a:fld>
             <a:endParaRPr lang="ko-KR" altLang="en-US"/>
           </a:p>
@@ -2359,7 +2359,7 @@
           <a:p>
             <a:fld id="{E37795E4-A1DC-4025-8E01-34B9FDF0EAC2}" type="datetimeFigureOut">
               <a:rPr lang="ko-KR" altLang="en-US" smtClean="0"/>
-              <a:t>2022-09-27</a:t>
+              <a:t>2022-09-28</a:t>
             </a:fld>
             <a:endParaRPr lang="ko-KR" altLang="en-US"/>
           </a:p>
@@ -2636,7 +2636,7 @@
           <a:p>
             <a:fld id="{E37795E4-A1DC-4025-8E01-34B9FDF0EAC2}" type="datetimeFigureOut">
               <a:rPr lang="ko-KR" altLang="en-US" smtClean="0"/>
-              <a:t>2022-09-27</a:t>
+              <a:t>2022-09-28</a:t>
             </a:fld>
             <a:endParaRPr lang="ko-KR" altLang="en-US"/>
           </a:p>
@@ -2889,7 +2889,7 @@
           <a:p>
             <a:fld id="{E37795E4-A1DC-4025-8E01-34B9FDF0EAC2}" type="datetimeFigureOut">
               <a:rPr lang="ko-KR" altLang="en-US" smtClean="0"/>
-              <a:t>2022-09-27</a:t>
+              <a:t>2022-09-28</a:t>
             </a:fld>
             <a:endParaRPr lang="ko-KR" altLang="en-US"/>
           </a:p>
@@ -3102,7 +3102,7 @@
           <a:p>
             <a:fld id="{E37795E4-A1DC-4025-8E01-34B9FDF0EAC2}" type="datetimeFigureOut">
               <a:rPr lang="ko-KR" altLang="en-US" smtClean="0"/>
-              <a:t>2022-09-27</a:t>
+              <a:t>2022-09-28</a:t>
             </a:fld>
             <a:endParaRPr lang="ko-KR" altLang="en-US"/>
           </a:p>

--- a/hi/view powerpoint.pptx
+++ b/hi/view powerpoint.pptx
@@ -214,7 +214,7 @@
           <a:p>
             <a:fld id="{D2AEBC38-2F16-4FAE-ADF6-419CDA398339}" type="datetimeFigureOut">
               <a:rPr lang="ko-KR" altLang="en-US" smtClean="0"/>
-              <a:t>2022-09-28</a:t>
+              <a:t>2022-09-29</a:t>
             </a:fld>
             <a:endParaRPr lang="ko-KR" altLang="en-US"/>
           </a:p>
@@ -781,7 +781,7 @@
           <a:p>
             <a:fld id="{E37795E4-A1DC-4025-8E01-34B9FDF0EAC2}" type="datetimeFigureOut">
               <a:rPr lang="ko-KR" altLang="en-US" smtClean="0"/>
-              <a:t>2022-09-28</a:t>
+              <a:t>2022-09-29</a:t>
             </a:fld>
             <a:endParaRPr lang="ko-KR" altLang="en-US"/>
           </a:p>
@@ -951,7 +951,7 @@
           <a:p>
             <a:fld id="{E37795E4-A1DC-4025-8E01-34B9FDF0EAC2}" type="datetimeFigureOut">
               <a:rPr lang="ko-KR" altLang="en-US" smtClean="0"/>
-              <a:t>2022-09-28</a:t>
+              <a:t>2022-09-29</a:t>
             </a:fld>
             <a:endParaRPr lang="ko-KR" altLang="en-US"/>
           </a:p>
@@ -1131,7 +1131,7 @@
           <a:p>
             <a:fld id="{E37795E4-A1DC-4025-8E01-34B9FDF0EAC2}" type="datetimeFigureOut">
               <a:rPr lang="ko-KR" altLang="en-US" smtClean="0"/>
-              <a:t>2022-09-28</a:t>
+              <a:t>2022-09-29</a:t>
             </a:fld>
             <a:endParaRPr lang="ko-KR" altLang="en-US"/>
           </a:p>
@@ -1301,7 +1301,7 @@
           <a:p>
             <a:fld id="{E37795E4-A1DC-4025-8E01-34B9FDF0EAC2}" type="datetimeFigureOut">
               <a:rPr lang="ko-KR" altLang="en-US" smtClean="0"/>
-              <a:t>2022-09-28</a:t>
+              <a:t>2022-09-29</a:t>
             </a:fld>
             <a:endParaRPr lang="ko-KR" altLang="en-US"/>
           </a:p>
@@ -1547,7 +1547,7 @@
           <a:p>
             <a:fld id="{E37795E4-A1DC-4025-8E01-34B9FDF0EAC2}" type="datetimeFigureOut">
               <a:rPr lang="ko-KR" altLang="en-US" smtClean="0"/>
-              <a:t>2022-09-28</a:t>
+              <a:t>2022-09-29</a:t>
             </a:fld>
             <a:endParaRPr lang="ko-KR" altLang="en-US"/>
           </a:p>
@@ -1779,7 +1779,7 @@
           <a:p>
             <a:fld id="{E37795E4-A1DC-4025-8E01-34B9FDF0EAC2}" type="datetimeFigureOut">
               <a:rPr lang="ko-KR" altLang="en-US" smtClean="0"/>
-              <a:t>2022-09-28</a:t>
+              <a:t>2022-09-29</a:t>
             </a:fld>
             <a:endParaRPr lang="ko-KR" altLang="en-US"/>
           </a:p>
@@ -2146,7 +2146,7 @@
           <a:p>
             <a:fld id="{E37795E4-A1DC-4025-8E01-34B9FDF0EAC2}" type="datetimeFigureOut">
               <a:rPr lang="ko-KR" altLang="en-US" smtClean="0"/>
-              <a:t>2022-09-28</a:t>
+              <a:t>2022-09-29</a:t>
             </a:fld>
             <a:endParaRPr lang="ko-KR" altLang="en-US"/>
           </a:p>
@@ -2264,7 +2264,7 @@
           <a:p>
             <a:fld id="{E37795E4-A1DC-4025-8E01-34B9FDF0EAC2}" type="datetimeFigureOut">
               <a:rPr lang="ko-KR" altLang="en-US" smtClean="0"/>
-              <a:t>2022-09-28</a:t>
+              <a:t>2022-09-29</a:t>
             </a:fld>
             <a:endParaRPr lang="ko-KR" altLang="en-US"/>
           </a:p>
@@ -2359,7 +2359,7 @@
           <a:p>
             <a:fld id="{E37795E4-A1DC-4025-8E01-34B9FDF0EAC2}" type="datetimeFigureOut">
               <a:rPr lang="ko-KR" altLang="en-US" smtClean="0"/>
-              <a:t>2022-09-28</a:t>
+              <a:t>2022-09-29</a:t>
             </a:fld>
             <a:endParaRPr lang="ko-KR" altLang="en-US"/>
           </a:p>
@@ -2636,7 +2636,7 @@
           <a:p>
             <a:fld id="{E37795E4-A1DC-4025-8E01-34B9FDF0EAC2}" type="datetimeFigureOut">
               <a:rPr lang="ko-KR" altLang="en-US" smtClean="0"/>
-              <a:t>2022-09-28</a:t>
+              <a:t>2022-09-29</a:t>
             </a:fld>
             <a:endParaRPr lang="ko-KR" altLang="en-US"/>
           </a:p>
@@ -2889,7 +2889,7 @@
           <a:p>
             <a:fld id="{E37795E4-A1DC-4025-8E01-34B9FDF0EAC2}" type="datetimeFigureOut">
               <a:rPr lang="ko-KR" altLang="en-US" smtClean="0"/>
-              <a:t>2022-09-28</a:t>
+              <a:t>2022-09-29</a:t>
             </a:fld>
             <a:endParaRPr lang="ko-KR" altLang="en-US"/>
           </a:p>
@@ -3102,7 +3102,7 @@
           <a:p>
             <a:fld id="{E37795E4-A1DC-4025-8E01-34B9FDF0EAC2}" type="datetimeFigureOut">
               <a:rPr lang="ko-KR" altLang="en-US" smtClean="0"/>
-              <a:t>2022-09-28</a:t>
+              <a:t>2022-09-29</a:t>
             </a:fld>
             <a:endParaRPr lang="ko-KR" altLang="en-US"/>
           </a:p>
@@ -10649,20 +10649,123 @@
       </p:grpSpPr>
       <p:sp>
         <p:nvSpPr>
-          <p:cNvPr id="2" name="직사각형 1"/>
+          <p:cNvPr id="11" name="직사각형 10"/>
           <p:cNvSpPr/>
           <p:nvPr/>
         </p:nvSpPr>
         <p:spPr>
-          <a:xfrm>
-            <a:off x="561703" y="391886"/>
-            <a:ext cx="4467497" cy="5643154"/>
-          </a:xfrm>
-          <a:prstGeom prst="rect">
-            <a:avLst/>
-          </a:prstGeom>
-          <a:solidFill>
-            <a:srgbClr val="FFB9C6"/>
+          <a:xfrm rot="16200000">
+            <a:off x="2667000" y="-2667001"/>
+            <a:ext cx="6858000" cy="12191999"/>
+          </a:xfrm>
+          <a:prstGeom prst="rect">
+            <a:avLst/>
+          </a:prstGeom>
+          <a:gradFill>
+            <a:gsLst>
+              <a:gs pos="0">
+                <a:srgbClr val="F6BDFB"/>
+              </a:gs>
+              <a:gs pos="55000">
+                <a:srgbClr val="FFDFEA"/>
+              </a:gs>
+              <a:gs pos="100000">
+                <a:srgbClr val="4BFFFF"/>
+              </a:gs>
+            </a:gsLst>
+            <a:lin ang="5400000" scaled="1"/>
+          </a:gradFill>
+          <a:ln>
+            <a:noFill/>
+          </a:ln>
+        </p:spPr>
+        <p:style>
+          <a:lnRef idx="2">
+            <a:schemeClr val="accent1">
+              <a:shade val="50000"/>
+            </a:schemeClr>
+          </a:lnRef>
+          <a:fillRef idx="1">
+            <a:schemeClr val="accent1"/>
+          </a:fillRef>
+          <a:effectRef idx="0">
+            <a:schemeClr val="accent1"/>
+          </a:effectRef>
+          <a:fontRef idx="minor">
+            <a:schemeClr val="lt1"/>
+          </a:fontRef>
+        </p:style>
+        <p:txBody>
+          <a:bodyPr rtlCol="0" anchor="ctr"/>
+          <a:lstStyle/>
+          <a:p>
+            <a:pPr algn="ctr"/>
+            <a:endParaRPr lang="ko-KR" altLang="en-US"/>
+          </a:p>
+        </p:txBody>
+      </p:sp>
+      <p:sp>
+        <p:nvSpPr>
+          <p:cNvPr id="10" name="직사각형 9"/>
+          <p:cNvSpPr/>
+          <p:nvPr/>
+        </p:nvSpPr>
+        <p:spPr>
+          <a:xfrm>
+            <a:off x="4343396" y="672738"/>
+            <a:ext cx="3504068" cy="5590903"/>
+          </a:xfrm>
+          <a:prstGeom prst="rect">
+            <a:avLst/>
+          </a:prstGeom>
+          <a:solidFill>
+            <a:schemeClr val="bg1"/>
+          </a:solidFill>
+          <a:ln>
+            <a:noFill/>
+          </a:ln>
+        </p:spPr>
+        <p:style>
+          <a:lnRef idx="2">
+            <a:schemeClr val="accent1">
+              <a:shade val="50000"/>
+            </a:schemeClr>
+          </a:lnRef>
+          <a:fillRef idx="1">
+            <a:schemeClr val="accent1"/>
+          </a:fillRef>
+          <a:effectRef idx="0">
+            <a:schemeClr val="accent1"/>
+          </a:effectRef>
+          <a:fontRef idx="minor">
+            <a:schemeClr val="lt1"/>
+          </a:fontRef>
+        </p:style>
+        <p:txBody>
+          <a:bodyPr rtlCol="0" anchor="ctr"/>
+          <a:lstStyle/>
+          <a:p>
+            <a:pPr algn="ctr"/>
+            <a:endParaRPr lang="ko-KR" altLang="en-US"/>
+          </a:p>
+        </p:txBody>
+      </p:sp>
+      <p:sp>
+        <p:nvSpPr>
+          <p:cNvPr id="3" name="직사각형 2"/>
+          <p:cNvSpPr/>
+          <p:nvPr/>
+        </p:nvSpPr>
+        <p:spPr>
+          <a:xfrm>
+            <a:off x="4794061" y="1045029"/>
+            <a:ext cx="2625634" cy="862148"/>
+          </a:xfrm>
+          <a:prstGeom prst="rect">
+            <a:avLst/>
+          </a:prstGeom>
+          <a:solidFill>
+            <a:srgbClr val="FFC6AA"/>
           </a:solidFill>
           <a:ln>
             <a:solidFill>
@@ -10700,7 +10803,7 @@
                   <a:sysClr val="windowText" lastClr="000000"/>
                 </a:solidFill>
               </a:rPr>
-              <a:t>멋진 이미지</a:t>
+              <a:t>로고</a:t>
             </a:r>
             <a:endParaRPr lang="ko-KR" altLang="en-US" dirty="0">
               <a:solidFill>
@@ -10712,14 +10815,14 @@
       </p:sp>
       <p:sp>
         <p:nvSpPr>
-          <p:cNvPr id="3" name="직사각형 2"/>
+          <p:cNvPr id="4" name="직사각형 3"/>
           <p:cNvSpPr/>
           <p:nvPr/>
         </p:nvSpPr>
         <p:spPr>
           <a:xfrm>
-            <a:off x="8451668" y="1045029"/>
-            <a:ext cx="2625634" cy="862148"/>
+            <a:off x="4794061" y="2638698"/>
+            <a:ext cx="2625634" cy="352696"/>
           </a:xfrm>
           <a:prstGeom prst="rect">
             <a:avLst/>
@@ -10758,12 +10861,12 @@
           <a:p>
             <a:pPr algn="ctr"/>
             <a:r>
-              <a:rPr lang="ko-KR" altLang="en-US" dirty="0" smtClean="0">
-                <a:solidFill>
-                  <a:sysClr val="windowText" lastClr="000000"/>
-                </a:solidFill>
-              </a:rPr>
-              <a:t>로고</a:t>
+              <a:rPr lang="en-US" altLang="ko-KR" dirty="0" smtClean="0">
+                <a:solidFill>
+                  <a:sysClr val="windowText" lastClr="000000"/>
+                </a:solidFill>
+              </a:rPr>
+              <a:t>ID</a:t>
             </a:r>
             <a:endParaRPr lang="ko-KR" altLang="en-US" dirty="0">
               <a:solidFill>
@@ -10775,14 +10878,14 @@
       </p:sp>
       <p:sp>
         <p:nvSpPr>
-          <p:cNvPr id="4" name="직사각형 3"/>
+          <p:cNvPr id="5" name="직사각형 4"/>
           <p:cNvSpPr/>
           <p:nvPr/>
         </p:nvSpPr>
         <p:spPr>
           <a:xfrm>
-            <a:off x="8451668" y="2638698"/>
-            <a:ext cx="2625634" cy="352696"/>
+            <a:off x="4794061" y="3468190"/>
+            <a:ext cx="2625634" cy="359229"/>
           </a:xfrm>
           <a:prstGeom prst="rect">
             <a:avLst/>
@@ -10826,7 +10929,7 @@
                   <a:sysClr val="windowText" lastClr="000000"/>
                 </a:solidFill>
               </a:rPr>
-              <a:t>ID</a:t>
+              <a:t>PASSWORD</a:t>
             </a:r>
             <a:endParaRPr lang="ko-KR" altLang="en-US" dirty="0">
               <a:solidFill>
@@ -10838,14 +10941,14 @@
       </p:sp>
       <p:sp>
         <p:nvSpPr>
-          <p:cNvPr id="5" name="직사각형 4"/>
+          <p:cNvPr id="6" name="직사각형 5"/>
           <p:cNvSpPr/>
           <p:nvPr/>
         </p:nvSpPr>
         <p:spPr>
           <a:xfrm>
-            <a:off x="8451668" y="3468190"/>
-            <a:ext cx="2625634" cy="359229"/>
+            <a:off x="4794061" y="4153989"/>
+            <a:ext cx="2625634" cy="418011"/>
           </a:xfrm>
           <a:prstGeom prst="rect">
             <a:avLst/>
@@ -10884,12 +10987,28 @@
           <a:p>
             <a:pPr algn="ctr"/>
             <a:r>
+              <a:rPr lang="ko-KR" altLang="en-US" dirty="0" smtClean="0">
+                <a:solidFill>
+                  <a:sysClr val="windowText" lastClr="000000"/>
+                </a:solidFill>
+              </a:rPr>
+              <a:t>로</a:t>
+            </a:r>
+            <a:r>
               <a:rPr lang="en-US" altLang="ko-KR" dirty="0" smtClean="0">
                 <a:solidFill>
                   <a:sysClr val="windowText" lastClr="000000"/>
                 </a:solidFill>
               </a:rPr>
-              <a:t>PASSWORD</a:t>
+              <a:t> </a:t>
+            </a:r>
+            <a:r>
+              <a:rPr lang="ko-KR" altLang="en-US" dirty="0" smtClean="0">
+                <a:solidFill>
+                  <a:sysClr val="windowText" lastClr="000000"/>
+                </a:solidFill>
+              </a:rPr>
+              <a:t>그 인</a:t>
             </a:r>
             <a:endParaRPr lang="ko-KR" altLang="en-US" dirty="0">
               <a:solidFill>
@@ -10901,92 +11020,13 @@
       </p:sp>
       <p:sp>
         <p:nvSpPr>
-          <p:cNvPr id="6" name="직사각형 5"/>
-          <p:cNvSpPr/>
-          <p:nvPr/>
-        </p:nvSpPr>
-        <p:spPr>
-          <a:xfrm>
-            <a:off x="8451668" y="4153989"/>
-            <a:ext cx="2625634" cy="418011"/>
-          </a:xfrm>
-          <a:prstGeom prst="rect">
-            <a:avLst/>
-          </a:prstGeom>
-          <a:solidFill>
-            <a:srgbClr val="FFC6AA"/>
-          </a:solidFill>
-          <a:ln>
-            <a:solidFill>
-              <a:schemeClr val="tx1">
-                <a:lumMod val="85000"/>
-                <a:lumOff val="15000"/>
-              </a:schemeClr>
-            </a:solidFill>
-          </a:ln>
-        </p:spPr>
-        <p:style>
-          <a:lnRef idx="2">
-            <a:schemeClr val="accent1">
-              <a:shade val="50000"/>
-            </a:schemeClr>
-          </a:lnRef>
-          <a:fillRef idx="1">
-            <a:schemeClr val="accent1"/>
-          </a:fillRef>
-          <a:effectRef idx="0">
-            <a:schemeClr val="accent1"/>
-          </a:effectRef>
-          <a:fontRef idx="minor">
-            <a:schemeClr val="lt1"/>
-          </a:fontRef>
-        </p:style>
-        <p:txBody>
-          <a:bodyPr rtlCol="0" anchor="ctr"/>
-          <a:lstStyle/>
-          <a:p>
-            <a:pPr algn="ctr"/>
-            <a:r>
-              <a:rPr lang="ko-KR" altLang="en-US" dirty="0" smtClean="0">
-                <a:solidFill>
-                  <a:sysClr val="windowText" lastClr="000000"/>
-                </a:solidFill>
-              </a:rPr>
-              <a:t>로</a:t>
-            </a:r>
-            <a:r>
-              <a:rPr lang="en-US" altLang="ko-KR" dirty="0" smtClean="0">
-                <a:solidFill>
-                  <a:sysClr val="windowText" lastClr="000000"/>
-                </a:solidFill>
-              </a:rPr>
-              <a:t> </a:t>
-            </a:r>
-            <a:r>
-              <a:rPr lang="ko-KR" altLang="en-US" dirty="0" smtClean="0">
-                <a:solidFill>
-                  <a:sysClr val="windowText" lastClr="000000"/>
-                </a:solidFill>
-              </a:rPr>
-              <a:t>그 인</a:t>
-            </a:r>
-            <a:endParaRPr lang="ko-KR" altLang="en-US" dirty="0">
-              <a:solidFill>
-                <a:sysClr val="windowText" lastClr="000000"/>
-              </a:solidFill>
-            </a:endParaRPr>
-          </a:p>
-        </p:txBody>
-      </p:sp>
-      <p:sp>
-        <p:nvSpPr>
           <p:cNvPr id="7" name="TextBox 6"/>
           <p:cNvSpPr txBox="1"/>
           <p:nvPr/>
         </p:nvSpPr>
         <p:spPr>
           <a:xfrm>
-            <a:off x="8451669" y="4859382"/>
+            <a:off x="4794062" y="4859382"/>
             <a:ext cx="1240972" cy="378823"/>
           </a:xfrm>
           <a:prstGeom prst="rect">
@@ -11016,7 +11056,7 @@
         </p:nvSpPr>
         <p:spPr>
           <a:xfrm>
-            <a:off x="9836330" y="4859382"/>
+            <a:off x="6178723" y="4859382"/>
             <a:ext cx="1476104" cy="369332"/>
           </a:xfrm>
           <a:prstGeom prst="rect">
@@ -11050,7 +11090,7 @@
         </p:nvSpPr>
         <p:spPr>
           <a:xfrm>
-            <a:off x="8451669" y="5368834"/>
+            <a:off x="4794062" y="5368834"/>
             <a:ext cx="2625634" cy="522515"/>
           </a:xfrm>
           <a:prstGeom prst="rect">

--- a/hi/view powerpoint.pptx
+++ b/hi/view powerpoint.pptx
@@ -214,7 +214,7 @@
           <a:p>
             <a:fld id="{D2AEBC38-2F16-4FAE-ADF6-419CDA398339}" type="datetimeFigureOut">
               <a:rPr lang="ko-KR" altLang="en-US" smtClean="0"/>
-              <a:t>2022-09-29</a:t>
+              <a:t>2022-10-01</a:t>
             </a:fld>
             <a:endParaRPr lang="ko-KR" altLang="en-US"/>
           </a:p>
@@ -278,38 +278,37 @@
           <a:p>
             <a:pPr lvl="0"/>
             <a:r>
-              <a:rPr lang="ko-KR" altLang="en-US" smtClean="0"/>
+              <a:rPr lang="ko-KR" altLang="en-US"/>
               <a:t>마스터 텍스트 스타일 편집</a:t>
             </a:r>
           </a:p>
           <a:p>
             <a:pPr lvl="1"/>
             <a:r>
-              <a:rPr lang="ko-KR" altLang="en-US" smtClean="0"/>
+              <a:rPr lang="ko-KR" altLang="en-US"/>
               <a:t>둘째 수준</a:t>
             </a:r>
           </a:p>
           <a:p>
             <a:pPr lvl="2"/>
             <a:r>
-              <a:rPr lang="ko-KR" altLang="en-US" smtClean="0"/>
+              <a:rPr lang="ko-KR" altLang="en-US"/>
               <a:t>셋째 수준</a:t>
             </a:r>
           </a:p>
           <a:p>
             <a:pPr lvl="3"/>
             <a:r>
-              <a:rPr lang="ko-KR" altLang="en-US" smtClean="0"/>
+              <a:rPr lang="ko-KR" altLang="en-US"/>
               <a:t>넷째 수준</a:t>
             </a:r>
           </a:p>
           <a:p>
             <a:pPr lvl="4"/>
             <a:r>
-              <a:rPr lang="ko-KR" altLang="en-US" smtClean="0"/>
+              <a:rPr lang="ko-KR" altLang="en-US"/>
               <a:t>다섯째 수준</a:t>
             </a:r>
-            <a:endParaRPr lang="ko-KR" altLang="en-US"/>
           </a:p>
         </p:txBody>
       </p:sp>
@@ -692,10 +691,9 @@
           </a:lstStyle>
           <a:p>
             <a:r>
-              <a:rPr lang="ko-KR" altLang="en-US" smtClean="0"/>
+              <a:rPr lang="ko-KR" altLang="en-US"/>
               <a:t>마스터 제목 스타일 편집</a:t>
             </a:r>
-            <a:endParaRPr lang="ko-KR" altLang="en-US"/>
           </a:p>
         </p:txBody>
       </p:sp>
@@ -757,10 +755,9 @@
           </a:lstStyle>
           <a:p>
             <a:r>
-              <a:rPr lang="ko-KR" altLang="en-US" smtClean="0"/>
+              <a:rPr lang="ko-KR" altLang="en-US"/>
               <a:t>클릭하여 마스터 부제목 스타일 편집</a:t>
             </a:r>
-            <a:endParaRPr lang="ko-KR" altLang="en-US"/>
           </a:p>
         </p:txBody>
       </p:sp>
@@ -781,7 +778,7 @@
           <a:p>
             <a:fld id="{E37795E4-A1DC-4025-8E01-34B9FDF0EAC2}" type="datetimeFigureOut">
               <a:rPr lang="ko-KR" altLang="en-US" smtClean="0"/>
-              <a:t>2022-09-29</a:t>
+              <a:t>2022-10-01</a:t>
             </a:fld>
             <a:endParaRPr lang="ko-KR" altLang="en-US"/>
           </a:p>
@@ -875,10 +872,9 @@
           <a:lstStyle/>
           <a:p>
             <a:r>
-              <a:rPr lang="ko-KR" altLang="en-US" smtClean="0"/>
+              <a:rPr lang="ko-KR" altLang="en-US"/>
               <a:t>마스터 제목 스타일 편집</a:t>
             </a:r>
-            <a:endParaRPr lang="ko-KR" altLang="en-US"/>
           </a:p>
         </p:txBody>
       </p:sp>
@@ -899,38 +895,37 @@
           <a:p>
             <a:pPr lvl="0"/>
             <a:r>
-              <a:rPr lang="ko-KR" altLang="en-US" smtClean="0"/>
+              <a:rPr lang="ko-KR" altLang="en-US"/>
               <a:t>마스터 텍스트 스타일 편집</a:t>
             </a:r>
           </a:p>
           <a:p>
             <a:pPr lvl="1"/>
             <a:r>
-              <a:rPr lang="ko-KR" altLang="en-US" smtClean="0"/>
+              <a:rPr lang="ko-KR" altLang="en-US"/>
               <a:t>둘째 수준</a:t>
             </a:r>
           </a:p>
           <a:p>
             <a:pPr lvl="2"/>
             <a:r>
-              <a:rPr lang="ko-KR" altLang="en-US" smtClean="0"/>
+              <a:rPr lang="ko-KR" altLang="en-US"/>
               <a:t>셋째 수준</a:t>
             </a:r>
           </a:p>
           <a:p>
             <a:pPr lvl="3"/>
             <a:r>
-              <a:rPr lang="ko-KR" altLang="en-US" smtClean="0"/>
+              <a:rPr lang="ko-KR" altLang="en-US"/>
               <a:t>넷째 수준</a:t>
             </a:r>
           </a:p>
           <a:p>
             <a:pPr lvl="4"/>
             <a:r>
-              <a:rPr lang="ko-KR" altLang="en-US" smtClean="0"/>
+              <a:rPr lang="ko-KR" altLang="en-US"/>
               <a:t>다섯째 수준</a:t>
             </a:r>
-            <a:endParaRPr lang="ko-KR" altLang="en-US"/>
           </a:p>
         </p:txBody>
       </p:sp>
@@ -951,7 +946,7 @@
           <a:p>
             <a:fld id="{E37795E4-A1DC-4025-8E01-34B9FDF0EAC2}" type="datetimeFigureOut">
               <a:rPr lang="ko-KR" altLang="en-US" smtClean="0"/>
-              <a:t>2022-09-29</a:t>
+              <a:t>2022-10-01</a:t>
             </a:fld>
             <a:endParaRPr lang="ko-KR" altLang="en-US"/>
           </a:p>
@@ -1050,10 +1045,9 @@
           <a:lstStyle/>
           <a:p>
             <a:r>
-              <a:rPr lang="ko-KR" altLang="en-US" smtClean="0"/>
+              <a:rPr lang="ko-KR" altLang="en-US"/>
               <a:t>마스터 제목 스타일 편집</a:t>
             </a:r>
-            <a:endParaRPr lang="ko-KR" altLang="en-US"/>
           </a:p>
         </p:txBody>
       </p:sp>
@@ -1079,38 +1073,37 @@
           <a:p>
             <a:pPr lvl="0"/>
             <a:r>
-              <a:rPr lang="ko-KR" altLang="en-US" smtClean="0"/>
+              <a:rPr lang="ko-KR" altLang="en-US"/>
               <a:t>마스터 텍스트 스타일 편집</a:t>
             </a:r>
           </a:p>
           <a:p>
             <a:pPr lvl="1"/>
             <a:r>
-              <a:rPr lang="ko-KR" altLang="en-US" smtClean="0"/>
+              <a:rPr lang="ko-KR" altLang="en-US"/>
               <a:t>둘째 수준</a:t>
             </a:r>
           </a:p>
           <a:p>
             <a:pPr lvl="2"/>
             <a:r>
-              <a:rPr lang="ko-KR" altLang="en-US" smtClean="0"/>
+              <a:rPr lang="ko-KR" altLang="en-US"/>
               <a:t>셋째 수준</a:t>
             </a:r>
           </a:p>
           <a:p>
             <a:pPr lvl="3"/>
             <a:r>
-              <a:rPr lang="ko-KR" altLang="en-US" smtClean="0"/>
+              <a:rPr lang="ko-KR" altLang="en-US"/>
               <a:t>넷째 수준</a:t>
             </a:r>
           </a:p>
           <a:p>
             <a:pPr lvl="4"/>
             <a:r>
-              <a:rPr lang="ko-KR" altLang="en-US" smtClean="0"/>
+              <a:rPr lang="ko-KR" altLang="en-US"/>
               <a:t>다섯째 수준</a:t>
             </a:r>
-            <a:endParaRPr lang="ko-KR" altLang="en-US"/>
           </a:p>
         </p:txBody>
       </p:sp>
@@ -1131,7 +1124,7 @@
           <a:p>
             <a:fld id="{E37795E4-A1DC-4025-8E01-34B9FDF0EAC2}" type="datetimeFigureOut">
               <a:rPr lang="ko-KR" altLang="en-US" smtClean="0"/>
-              <a:t>2022-09-29</a:t>
+              <a:t>2022-10-01</a:t>
             </a:fld>
             <a:endParaRPr lang="ko-KR" altLang="en-US"/>
           </a:p>
@@ -1225,10 +1218,9 @@
           <a:lstStyle/>
           <a:p>
             <a:r>
-              <a:rPr lang="ko-KR" altLang="en-US" smtClean="0"/>
+              <a:rPr lang="ko-KR" altLang="en-US"/>
               <a:t>마스터 제목 스타일 편집</a:t>
             </a:r>
-            <a:endParaRPr lang="ko-KR" altLang="en-US"/>
           </a:p>
         </p:txBody>
       </p:sp>
@@ -1249,38 +1241,37 @@
           <a:p>
             <a:pPr lvl="0"/>
             <a:r>
-              <a:rPr lang="ko-KR" altLang="en-US" smtClean="0"/>
+              <a:rPr lang="ko-KR" altLang="en-US"/>
               <a:t>마스터 텍스트 스타일 편집</a:t>
             </a:r>
           </a:p>
           <a:p>
             <a:pPr lvl="1"/>
             <a:r>
-              <a:rPr lang="ko-KR" altLang="en-US" smtClean="0"/>
+              <a:rPr lang="ko-KR" altLang="en-US"/>
               <a:t>둘째 수준</a:t>
             </a:r>
           </a:p>
           <a:p>
             <a:pPr lvl="2"/>
             <a:r>
-              <a:rPr lang="ko-KR" altLang="en-US" smtClean="0"/>
+              <a:rPr lang="ko-KR" altLang="en-US"/>
               <a:t>셋째 수준</a:t>
             </a:r>
           </a:p>
           <a:p>
             <a:pPr lvl="3"/>
             <a:r>
-              <a:rPr lang="ko-KR" altLang="en-US" smtClean="0"/>
+              <a:rPr lang="ko-KR" altLang="en-US"/>
               <a:t>넷째 수준</a:t>
             </a:r>
           </a:p>
           <a:p>
             <a:pPr lvl="4"/>
             <a:r>
-              <a:rPr lang="ko-KR" altLang="en-US" smtClean="0"/>
+              <a:rPr lang="ko-KR" altLang="en-US"/>
               <a:t>다섯째 수준</a:t>
             </a:r>
-            <a:endParaRPr lang="ko-KR" altLang="en-US"/>
           </a:p>
         </p:txBody>
       </p:sp>
@@ -1301,7 +1292,7 @@
           <a:p>
             <a:fld id="{E37795E4-A1DC-4025-8E01-34B9FDF0EAC2}" type="datetimeFigureOut">
               <a:rPr lang="ko-KR" altLang="en-US" smtClean="0"/>
-              <a:t>2022-09-29</a:t>
+              <a:t>2022-10-01</a:t>
             </a:fld>
             <a:endParaRPr lang="ko-KR" altLang="en-US"/>
           </a:p>
@@ -1404,10 +1395,9 @@
           </a:lstStyle>
           <a:p>
             <a:r>
-              <a:rPr lang="ko-KR" altLang="en-US" smtClean="0"/>
+              <a:rPr lang="ko-KR" altLang="en-US"/>
               <a:t>마스터 제목 스타일 편집</a:t>
             </a:r>
-            <a:endParaRPr lang="ko-KR" altLang="en-US"/>
           </a:p>
         </p:txBody>
       </p:sp>
@@ -1524,7 +1514,7 @@
           <a:p>
             <a:pPr lvl="0"/>
             <a:r>
-              <a:rPr lang="ko-KR" altLang="en-US" smtClean="0"/>
+              <a:rPr lang="ko-KR" altLang="en-US"/>
               <a:t>마스터 텍스트 스타일 편집</a:t>
             </a:r>
           </a:p>
@@ -1547,7 +1537,7 @@
           <a:p>
             <a:fld id="{E37795E4-A1DC-4025-8E01-34B9FDF0EAC2}" type="datetimeFigureOut">
               <a:rPr lang="ko-KR" altLang="en-US" smtClean="0"/>
-              <a:t>2022-09-29</a:t>
+              <a:t>2022-10-01</a:t>
             </a:fld>
             <a:endParaRPr lang="ko-KR" altLang="en-US"/>
           </a:p>
@@ -1641,10 +1631,9 @@
           <a:lstStyle/>
           <a:p>
             <a:r>
-              <a:rPr lang="ko-KR" altLang="en-US" smtClean="0"/>
+              <a:rPr lang="ko-KR" altLang="en-US"/>
               <a:t>마스터 제목 스타일 편집</a:t>
             </a:r>
-            <a:endParaRPr lang="ko-KR" altLang="en-US"/>
           </a:p>
         </p:txBody>
       </p:sp>
@@ -1670,38 +1659,37 @@
           <a:p>
             <a:pPr lvl="0"/>
             <a:r>
-              <a:rPr lang="ko-KR" altLang="en-US" smtClean="0"/>
+              <a:rPr lang="ko-KR" altLang="en-US"/>
               <a:t>마스터 텍스트 스타일 편집</a:t>
             </a:r>
           </a:p>
           <a:p>
             <a:pPr lvl="1"/>
             <a:r>
-              <a:rPr lang="ko-KR" altLang="en-US" smtClean="0"/>
+              <a:rPr lang="ko-KR" altLang="en-US"/>
               <a:t>둘째 수준</a:t>
             </a:r>
           </a:p>
           <a:p>
             <a:pPr lvl="2"/>
             <a:r>
-              <a:rPr lang="ko-KR" altLang="en-US" smtClean="0"/>
+              <a:rPr lang="ko-KR" altLang="en-US"/>
               <a:t>셋째 수준</a:t>
             </a:r>
           </a:p>
           <a:p>
             <a:pPr lvl="3"/>
             <a:r>
-              <a:rPr lang="ko-KR" altLang="en-US" smtClean="0"/>
+              <a:rPr lang="ko-KR" altLang="en-US"/>
               <a:t>넷째 수준</a:t>
             </a:r>
           </a:p>
           <a:p>
             <a:pPr lvl="4"/>
             <a:r>
-              <a:rPr lang="ko-KR" altLang="en-US" smtClean="0"/>
+              <a:rPr lang="ko-KR" altLang="en-US"/>
               <a:t>다섯째 수준</a:t>
             </a:r>
-            <a:endParaRPr lang="ko-KR" altLang="en-US"/>
           </a:p>
         </p:txBody>
       </p:sp>
@@ -1727,38 +1715,37 @@
           <a:p>
             <a:pPr lvl="0"/>
             <a:r>
-              <a:rPr lang="ko-KR" altLang="en-US" smtClean="0"/>
+              <a:rPr lang="ko-KR" altLang="en-US"/>
               <a:t>마스터 텍스트 스타일 편집</a:t>
             </a:r>
           </a:p>
           <a:p>
             <a:pPr lvl="1"/>
             <a:r>
-              <a:rPr lang="ko-KR" altLang="en-US" smtClean="0"/>
+              <a:rPr lang="ko-KR" altLang="en-US"/>
               <a:t>둘째 수준</a:t>
             </a:r>
           </a:p>
           <a:p>
             <a:pPr lvl="2"/>
             <a:r>
-              <a:rPr lang="ko-KR" altLang="en-US" smtClean="0"/>
+              <a:rPr lang="ko-KR" altLang="en-US"/>
               <a:t>셋째 수준</a:t>
             </a:r>
           </a:p>
           <a:p>
             <a:pPr lvl="3"/>
             <a:r>
-              <a:rPr lang="ko-KR" altLang="en-US" smtClean="0"/>
+              <a:rPr lang="ko-KR" altLang="en-US"/>
               <a:t>넷째 수준</a:t>
             </a:r>
           </a:p>
           <a:p>
             <a:pPr lvl="4"/>
             <a:r>
-              <a:rPr lang="ko-KR" altLang="en-US" smtClean="0"/>
+              <a:rPr lang="ko-KR" altLang="en-US"/>
               <a:t>다섯째 수준</a:t>
             </a:r>
-            <a:endParaRPr lang="ko-KR" altLang="en-US"/>
           </a:p>
         </p:txBody>
       </p:sp>
@@ -1779,7 +1766,7 @@
           <a:p>
             <a:fld id="{E37795E4-A1DC-4025-8E01-34B9FDF0EAC2}" type="datetimeFigureOut">
               <a:rPr lang="ko-KR" altLang="en-US" smtClean="0"/>
-              <a:t>2022-09-29</a:t>
+              <a:t>2022-10-01</a:t>
             </a:fld>
             <a:endParaRPr lang="ko-KR" altLang="en-US"/>
           </a:p>
@@ -1878,10 +1865,9 @@
           <a:lstStyle/>
           <a:p>
             <a:r>
-              <a:rPr lang="ko-KR" altLang="en-US" smtClean="0"/>
+              <a:rPr lang="ko-KR" altLang="en-US"/>
               <a:t>마스터 제목 스타일 편집</a:t>
             </a:r>
-            <a:endParaRPr lang="ko-KR" altLang="en-US"/>
           </a:p>
         </p:txBody>
       </p:sp>
@@ -1944,7 +1930,7 @@
           <a:p>
             <a:pPr lvl="0"/>
             <a:r>
-              <a:rPr lang="ko-KR" altLang="en-US" smtClean="0"/>
+              <a:rPr lang="ko-KR" altLang="en-US"/>
               <a:t>마스터 텍스트 스타일 편집</a:t>
             </a:r>
           </a:p>
@@ -1972,38 +1958,37 @@
           <a:p>
             <a:pPr lvl="0"/>
             <a:r>
-              <a:rPr lang="ko-KR" altLang="en-US" smtClean="0"/>
+              <a:rPr lang="ko-KR" altLang="en-US"/>
               <a:t>마스터 텍스트 스타일 편집</a:t>
             </a:r>
           </a:p>
           <a:p>
             <a:pPr lvl="1"/>
             <a:r>
-              <a:rPr lang="ko-KR" altLang="en-US" smtClean="0"/>
+              <a:rPr lang="ko-KR" altLang="en-US"/>
               <a:t>둘째 수준</a:t>
             </a:r>
           </a:p>
           <a:p>
             <a:pPr lvl="2"/>
             <a:r>
-              <a:rPr lang="ko-KR" altLang="en-US" smtClean="0"/>
+              <a:rPr lang="ko-KR" altLang="en-US"/>
               <a:t>셋째 수준</a:t>
             </a:r>
           </a:p>
           <a:p>
             <a:pPr lvl="3"/>
             <a:r>
-              <a:rPr lang="ko-KR" altLang="en-US" smtClean="0"/>
+              <a:rPr lang="ko-KR" altLang="en-US"/>
               <a:t>넷째 수준</a:t>
             </a:r>
           </a:p>
           <a:p>
             <a:pPr lvl="4"/>
             <a:r>
-              <a:rPr lang="ko-KR" altLang="en-US" smtClean="0"/>
+              <a:rPr lang="ko-KR" altLang="en-US"/>
               <a:t>다섯째 수준</a:t>
             </a:r>
-            <a:endParaRPr lang="ko-KR" altLang="en-US"/>
           </a:p>
         </p:txBody>
       </p:sp>
@@ -2066,7 +2051,7 @@
           <a:p>
             <a:pPr lvl="0"/>
             <a:r>
-              <a:rPr lang="ko-KR" altLang="en-US" smtClean="0"/>
+              <a:rPr lang="ko-KR" altLang="en-US"/>
               <a:t>마스터 텍스트 스타일 편집</a:t>
             </a:r>
           </a:p>
@@ -2094,38 +2079,37 @@
           <a:p>
             <a:pPr lvl="0"/>
             <a:r>
-              <a:rPr lang="ko-KR" altLang="en-US" smtClean="0"/>
+              <a:rPr lang="ko-KR" altLang="en-US"/>
               <a:t>마스터 텍스트 스타일 편집</a:t>
             </a:r>
           </a:p>
           <a:p>
             <a:pPr lvl="1"/>
             <a:r>
-              <a:rPr lang="ko-KR" altLang="en-US" smtClean="0"/>
+              <a:rPr lang="ko-KR" altLang="en-US"/>
               <a:t>둘째 수준</a:t>
             </a:r>
           </a:p>
           <a:p>
             <a:pPr lvl="2"/>
             <a:r>
-              <a:rPr lang="ko-KR" altLang="en-US" smtClean="0"/>
+              <a:rPr lang="ko-KR" altLang="en-US"/>
               <a:t>셋째 수준</a:t>
             </a:r>
           </a:p>
           <a:p>
             <a:pPr lvl="3"/>
             <a:r>
-              <a:rPr lang="ko-KR" altLang="en-US" smtClean="0"/>
+              <a:rPr lang="ko-KR" altLang="en-US"/>
               <a:t>넷째 수준</a:t>
             </a:r>
           </a:p>
           <a:p>
             <a:pPr lvl="4"/>
             <a:r>
-              <a:rPr lang="ko-KR" altLang="en-US" smtClean="0"/>
+              <a:rPr lang="ko-KR" altLang="en-US"/>
               <a:t>다섯째 수준</a:t>
             </a:r>
-            <a:endParaRPr lang="ko-KR" altLang="en-US"/>
           </a:p>
         </p:txBody>
       </p:sp>
@@ -2146,7 +2130,7 @@
           <a:p>
             <a:fld id="{E37795E4-A1DC-4025-8E01-34B9FDF0EAC2}" type="datetimeFigureOut">
               <a:rPr lang="ko-KR" altLang="en-US" smtClean="0"/>
-              <a:t>2022-09-29</a:t>
+              <a:t>2022-10-01</a:t>
             </a:fld>
             <a:endParaRPr lang="ko-KR" altLang="en-US"/>
           </a:p>
@@ -2240,10 +2224,9 @@
           <a:lstStyle/>
           <a:p>
             <a:r>
-              <a:rPr lang="ko-KR" altLang="en-US" smtClean="0"/>
+              <a:rPr lang="ko-KR" altLang="en-US"/>
               <a:t>마스터 제목 스타일 편집</a:t>
             </a:r>
-            <a:endParaRPr lang="ko-KR" altLang="en-US"/>
           </a:p>
         </p:txBody>
       </p:sp>
@@ -2264,7 +2247,7 @@
           <a:p>
             <a:fld id="{E37795E4-A1DC-4025-8E01-34B9FDF0EAC2}" type="datetimeFigureOut">
               <a:rPr lang="ko-KR" altLang="en-US" smtClean="0"/>
-              <a:t>2022-09-29</a:t>
+              <a:t>2022-10-01</a:t>
             </a:fld>
             <a:endParaRPr lang="ko-KR" altLang="en-US"/>
           </a:p>
@@ -2359,7 +2342,7 @@
           <a:p>
             <a:fld id="{E37795E4-A1DC-4025-8E01-34B9FDF0EAC2}" type="datetimeFigureOut">
               <a:rPr lang="ko-KR" altLang="en-US" smtClean="0"/>
-              <a:t>2022-09-29</a:t>
+              <a:t>2022-10-01</a:t>
             </a:fld>
             <a:endParaRPr lang="ko-KR" altLang="en-US"/>
           </a:p>
@@ -2462,10 +2445,9 @@
           </a:lstStyle>
           <a:p>
             <a:r>
-              <a:rPr lang="ko-KR" altLang="en-US" smtClean="0"/>
+              <a:rPr lang="ko-KR" altLang="en-US"/>
               <a:t>마스터 제목 스타일 편집</a:t>
             </a:r>
-            <a:endParaRPr lang="ko-KR" altLang="en-US"/>
           </a:p>
         </p:txBody>
       </p:sp>
@@ -2519,38 +2501,37 @@
           <a:p>
             <a:pPr lvl="0"/>
             <a:r>
-              <a:rPr lang="ko-KR" altLang="en-US" smtClean="0"/>
+              <a:rPr lang="ko-KR" altLang="en-US"/>
               <a:t>마스터 텍스트 스타일 편집</a:t>
             </a:r>
           </a:p>
           <a:p>
             <a:pPr lvl="1"/>
             <a:r>
-              <a:rPr lang="ko-KR" altLang="en-US" smtClean="0"/>
+              <a:rPr lang="ko-KR" altLang="en-US"/>
               <a:t>둘째 수준</a:t>
             </a:r>
           </a:p>
           <a:p>
             <a:pPr lvl="2"/>
             <a:r>
-              <a:rPr lang="ko-KR" altLang="en-US" smtClean="0"/>
+              <a:rPr lang="ko-KR" altLang="en-US"/>
               <a:t>셋째 수준</a:t>
             </a:r>
           </a:p>
           <a:p>
             <a:pPr lvl="3"/>
             <a:r>
-              <a:rPr lang="ko-KR" altLang="en-US" smtClean="0"/>
+              <a:rPr lang="ko-KR" altLang="en-US"/>
               <a:t>넷째 수준</a:t>
             </a:r>
           </a:p>
           <a:p>
             <a:pPr lvl="4"/>
             <a:r>
-              <a:rPr lang="ko-KR" altLang="en-US" smtClean="0"/>
+              <a:rPr lang="ko-KR" altLang="en-US"/>
               <a:t>다섯째 수준</a:t>
             </a:r>
-            <a:endParaRPr lang="ko-KR" altLang="en-US"/>
           </a:p>
         </p:txBody>
       </p:sp>
@@ -2613,7 +2594,7 @@
           <a:p>
             <a:pPr lvl="0"/>
             <a:r>
-              <a:rPr lang="ko-KR" altLang="en-US" smtClean="0"/>
+              <a:rPr lang="ko-KR" altLang="en-US"/>
               <a:t>마스터 텍스트 스타일 편집</a:t>
             </a:r>
           </a:p>
@@ -2636,7 +2617,7 @@
           <a:p>
             <a:fld id="{E37795E4-A1DC-4025-8E01-34B9FDF0EAC2}" type="datetimeFigureOut">
               <a:rPr lang="ko-KR" altLang="en-US" smtClean="0"/>
-              <a:t>2022-09-29</a:t>
+              <a:t>2022-10-01</a:t>
             </a:fld>
             <a:endParaRPr lang="ko-KR" altLang="en-US"/>
           </a:p>
@@ -2739,10 +2720,9 @@
           </a:lstStyle>
           <a:p>
             <a:r>
-              <a:rPr lang="ko-KR" altLang="en-US" smtClean="0"/>
+              <a:rPr lang="ko-KR" altLang="en-US"/>
               <a:t>마스터 제목 스타일 편집</a:t>
             </a:r>
-            <a:endParaRPr lang="ko-KR" altLang="en-US"/>
           </a:p>
         </p:txBody>
       </p:sp>
@@ -2866,7 +2846,7 @@
           <a:p>
             <a:pPr lvl="0"/>
             <a:r>
-              <a:rPr lang="ko-KR" altLang="en-US" smtClean="0"/>
+              <a:rPr lang="ko-KR" altLang="en-US"/>
               <a:t>마스터 텍스트 스타일 편집</a:t>
             </a:r>
           </a:p>
@@ -2889,7 +2869,7 @@
           <a:p>
             <a:fld id="{E37795E4-A1DC-4025-8E01-34B9FDF0EAC2}" type="datetimeFigureOut">
               <a:rPr lang="ko-KR" altLang="en-US" smtClean="0"/>
-              <a:t>2022-09-29</a:t>
+              <a:t>2022-10-01</a:t>
             </a:fld>
             <a:endParaRPr lang="ko-KR" altLang="en-US"/>
           </a:p>
@@ -2998,10 +2978,9 @@
           <a:lstStyle/>
           <a:p>
             <a:r>
-              <a:rPr lang="ko-KR" altLang="en-US" smtClean="0"/>
+              <a:rPr lang="ko-KR" altLang="en-US"/>
               <a:t>마스터 제목 스타일 편집</a:t>
             </a:r>
-            <a:endParaRPr lang="ko-KR" altLang="en-US"/>
           </a:p>
         </p:txBody>
       </p:sp>
@@ -3032,38 +3011,37 @@
           <a:p>
             <a:pPr lvl="0"/>
             <a:r>
-              <a:rPr lang="ko-KR" altLang="en-US" smtClean="0"/>
+              <a:rPr lang="ko-KR" altLang="en-US"/>
               <a:t>마스터 텍스트 스타일 편집</a:t>
             </a:r>
           </a:p>
           <a:p>
             <a:pPr lvl="1"/>
             <a:r>
-              <a:rPr lang="ko-KR" altLang="en-US" smtClean="0"/>
+              <a:rPr lang="ko-KR" altLang="en-US"/>
               <a:t>둘째 수준</a:t>
             </a:r>
           </a:p>
           <a:p>
             <a:pPr lvl="2"/>
             <a:r>
-              <a:rPr lang="ko-KR" altLang="en-US" smtClean="0"/>
+              <a:rPr lang="ko-KR" altLang="en-US"/>
               <a:t>셋째 수준</a:t>
             </a:r>
           </a:p>
           <a:p>
             <a:pPr lvl="3"/>
             <a:r>
-              <a:rPr lang="ko-KR" altLang="en-US" smtClean="0"/>
+              <a:rPr lang="ko-KR" altLang="en-US"/>
               <a:t>넷째 수준</a:t>
             </a:r>
           </a:p>
           <a:p>
             <a:pPr lvl="4"/>
             <a:r>
-              <a:rPr lang="ko-KR" altLang="en-US" smtClean="0"/>
+              <a:rPr lang="ko-KR" altLang="en-US"/>
               <a:t>다섯째 수준</a:t>
             </a:r>
-            <a:endParaRPr lang="ko-KR" altLang="en-US"/>
           </a:p>
         </p:txBody>
       </p:sp>
@@ -3102,7 +3080,7 @@
           <a:p>
             <a:fld id="{E37795E4-A1DC-4025-8E01-34B9FDF0EAC2}" type="datetimeFigureOut">
               <a:rPr lang="ko-KR" altLang="en-US" smtClean="0"/>
-              <a:t>2022-09-29</a:t>
+              <a:t>2022-10-01</a:t>
             </a:fld>
             <a:endParaRPr lang="ko-KR" altLang="en-US"/>
           </a:p>
@@ -3523,14 +3501,13 @@
           <a:lstStyle/>
           <a:p>
             <a:r>
-              <a:rPr lang="en-US" altLang="ko-KR" dirty="0" smtClean="0"/>
+              <a:rPr lang="en-US" altLang="ko-KR" dirty="0"/>
               <a:t>View </a:t>
             </a:r>
             <a:r>
-              <a:rPr lang="ko-KR" altLang="en-US" dirty="0" smtClean="0"/>
+              <a:rPr lang="ko-KR" altLang="en-US" dirty="0"/>
               <a:t>설계</a:t>
             </a:r>
-            <a:endParaRPr lang="ko-KR" altLang="en-US" dirty="0"/>
           </a:p>
         </p:txBody>
       </p:sp>
@@ -3550,19 +3527,19 @@
           <a:lstStyle/>
           <a:p>
             <a:r>
-              <a:rPr lang="en-US" altLang="ko-KR" dirty="0" err="1" smtClean="0"/>
+              <a:rPr lang="en-US" altLang="ko-KR" dirty="0" err="1"/>
               <a:t>Lecty</a:t>
             </a:r>
             <a:r>
-              <a:rPr lang="en-US" altLang="ko-KR" dirty="0" smtClean="0"/>
+              <a:rPr lang="en-US" altLang="ko-KR" dirty="0"/>
               <a:t> </a:t>
             </a:r>
             <a:r>
-              <a:rPr lang="en-US" altLang="ko-KR" dirty="0" err="1" smtClean="0"/>
+              <a:rPr lang="en-US" altLang="ko-KR" dirty="0" err="1"/>
               <a:t>kim</a:t>
             </a:r>
             <a:r>
-              <a:rPr lang="en-US" altLang="ko-KR" dirty="0" smtClean="0"/>
+              <a:rPr lang="en-US" altLang="ko-KR" dirty="0"/>
               <a:t> </a:t>
             </a:r>
             <a:endParaRPr lang="ko-KR" altLang="en-US" dirty="0"/>
@@ -3642,7 +3619,7 @@
           <a:p>
             <a:pPr algn="ctr"/>
             <a:r>
-              <a:rPr lang="en-US" altLang="ko-KR" dirty="0" err="1" smtClean="0">
+              <a:rPr lang="en-US" altLang="ko-KR" dirty="0" err="1">
                 <a:solidFill>
                   <a:sysClr val="windowText" lastClr="000000"/>
                 </a:solidFill>
@@ -3650,7 +3627,7 @@
               <a:t>Congraturation</a:t>
             </a:r>
             <a:r>
-              <a:rPr lang="en-US" altLang="ko-KR" dirty="0" smtClean="0">
+              <a:rPr lang="en-US" altLang="ko-KR" dirty="0">
                 <a:solidFill>
                   <a:sysClr val="windowText" lastClr="000000"/>
                 </a:solidFill>
@@ -3661,7 +3638,7 @@
           <a:p>
             <a:pPr algn="ctr"/>
             <a:r>
-              <a:rPr lang="ko-KR" altLang="en-US" dirty="0" smtClean="0">
+              <a:rPr lang="ko-KR" altLang="en-US" dirty="0">
                 <a:solidFill>
                   <a:sysClr val="windowText" lastClr="000000"/>
                 </a:solidFill>
@@ -3669,7 +3646,7 @@
               <a:t>가입을 축하합니다</a:t>
             </a:r>
             <a:r>
-              <a:rPr lang="en-US" altLang="ko-KR" dirty="0" smtClean="0">
+              <a:rPr lang="en-US" altLang="ko-KR" dirty="0">
                 <a:solidFill>
                   <a:sysClr val="windowText" lastClr="000000"/>
                 </a:solidFill>
@@ -3722,7 +3699,7 @@
           <a:p>
             <a:pPr algn="ctr"/>
             <a:r>
-              <a:rPr lang="ko-KR" altLang="en-US" dirty="0" smtClean="0">
+              <a:rPr lang="ko-KR" altLang="en-US" dirty="0">
                 <a:solidFill>
                   <a:sysClr val="windowText" lastClr="000000"/>
                 </a:solidFill>
@@ -3730,7 +3707,7 @@
               <a:t>리뷰 달러 가기</a:t>
             </a:r>
             <a:r>
-              <a:rPr lang="en-US" altLang="ko-KR" dirty="0" smtClean="0">
+              <a:rPr lang="en-US" altLang="ko-KR" dirty="0">
                 <a:solidFill>
                   <a:sysClr val="windowText" lastClr="000000"/>
                 </a:solidFill>
@@ -3788,7 +3765,7 @@
           <a:p>
             <a:pPr algn="ctr"/>
             <a:r>
-              <a:rPr lang="ko-KR" altLang="en-US" dirty="0" smtClean="0">
+              <a:rPr lang="ko-KR" altLang="en-US" dirty="0">
                 <a:solidFill>
                   <a:sysClr val="windowText" lastClr="000000"/>
                 </a:solidFill>
@@ -3796,7 +3773,7 @@
               <a:t>리뷰 보러 가기</a:t>
             </a:r>
             <a:r>
-              <a:rPr lang="en-US" altLang="ko-KR" dirty="0" smtClean="0">
+              <a:rPr lang="en-US" altLang="ko-KR" dirty="0">
                 <a:solidFill>
                   <a:sysClr val="windowText" lastClr="000000"/>
                 </a:solidFill>
@@ -3930,10 +3907,9 @@
           <a:p>
             <a:pPr algn="ctr"/>
             <a:r>
-              <a:rPr lang="ko-KR" altLang="en-US" smtClean="0"/>
+              <a:rPr lang="ko-KR" altLang="en-US"/>
               <a:t>상품 이미지</a:t>
             </a:r>
-            <a:endParaRPr lang="ko-KR" altLang="en-US"/>
           </a:p>
         </p:txBody>
       </p:sp>
@@ -3962,10 +3938,9 @@
           <a:lstStyle/>
           <a:p>
             <a:r>
-              <a:rPr lang="ko-KR" altLang="en-US" dirty="0" smtClean="0"/>
+              <a:rPr lang="ko-KR" altLang="en-US" dirty="0"/>
               <a:t>상품 가격</a:t>
             </a:r>
-            <a:endParaRPr lang="ko-KR" altLang="en-US" dirty="0"/>
           </a:p>
         </p:txBody>
       </p:sp>
@@ -3994,10 +3969,9 @@
           <a:lstStyle/>
           <a:p>
             <a:r>
-              <a:rPr lang="ko-KR" altLang="en-US" dirty="0" smtClean="0"/>
+              <a:rPr lang="ko-KR" altLang="en-US" dirty="0"/>
               <a:t>상품 정보</a:t>
             </a:r>
-            <a:endParaRPr lang="ko-KR" altLang="en-US" dirty="0"/>
           </a:p>
         </p:txBody>
       </p:sp>
@@ -4089,7 +4063,7 @@
           <a:p>
             <a:pPr algn="ctr"/>
             <a:r>
-              <a:rPr lang="en-US" altLang="ko-KR" dirty="0" smtClean="0">
+              <a:rPr lang="en-US" altLang="ko-KR" dirty="0">
                 <a:solidFill>
                   <a:sysClr val="windowText" lastClr="000000"/>
                 </a:solidFill>
@@ -4149,7 +4123,7 @@
           <a:p>
             <a:pPr algn="ctr"/>
             <a:r>
-              <a:rPr lang="en-US" altLang="ko-KR" dirty="0" smtClean="0">
+              <a:rPr lang="en-US" altLang="ko-KR" dirty="0">
                 <a:solidFill>
                   <a:sysClr val="windowText" lastClr="000000"/>
                 </a:solidFill>
@@ -4209,7 +4183,7 @@
           <a:p>
             <a:pPr algn="ctr"/>
             <a:r>
-              <a:rPr lang="en-US" altLang="ko-KR" dirty="0" err="1" smtClean="0">
+              <a:rPr lang="en-US" altLang="ko-KR" dirty="0" err="1">
                 <a:solidFill>
                   <a:sysClr val="windowText" lastClr="000000"/>
                 </a:solidFill>
@@ -4312,7 +4286,7 @@
           <a:p>
             <a:pPr algn="ctr"/>
             <a:r>
-              <a:rPr lang="en-US" altLang="ko-KR" dirty="0" smtClean="0">
+              <a:rPr lang="en-US" altLang="ko-KR" dirty="0">
                 <a:solidFill>
                   <a:sysClr val="windowText" lastClr="000000"/>
                 </a:solidFill>
@@ -4372,7 +4346,7 @@
           <a:p>
             <a:pPr algn="ctr"/>
             <a:r>
-              <a:rPr lang="en-US" altLang="ko-KR" dirty="0" smtClean="0">
+              <a:rPr lang="en-US" altLang="ko-KR" dirty="0">
                 <a:solidFill>
                   <a:sysClr val="windowText" lastClr="000000"/>
                 </a:solidFill>
@@ -4432,7 +4406,7 @@
           <a:p>
             <a:pPr algn="ctr"/>
             <a:r>
-              <a:rPr lang="en-US" altLang="ko-KR" dirty="0" err="1" smtClean="0">
+              <a:rPr lang="en-US" altLang="ko-KR" dirty="0" err="1">
                 <a:solidFill>
                   <a:sysClr val="windowText" lastClr="000000"/>
                 </a:solidFill>
@@ -4535,7 +4509,7 @@
           <a:p>
             <a:pPr algn="ctr"/>
             <a:r>
-              <a:rPr lang="en-US" altLang="ko-KR" dirty="0" smtClean="0">
+              <a:rPr lang="en-US" altLang="ko-KR" dirty="0">
                 <a:solidFill>
                   <a:sysClr val="windowText" lastClr="000000"/>
                 </a:solidFill>
@@ -4595,7 +4569,7 @@
           <a:p>
             <a:pPr algn="ctr"/>
             <a:r>
-              <a:rPr lang="en-US" altLang="ko-KR" dirty="0" smtClean="0">
+              <a:rPr lang="en-US" altLang="ko-KR" dirty="0">
                 <a:solidFill>
                   <a:sysClr val="windowText" lastClr="000000"/>
                 </a:solidFill>
@@ -4655,7 +4629,7 @@
           <a:p>
             <a:pPr algn="ctr"/>
             <a:r>
-              <a:rPr lang="en-US" altLang="ko-KR" dirty="0" err="1" smtClean="0">
+              <a:rPr lang="en-US" altLang="ko-KR" dirty="0" err="1">
                 <a:solidFill>
                   <a:sysClr val="windowText" lastClr="000000"/>
                 </a:solidFill>
@@ -4789,10 +4763,9 @@
           <a:p>
             <a:pPr algn="ctr"/>
             <a:r>
-              <a:rPr lang="ko-KR" altLang="en-US" dirty="0" smtClean="0"/>
+              <a:rPr lang="ko-KR" altLang="en-US" dirty="0"/>
               <a:t>프로필 사진</a:t>
             </a:r>
-            <a:endParaRPr lang="ko-KR" altLang="en-US" dirty="0"/>
           </a:p>
         </p:txBody>
       </p:sp>
@@ -4821,10 +4794,9 @@
           <a:lstStyle/>
           <a:p>
             <a:r>
-              <a:rPr lang="ko-KR" altLang="en-US" dirty="0" smtClean="0"/>
+              <a:rPr lang="ko-KR" altLang="en-US" dirty="0"/>
               <a:t>상품 가격</a:t>
             </a:r>
-            <a:endParaRPr lang="ko-KR" altLang="en-US" dirty="0"/>
           </a:p>
         </p:txBody>
       </p:sp>
@@ -4853,10 +4825,9 @@
           <a:lstStyle/>
           <a:p>
             <a:r>
-              <a:rPr lang="ko-KR" altLang="en-US" dirty="0" smtClean="0"/>
+              <a:rPr lang="ko-KR" altLang="en-US" dirty="0"/>
               <a:t>상품 정보</a:t>
             </a:r>
-            <a:endParaRPr lang="ko-KR" altLang="en-US" dirty="0"/>
           </a:p>
         </p:txBody>
       </p:sp>
@@ -4948,7 +4919,7 @@
           <a:p>
             <a:pPr algn="ctr"/>
             <a:r>
-              <a:rPr lang="en-US" altLang="ko-KR" dirty="0" smtClean="0">
+              <a:rPr lang="en-US" altLang="ko-KR" dirty="0">
                 <a:solidFill>
                   <a:sysClr val="windowText" lastClr="000000"/>
                 </a:solidFill>
@@ -5008,7 +4979,7 @@
           <a:p>
             <a:pPr algn="ctr"/>
             <a:r>
-              <a:rPr lang="en-US" altLang="ko-KR" dirty="0" smtClean="0">
+              <a:rPr lang="en-US" altLang="ko-KR" dirty="0">
                 <a:solidFill>
                   <a:sysClr val="windowText" lastClr="000000"/>
                 </a:solidFill>
@@ -5068,7 +5039,7 @@
           <a:p>
             <a:pPr algn="ctr"/>
             <a:r>
-              <a:rPr lang="en-US" altLang="ko-KR" dirty="0" err="1" smtClean="0">
+              <a:rPr lang="en-US" altLang="ko-KR" dirty="0" err="1">
                 <a:solidFill>
                   <a:sysClr val="windowText" lastClr="000000"/>
                 </a:solidFill>
@@ -5171,7 +5142,7 @@
           <a:p>
             <a:pPr algn="ctr"/>
             <a:r>
-              <a:rPr lang="en-US" altLang="ko-KR" dirty="0" smtClean="0">
+              <a:rPr lang="en-US" altLang="ko-KR" dirty="0">
                 <a:solidFill>
                   <a:sysClr val="windowText" lastClr="000000"/>
                 </a:solidFill>
@@ -5231,7 +5202,7 @@
           <a:p>
             <a:pPr algn="ctr"/>
             <a:r>
-              <a:rPr lang="en-US" altLang="ko-KR" dirty="0" smtClean="0">
+              <a:rPr lang="en-US" altLang="ko-KR" dirty="0">
                 <a:solidFill>
                   <a:sysClr val="windowText" lastClr="000000"/>
                 </a:solidFill>
@@ -5291,7 +5262,7 @@
           <a:p>
             <a:pPr algn="ctr"/>
             <a:r>
-              <a:rPr lang="en-US" altLang="ko-KR" dirty="0" err="1" smtClean="0">
+              <a:rPr lang="en-US" altLang="ko-KR" dirty="0" err="1">
                 <a:solidFill>
                   <a:sysClr val="windowText" lastClr="000000"/>
                 </a:solidFill>
@@ -5394,7 +5365,7 @@
           <a:p>
             <a:pPr algn="ctr"/>
             <a:r>
-              <a:rPr lang="en-US" altLang="ko-KR" dirty="0" smtClean="0">
+              <a:rPr lang="en-US" altLang="ko-KR" dirty="0">
                 <a:solidFill>
                   <a:sysClr val="windowText" lastClr="000000"/>
                 </a:solidFill>
@@ -5454,7 +5425,7 @@
           <a:p>
             <a:pPr algn="ctr"/>
             <a:r>
-              <a:rPr lang="en-US" altLang="ko-KR" dirty="0" smtClean="0">
+              <a:rPr lang="en-US" altLang="ko-KR" dirty="0">
                 <a:solidFill>
                   <a:sysClr val="windowText" lastClr="000000"/>
                 </a:solidFill>
@@ -5514,7 +5485,7 @@
           <a:p>
             <a:pPr algn="ctr"/>
             <a:r>
-              <a:rPr lang="en-US" altLang="ko-KR" dirty="0" err="1" smtClean="0">
+              <a:rPr lang="en-US" altLang="ko-KR" dirty="0" err="1">
                 <a:solidFill>
                   <a:sysClr val="windowText" lastClr="000000"/>
                 </a:solidFill>
@@ -5622,7 +5593,7 @@
           <a:lstStyle/>
           <a:p>
             <a:r>
-              <a:rPr lang="en-US" altLang="ko-KR" dirty="0" smtClean="0"/>
+              <a:rPr lang="en-US" altLang="ko-KR" dirty="0"/>
               <a:t>Picture Upload</a:t>
             </a:r>
             <a:endParaRPr lang="ko-KR" altLang="en-US" dirty="0"/>
@@ -5672,7 +5643,7 @@
           <a:p>
             <a:pPr algn="ctr"/>
             <a:r>
-              <a:rPr lang="en-US" altLang="ko-KR" dirty="0" smtClean="0">
+              <a:rPr lang="en-US" altLang="ko-KR" dirty="0">
                 <a:solidFill>
                   <a:sysClr val="windowText" lastClr="000000"/>
                 </a:solidFill>
@@ -5992,7 +5963,7 @@
           <a:p>
             <a:pPr algn="ctr"/>
             <a:r>
-              <a:rPr lang="en-US" altLang="ko-KR" dirty="0" err="1" smtClean="0">
+              <a:rPr lang="en-US" altLang="ko-KR" dirty="0" err="1">
                 <a:solidFill>
                   <a:sysClr val="windowText" lastClr="000000"/>
                 </a:solidFill>
@@ -6082,7 +6053,7 @@
           <a:p>
             <a:pPr algn="ctr"/>
             <a:r>
-              <a:rPr lang="en-US" altLang="ko-KR" dirty="0" err="1" smtClean="0">
+              <a:rPr lang="en-US" altLang="ko-KR" dirty="0" err="1">
                 <a:solidFill>
                   <a:sysClr val="windowText" lastClr="000000"/>
                 </a:solidFill>
@@ -6142,7 +6113,7 @@
           <a:p>
             <a:pPr algn="ctr"/>
             <a:r>
-              <a:rPr lang="en-US" altLang="ko-KR" dirty="0" smtClean="0">
+              <a:rPr lang="en-US" altLang="ko-KR" dirty="0">
                 <a:solidFill>
                   <a:sysClr val="windowText" lastClr="000000"/>
                 </a:solidFill>
@@ -6281,7 +6252,7 @@
           <a:p>
             <a:pPr algn="ctr"/>
             <a:r>
-              <a:rPr lang="en-US" altLang="ko-KR" dirty="0" smtClean="0"/>
+              <a:rPr lang="en-US" altLang="ko-KR" dirty="0"/>
               <a:t>Review title</a:t>
             </a:r>
             <a:endParaRPr lang="ko-KR" altLang="en-US" dirty="0"/>
@@ -6585,7 +6556,7 @@
           <a:p>
             <a:pPr algn="ctr"/>
             <a:r>
-              <a:rPr lang="en-US" altLang="ko-KR" dirty="0" err="1" smtClean="0">
+              <a:rPr lang="en-US" altLang="ko-KR" dirty="0" err="1">
                 <a:solidFill>
                   <a:sysClr val="windowText" lastClr="000000"/>
                 </a:solidFill>
@@ -6689,10 +6660,9 @@
           <a:p>
             <a:pPr algn="ctr"/>
             <a:r>
-              <a:rPr lang="ko-KR" altLang="en-US" dirty="0" smtClean="0"/>
+              <a:rPr lang="ko-KR" altLang="en-US" dirty="0"/>
               <a:t>프로필 사진</a:t>
             </a:r>
-            <a:endParaRPr lang="ko-KR" altLang="en-US" dirty="0"/>
           </a:p>
         </p:txBody>
       </p:sp>
@@ -6721,10 +6691,9 @@
           <a:lstStyle/>
           <a:p>
             <a:r>
-              <a:rPr lang="ko-KR" altLang="en-US" dirty="0" smtClean="0"/>
+              <a:rPr lang="ko-KR" altLang="en-US" dirty="0"/>
               <a:t>상품 가격</a:t>
             </a:r>
-            <a:endParaRPr lang="ko-KR" altLang="en-US" dirty="0"/>
           </a:p>
         </p:txBody>
       </p:sp>
@@ -6753,10 +6722,9 @@
           <a:lstStyle/>
           <a:p>
             <a:r>
-              <a:rPr lang="ko-KR" altLang="en-US" dirty="0" smtClean="0"/>
+              <a:rPr lang="ko-KR" altLang="en-US" dirty="0"/>
               <a:t>상품 정보</a:t>
             </a:r>
-            <a:endParaRPr lang="ko-KR" altLang="en-US" dirty="0"/>
           </a:p>
         </p:txBody>
       </p:sp>
@@ -6884,7 +6852,7 @@
           <a:p>
             <a:pPr algn="ctr"/>
             <a:r>
-              <a:rPr lang="en-US" altLang="ko-KR" dirty="0" err="1" smtClean="0">
+              <a:rPr lang="en-US" altLang="ko-KR" dirty="0" err="1">
                 <a:solidFill>
                   <a:sysClr val="windowText" lastClr="000000"/>
                 </a:solidFill>
@@ -6944,7 +6912,7 @@
           <a:p>
             <a:pPr algn="ctr"/>
             <a:r>
-              <a:rPr lang="en-US" altLang="ko-KR" dirty="0" err="1" smtClean="0">
+              <a:rPr lang="en-US" altLang="ko-KR" dirty="0" err="1">
                 <a:solidFill>
                   <a:sysClr val="windowText" lastClr="000000"/>
                 </a:solidFill>
@@ -7004,7 +6972,7 @@
           <a:p>
             <a:pPr algn="ctr"/>
             <a:r>
-              <a:rPr lang="en-US" altLang="ko-KR" dirty="0" smtClean="0">
+              <a:rPr lang="en-US" altLang="ko-KR" dirty="0">
                 <a:solidFill>
                   <a:sysClr val="windowText" lastClr="000000"/>
                 </a:solidFill>
@@ -7064,7 +7032,7 @@
           <a:p>
             <a:pPr algn="ctr"/>
             <a:r>
-              <a:rPr lang="en-US" altLang="ko-KR" dirty="0" smtClean="0">
+              <a:rPr lang="en-US" altLang="ko-KR" dirty="0">
                 <a:solidFill>
                   <a:sysClr val="windowText" lastClr="000000"/>
                 </a:solidFill>
@@ -7200,7 +7168,7 @@
           <a:p>
             <a:pPr algn="ctr"/>
             <a:r>
-              <a:rPr lang="en-US" altLang="ko-KR" dirty="0" smtClean="0">
+              <a:rPr lang="en-US" altLang="ko-KR" dirty="0">
                 <a:solidFill>
                   <a:sysClr val="windowText" lastClr="000000"/>
                 </a:solidFill>
@@ -7263,7 +7231,7 @@
           <a:p>
             <a:pPr algn="ctr"/>
             <a:r>
-              <a:rPr lang="en-US" altLang="ko-KR" dirty="0" smtClean="0">
+              <a:rPr lang="en-US" altLang="ko-KR" dirty="0">
                 <a:solidFill>
                   <a:sysClr val="windowText" lastClr="000000"/>
                 </a:solidFill>
@@ -7321,7 +7289,7 @@
           <a:p>
             <a:pPr algn="ctr"/>
             <a:r>
-              <a:rPr lang="ko-KR" altLang="en-US" dirty="0" err="1" smtClean="0">
+              <a:rPr lang="ko-KR" altLang="en-US" dirty="0" err="1">
                 <a:solidFill>
                   <a:sysClr val="windowText" lastClr="000000"/>
                 </a:solidFill>
@@ -7329,18 +7297,13 @@
               <a:t>답변받을</a:t>
             </a:r>
             <a:r>
-              <a:rPr lang="ko-KR" altLang="en-US" dirty="0" smtClean="0">
+              <a:rPr lang="ko-KR" altLang="en-US" dirty="0">
                 <a:solidFill>
                   <a:sysClr val="windowText" lastClr="000000"/>
                 </a:solidFill>
               </a:rPr>
               <a:t> 이메일</a:t>
             </a:r>
-            <a:endParaRPr lang="ko-KR" altLang="en-US" dirty="0">
-              <a:solidFill>
-                <a:sysClr val="windowText" lastClr="000000"/>
-              </a:solidFill>
-            </a:endParaRPr>
           </a:p>
         </p:txBody>
       </p:sp>
@@ -7468,7 +7431,7 @@
           <a:p>
             <a:pPr algn="ctr"/>
             <a:r>
-              <a:rPr lang="en-US" altLang="ko-KR" dirty="0" smtClean="0">
+              <a:rPr lang="en-US" altLang="ko-KR" dirty="0">
                 <a:solidFill>
                   <a:sysClr val="windowText" lastClr="000000"/>
                 </a:solidFill>
@@ -7558,7 +7521,7 @@
           <a:p>
             <a:pPr algn="ctr"/>
             <a:r>
-              <a:rPr lang="ko-KR" altLang="en-US" dirty="0" smtClean="0">
+              <a:rPr lang="ko-KR" altLang="en-US" dirty="0">
                 <a:solidFill>
                   <a:sysClr val="windowText" lastClr="000000"/>
                 </a:solidFill>
@@ -7566,7 +7529,7 @@
               <a:t>목</a:t>
             </a:r>
             <a:r>
-              <a:rPr lang="en-US" altLang="ko-KR" dirty="0" smtClean="0">
+              <a:rPr lang="en-US" altLang="ko-KR" dirty="0">
                 <a:solidFill>
                   <a:sysClr val="windowText" lastClr="000000"/>
                 </a:solidFill>
@@ -7574,14 +7537,14 @@
               <a:t> </a:t>
             </a:r>
             <a:r>
-              <a:rPr lang="ko-KR" altLang="en-US" dirty="0" smtClean="0">
+              <a:rPr lang="ko-KR" altLang="en-US" dirty="0">
                 <a:solidFill>
                   <a:sysClr val="windowText" lastClr="000000"/>
                 </a:solidFill>
               </a:rPr>
               <a:t>차</a:t>
             </a:r>
-            <a:endParaRPr lang="en-US" altLang="ko-KR" dirty="0" smtClean="0">
+            <a:endParaRPr lang="en-US" altLang="ko-KR" dirty="0">
               <a:solidFill>
                 <a:sysClr val="windowText" lastClr="000000"/>
               </a:solidFill>
@@ -7590,7 +7553,7 @@
           <a:p>
             <a:pPr algn="ctr"/>
             <a:r>
-              <a:rPr lang="en-US" altLang="ko-KR" dirty="0" smtClean="0">
+              <a:rPr lang="en-US" altLang="ko-KR" dirty="0">
                 <a:solidFill>
                   <a:sysClr val="windowText" lastClr="000000"/>
                 </a:solidFill>
@@ -7601,7 +7564,7 @@
           <a:p>
             <a:pPr algn="ctr"/>
             <a:r>
-              <a:rPr lang="en-US" altLang="ko-KR" dirty="0" smtClean="0">
+              <a:rPr lang="en-US" altLang="ko-KR" dirty="0">
                 <a:solidFill>
                   <a:sysClr val="windowText" lastClr="000000"/>
                 </a:solidFill>
@@ -7612,7 +7575,7 @@
           <a:p>
             <a:pPr algn="ctr"/>
             <a:r>
-              <a:rPr lang="en-US" altLang="ko-KR" dirty="0" smtClean="0">
+              <a:rPr lang="en-US" altLang="ko-KR" dirty="0">
                 <a:solidFill>
                   <a:sysClr val="windowText" lastClr="000000"/>
                 </a:solidFill>
@@ -7623,7 +7586,7 @@
           <a:p>
             <a:pPr algn="ctr"/>
             <a:r>
-              <a:rPr lang="en-US" altLang="ko-KR" dirty="0" smtClean="0">
+              <a:rPr lang="en-US" altLang="ko-KR" dirty="0">
                 <a:solidFill>
                   <a:sysClr val="windowText" lastClr="000000"/>
                 </a:solidFill>
@@ -7634,7 +7597,7 @@
           <a:p>
             <a:pPr algn="ctr"/>
             <a:r>
-              <a:rPr lang="en-US" altLang="ko-KR" dirty="0" smtClean="0">
+              <a:rPr lang="en-US" altLang="ko-KR" dirty="0">
                 <a:solidFill>
                   <a:sysClr val="windowText" lastClr="000000"/>
                 </a:solidFill>
@@ -7645,7 +7608,7 @@
           <a:p>
             <a:pPr algn="ctr"/>
             <a:r>
-              <a:rPr lang="en-US" altLang="ko-KR" dirty="0" smtClean="0">
+              <a:rPr lang="en-US" altLang="ko-KR" dirty="0">
                 <a:solidFill>
                   <a:sysClr val="windowText" lastClr="000000"/>
                 </a:solidFill>
@@ -7653,7 +7616,7 @@
               <a:t>11p~12p – </a:t>
             </a:r>
             <a:r>
-              <a:rPr lang="en-US" altLang="ko-KR" dirty="0" err="1" smtClean="0">
+              <a:rPr lang="en-US" altLang="ko-KR" dirty="0" err="1">
                 <a:solidFill>
                   <a:sysClr val="windowText" lastClr="000000"/>
                 </a:solidFill>
@@ -7661,7 +7624,7 @@
               <a:t>search?product</a:t>
             </a:r>
             <a:r>
-              <a:rPr lang="en-US" altLang="ko-KR" dirty="0" smtClean="0">
+              <a:rPr lang="en-US" altLang="ko-KR" dirty="0">
                 <a:solidFill>
                   <a:sysClr val="windowText" lastClr="000000"/>
                 </a:solidFill>
@@ -7672,7 +7635,7 @@
           <a:p>
             <a:pPr algn="ctr"/>
             <a:r>
-              <a:rPr lang="en-US" altLang="ko-KR" dirty="0" err="1" smtClean="0">
+              <a:rPr lang="en-US" altLang="ko-KR" dirty="0" err="1">
                 <a:solidFill>
                   <a:sysClr val="windowText" lastClr="000000"/>
                 </a:solidFill>
@@ -7680,7 +7643,7 @@
               <a:t>Search?username</a:t>
             </a:r>
             <a:r>
-              <a:rPr lang="en-US" altLang="ko-KR" dirty="0" smtClean="0">
+              <a:rPr lang="en-US" altLang="ko-KR" dirty="0">
                 <a:solidFill>
                   <a:sysClr val="windowText" lastClr="000000"/>
                 </a:solidFill>
@@ -7691,7 +7654,7 @@
           <a:p>
             <a:pPr algn="ctr"/>
             <a:r>
-              <a:rPr lang="en-US" altLang="ko-KR" dirty="0" smtClean="0">
+              <a:rPr lang="en-US" altLang="ko-KR" dirty="0">
                 <a:solidFill>
                   <a:sysClr val="windowText" lastClr="000000"/>
                 </a:solidFill>
@@ -7702,7 +7665,7 @@
           <a:p>
             <a:pPr algn="ctr"/>
             <a:r>
-              <a:rPr lang="en-US" altLang="ko-KR" dirty="0" smtClean="0">
+              <a:rPr lang="en-US" altLang="ko-KR" dirty="0">
                 <a:solidFill>
                   <a:sysClr val="windowText" lastClr="000000"/>
                 </a:solidFill>
@@ -7713,7 +7676,7 @@
           <a:p>
             <a:pPr algn="ctr"/>
             <a:r>
-              <a:rPr lang="en-US" altLang="ko-KR" smtClean="0">
+              <a:rPr lang="en-US" altLang="ko-KR">
                 <a:solidFill>
                   <a:sysClr val="windowText" lastClr="000000"/>
                 </a:solidFill>
@@ -7721,7 +7684,7 @@
               <a:t>17p ~ 18p </a:t>
             </a:r>
             <a:r>
-              <a:rPr lang="en-US" altLang="ko-KR" dirty="0" smtClean="0">
+              <a:rPr lang="en-US" altLang="ko-KR" dirty="0">
                 <a:solidFill>
                   <a:sysClr val="windowText" lastClr="000000"/>
                 </a:solidFill>
@@ -7731,7 +7694,7 @@
           </a:p>
           <a:p>
             <a:pPr algn="ctr"/>
-            <a:endParaRPr lang="en-US" altLang="ko-KR" dirty="0" smtClean="0">
+            <a:endParaRPr lang="en-US" altLang="ko-KR" dirty="0">
               <a:solidFill>
                 <a:sysClr val="windowText" lastClr="000000"/>
               </a:solidFill>
@@ -7739,7 +7702,7 @@
           </a:p>
           <a:p>
             <a:pPr algn="ctr"/>
-            <a:endParaRPr lang="en-US" altLang="ko-KR" dirty="0" smtClean="0">
+            <a:endParaRPr lang="en-US" altLang="ko-KR" dirty="0">
               <a:solidFill>
                 <a:sysClr val="windowText" lastClr="000000"/>
               </a:solidFill>
@@ -7872,7 +7835,7 @@
           <a:p>
             <a:pPr algn="ctr"/>
             <a:r>
-              <a:rPr lang="en-US" altLang="ko-KR" dirty="0" err="1" smtClean="0">
+              <a:rPr lang="en-US" altLang="ko-KR" dirty="0" err="1">
                 <a:ln>
                   <a:solidFill>
                     <a:srgbClr val="FFB9C6"/>
@@ -7942,7 +7905,7 @@
           <a:p>
             <a:pPr algn="ctr"/>
             <a:r>
-              <a:rPr lang="en-US" altLang="ko-KR" dirty="0" smtClean="0">
+              <a:rPr lang="en-US" altLang="ko-KR" dirty="0">
                 <a:solidFill>
                   <a:sysClr val="windowText" lastClr="000000"/>
                 </a:solidFill>
@@ -8002,7 +7965,7 @@
           <a:p>
             <a:pPr algn="ctr"/>
             <a:r>
-              <a:rPr lang="en-US" altLang="ko-KR" dirty="0" smtClean="0">
+              <a:rPr lang="en-US" altLang="ko-KR" dirty="0">
                 <a:solidFill>
                   <a:sysClr val="windowText" lastClr="000000"/>
                 </a:solidFill>
@@ -8106,7 +8069,7 @@
           <a:p>
             <a:pPr algn="ctr"/>
             <a:r>
-              <a:rPr lang="en-US" altLang="ko-KR" dirty="0" smtClean="0">
+              <a:rPr lang="en-US" altLang="ko-KR" dirty="0">
                 <a:solidFill>
                   <a:sysClr val="windowText" lastClr="000000"/>
                 </a:solidFill>
@@ -8210,7 +8173,7 @@
           <a:p>
             <a:pPr algn="ctr"/>
             <a:r>
-              <a:rPr lang="en-US" altLang="ko-KR" dirty="0" smtClean="0">
+              <a:rPr lang="en-US" altLang="ko-KR" dirty="0">
                 <a:solidFill>
                   <a:sysClr val="windowText" lastClr="000000"/>
                 </a:solidFill>
@@ -8668,7 +8631,7 @@
           <a:lstStyle/>
           <a:p>
             <a:r>
-              <a:rPr lang="en-US" altLang="ko-KR" dirty="0" smtClean="0"/>
+              <a:rPr lang="en-US" altLang="ko-KR" dirty="0"/>
               <a:t>Man</a:t>
             </a:r>
             <a:endParaRPr lang="ko-KR" altLang="en-US" dirty="0"/>
@@ -8698,7 +8661,7 @@
           <a:lstStyle/>
           <a:p>
             <a:r>
-              <a:rPr lang="en-US" altLang="ko-KR" dirty="0" smtClean="0"/>
+              <a:rPr lang="en-US" altLang="ko-KR" dirty="0"/>
               <a:t>Woman</a:t>
             </a:r>
             <a:endParaRPr lang="ko-KR" altLang="en-US" dirty="0"/>
@@ -8728,7 +8691,7 @@
           <a:lstStyle/>
           <a:p>
             <a:r>
-              <a:rPr lang="en-US" altLang="ko-KR" dirty="0" smtClean="0"/>
+              <a:rPr lang="en-US" altLang="ko-KR" dirty="0"/>
               <a:t>Couple</a:t>
             </a:r>
             <a:endParaRPr lang="ko-KR" altLang="en-US" dirty="0"/>
@@ -8780,7 +8743,7 @@
           <a:p>
             <a:pPr algn="ctr"/>
             <a:r>
-              <a:rPr lang="en-US" altLang="ko-KR" dirty="0" smtClean="0">
+              <a:rPr lang="en-US" altLang="ko-KR" dirty="0">
                 <a:solidFill>
                   <a:sysClr val="windowText" lastClr="000000"/>
                 </a:solidFill>
@@ -9061,7 +9024,7 @@
           <a:p>
             <a:pPr algn="ctr"/>
             <a:r>
-              <a:rPr lang="en-US" altLang="ko-KR" dirty="0" smtClean="0">
+              <a:rPr lang="en-US" altLang="ko-KR" dirty="0">
                 <a:solidFill>
                   <a:sysClr val="windowText" lastClr="000000"/>
                 </a:solidFill>
@@ -9121,7 +9084,7 @@
           <a:p>
             <a:pPr algn="ctr"/>
             <a:r>
-              <a:rPr lang="en-US" altLang="ko-KR" dirty="0" smtClean="0">
+              <a:rPr lang="en-US" altLang="ko-KR" dirty="0">
                 <a:solidFill>
                   <a:sysClr val="windowText" lastClr="000000"/>
                 </a:solidFill>
@@ -9181,7 +9144,7 @@
           <a:p>
             <a:pPr algn="ctr"/>
             <a:r>
-              <a:rPr lang="en-US" altLang="ko-KR" dirty="0" err="1" smtClean="0">
+              <a:rPr lang="en-US" altLang="ko-KR" dirty="0" err="1">
                 <a:solidFill>
                   <a:sysClr val="windowText" lastClr="000000"/>
                 </a:solidFill>
@@ -9284,7 +9247,7 @@
           <a:p>
             <a:pPr algn="ctr"/>
             <a:r>
-              <a:rPr lang="en-US" altLang="ko-KR" dirty="0" smtClean="0">
+              <a:rPr lang="en-US" altLang="ko-KR" dirty="0">
                 <a:solidFill>
                   <a:sysClr val="windowText" lastClr="000000"/>
                 </a:solidFill>
@@ -9344,7 +9307,7 @@
           <a:p>
             <a:pPr algn="ctr"/>
             <a:r>
-              <a:rPr lang="en-US" altLang="ko-KR" dirty="0" smtClean="0">
+              <a:rPr lang="en-US" altLang="ko-KR" dirty="0">
                 <a:solidFill>
                   <a:sysClr val="windowText" lastClr="000000"/>
                 </a:solidFill>
@@ -9404,7 +9367,7 @@
           <a:p>
             <a:pPr algn="ctr"/>
             <a:r>
-              <a:rPr lang="en-US" altLang="ko-KR" dirty="0" err="1" smtClean="0">
+              <a:rPr lang="en-US" altLang="ko-KR" dirty="0" err="1">
                 <a:solidFill>
                   <a:sysClr val="windowText" lastClr="000000"/>
                 </a:solidFill>
@@ -9502,7 +9465,7 @@
           <a:p>
             <a:pPr algn="ctr"/>
             <a:r>
-              <a:rPr lang="en-US" altLang="ko-KR" dirty="0" smtClean="0">
+              <a:rPr lang="en-US" altLang="ko-KR" dirty="0">
                 <a:solidFill>
                   <a:sysClr val="windowText" lastClr="000000"/>
                 </a:solidFill>
@@ -9562,7 +9525,7 @@
           <a:p>
             <a:pPr algn="ctr"/>
             <a:r>
-              <a:rPr lang="en-US" altLang="ko-KR" dirty="0" smtClean="0">
+              <a:rPr lang="en-US" altLang="ko-KR" dirty="0">
                 <a:solidFill>
                   <a:sysClr val="windowText" lastClr="000000"/>
                 </a:solidFill>
@@ -9622,7 +9585,7 @@
           <a:p>
             <a:pPr algn="ctr"/>
             <a:r>
-              <a:rPr lang="en-US" altLang="ko-KR" dirty="0" err="1" smtClean="0">
+              <a:rPr lang="en-US" altLang="ko-KR" dirty="0" err="1">
                 <a:solidFill>
                   <a:sysClr val="windowText" lastClr="000000"/>
                 </a:solidFill>
@@ -9680,18 +9643,13 @@
           <a:p>
             <a:pPr algn="ctr"/>
             <a:r>
-              <a:rPr lang="ko-KR" altLang="en-US" dirty="0" smtClean="0">
+              <a:rPr lang="ko-KR" altLang="en-US" dirty="0">
                 <a:solidFill>
                   <a:sysClr val="windowText" lastClr="000000"/>
                 </a:solidFill>
               </a:rPr>
               <a:t>더 보 기</a:t>
             </a:r>
-            <a:endParaRPr lang="ko-KR" altLang="en-US" dirty="0">
-              <a:solidFill>
-                <a:sysClr val="windowText" lastClr="000000"/>
-              </a:solidFill>
-            </a:endParaRPr>
           </a:p>
         </p:txBody>
       </p:sp>
@@ -9738,7 +9696,7 @@
           <a:p>
             <a:pPr algn="ctr"/>
             <a:r>
-              <a:rPr lang="en-US" altLang="ko-KR" dirty="0" smtClean="0">
+              <a:rPr lang="en-US" altLang="ko-KR" dirty="0">
                 <a:solidFill>
                   <a:sysClr val="windowText" lastClr="000000"/>
                 </a:solidFill>
@@ -9749,7 +9707,7 @@
           <a:p>
             <a:pPr algn="ctr"/>
             <a:r>
-              <a:rPr lang="ko-KR" altLang="en-US" dirty="0" smtClean="0">
+              <a:rPr lang="ko-KR" altLang="en-US" dirty="0">
                 <a:solidFill>
                   <a:sysClr val="windowText" lastClr="000000"/>
                 </a:solidFill>
@@ -9757,7 +9715,7 @@
               <a:t>제일 잘 나가는 인플루언서와 상품을 확인해보세요</a:t>
             </a:r>
             <a:r>
-              <a:rPr lang="en-US" altLang="ko-KR" dirty="0" smtClean="0">
+              <a:rPr lang="en-US" altLang="ko-KR" dirty="0">
                 <a:solidFill>
                   <a:sysClr val="windowText" lastClr="000000"/>
                 </a:solidFill>
@@ -9898,7 +9856,7 @@
           <a:p>
             <a:pPr algn="ctr"/>
             <a:r>
-              <a:rPr lang="ko-KR" altLang="en-US" dirty="0" smtClean="0">
+              <a:rPr lang="ko-KR" altLang="en-US" dirty="0">
                 <a:solidFill>
                   <a:sysClr val="windowText" lastClr="000000"/>
                 </a:solidFill>
@@ -9906,7 +9864,7 @@
               <a:t>상품 </a:t>
             </a:r>
             <a:r>
-              <a:rPr lang="en-US" altLang="ko-KR" dirty="0" smtClean="0">
+              <a:rPr lang="en-US" altLang="ko-KR" dirty="0">
                 <a:solidFill>
                   <a:sysClr val="windowText" lastClr="000000"/>
                 </a:solidFill>
@@ -9917,7 +9875,7 @@
           <a:p>
             <a:pPr algn="ctr"/>
             <a:r>
-              <a:rPr lang="en-US" altLang="ko-KR" dirty="0" smtClean="0">
+              <a:rPr lang="en-US" altLang="ko-KR" dirty="0">
                 <a:solidFill>
                   <a:sysClr val="windowText" lastClr="000000"/>
                 </a:solidFill>
@@ -9925,14 +9883,14 @@
               <a:t>1</a:t>
             </a:r>
             <a:r>
-              <a:rPr lang="ko-KR" altLang="en-US" dirty="0" smtClean="0">
+              <a:rPr lang="ko-KR" altLang="en-US" dirty="0">
                 <a:solidFill>
                   <a:sysClr val="windowText" lastClr="000000"/>
                 </a:solidFill>
               </a:rPr>
               <a:t>위</a:t>
             </a:r>
-            <a:endParaRPr lang="en-US" altLang="ko-KR" dirty="0" smtClean="0">
+            <a:endParaRPr lang="en-US" altLang="ko-KR" dirty="0">
               <a:solidFill>
                 <a:sysClr val="windowText" lastClr="000000"/>
               </a:solidFill>
@@ -9941,7 +9899,7 @@
           <a:p>
             <a:pPr algn="ctr"/>
             <a:r>
-              <a:rPr lang="en-US" altLang="ko-KR" dirty="0" smtClean="0">
+              <a:rPr lang="en-US" altLang="ko-KR" dirty="0">
                 <a:solidFill>
                   <a:sysClr val="windowText" lastClr="000000"/>
                 </a:solidFill>
@@ -9949,14 +9907,14 @@
               <a:t>2</a:t>
             </a:r>
             <a:r>
-              <a:rPr lang="ko-KR" altLang="en-US" dirty="0" smtClean="0">
+              <a:rPr lang="ko-KR" altLang="en-US" dirty="0">
                 <a:solidFill>
                   <a:sysClr val="windowText" lastClr="000000"/>
                 </a:solidFill>
               </a:rPr>
               <a:t>위</a:t>
             </a:r>
-            <a:endParaRPr lang="en-US" altLang="ko-KR" dirty="0" smtClean="0">
+            <a:endParaRPr lang="en-US" altLang="ko-KR" dirty="0">
               <a:solidFill>
                 <a:sysClr val="windowText" lastClr="000000"/>
               </a:solidFill>
@@ -9965,7 +9923,7 @@
           <a:p>
             <a:pPr algn="ctr"/>
             <a:r>
-              <a:rPr lang="en-US" altLang="ko-KR" dirty="0" smtClean="0">
+              <a:rPr lang="en-US" altLang="ko-KR" dirty="0">
                 <a:solidFill>
                   <a:sysClr val="windowText" lastClr="000000"/>
                 </a:solidFill>
@@ -9973,14 +9931,14 @@
               <a:t>3</a:t>
             </a:r>
             <a:r>
-              <a:rPr lang="ko-KR" altLang="en-US" dirty="0" smtClean="0">
+              <a:rPr lang="ko-KR" altLang="en-US" dirty="0">
                 <a:solidFill>
                   <a:sysClr val="windowText" lastClr="000000"/>
                 </a:solidFill>
               </a:rPr>
               <a:t>위</a:t>
             </a:r>
-            <a:endParaRPr lang="en-US" altLang="ko-KR" dirty="0" smtClean="0">
+            <a:endParaRPr lang="en-US" altLang="ko-KR" dirty="0">
               <a:solidFill>
                 <a:sysClr val="windowText" lastClr="000000"/>
               </a:solidFill>
@@ -9989,7 +9947,7 @@
           <a:p>
             <a:pPr algn="ctr"/>
             <a:r>
-              <a:rPr lang="en-US" altLang="ko-KR" dirty="0" smtClean="0">
+              <a:rPr lang="en-US" altLang="ko-KR" dirty="0">
                 <a:solidFill>
                   <a:sysClr val="windowText" lastClr="000000"/>
                 </a:solidFill>
@@ -9997,14 +9955,14 @@
               <a:t>4</a:t>
             </a:r>
             <a:r>
-              <a:rPr lang="ko-KR" altLang="en-US" dirty="0" smtClean="0">
+              <a:rPr lang="ko-KR" altLang="en-US" dirty="0">
                 <a:solidFill>
                   <a:sysClr val="windowText" lastClr="000000"/>
                 </a:solidFill>
               </a:rPr>
               <a:t>위</a:t>
             </a:r>
-            <a:endParaRPr lang="en-US" altLang="ko-KR" dirty="0" smtClean="0">
+            <a:endParaRPr lang="en-US" altLang="ko-KR" dirty="0">
               <a:solidFill>
                 <a:sysClr val="windowText" lastClr="000000"/>
               </a:solidFill>
@@ -10013,7 +9971,7 @@
           <a:p>
             <a:pPr algn="ctr"/>
             <a:r>
-              <a:rPr lang="en-US" altLang="ko-KR" dirty="0" smtClean="0">
+              <a:rPr lang="en-US" altLang="ko-KR" dirty="0">
                 <a:solidFill>
                   <a:sysClr val="windowText" lastClr="000000"/>
                 </a:solidFill>
@@ -10021,14 +9979,14 @@
               <a:t>5</a:t>
             </a:r>
             <a:r>
-              <a:rPr lang="ko-KR" altLang="en-US" dirty="0" smtClean="0">
+              <a:rPr lang="ko-KR" altLang="en-US" dirty="0">
                 <a:solidFill>
                   <a:sysClr val="windowText" lastClr="000000"/>
                 </a:solidFill>
               </a:rPr>
               <a:t>위</a:t>
             </a:r>
-            <a:endParaRPr lang="en-US" altLang="ko-KR" dirty="0" smtClean="0">
+            <a:endParaRPr lang="en-US" altLang="ko-KR" dirty="0">
               <a:solidFill>
                 <a:sysClr val="windowText" lastClr="000000"/>
               </a:solidFill>
@@ -10036,7 +9994,7 @@
           </a:p>
           <a:p>
             <a:pPr algn="ctr"/>
-            <a:endParaRPr lang="en-US" altLang="ko-KR" dirty="0" smtClean="0">
+            <a:endParaRPr lang="en-US" altLang="ko-KR" dirty="0">
               <a:solidFill>
                 <a:sysClr val="windowText" lastClr="000000"/>
               </a:solidFill>
@@ -10092,7 +10050,7 @@
           <a:p>
             <a:pPr algn="ctr"/>
             <a:r>
-              <a:rPr lang="ko-KR" altLang="en-US" dirty="0" err="1" smtClean="0">
+              <a:rPr lang="ko-KR" altLang="en-US" dirty="0" err="1">
                 <a:solidFill>
                   <a:sysClr val="windowText" lastClr="000000"/>
                 </a:solidFill>
@@ -10155,7 +10113,7 @@
           <a:p>
             <a:pPr algn="ctr"/>
             <a:r>
-              <a:rPr lang="ko-KR" altLang="en-US" dirty="0" err="1" smtClean="0">
+              <a:rPr lang="ko-KR" altLang="en-US" dirty="0" err="1">
                 <a:solidFill>
                   <a:sysClr val="windowText" lastClr="000000"/>
                 </a:solidFill>
@@ -10163,7 +10121,7 @@
               <a:t>인플루언서</a:t>
             </a:r>
             <a:r>
-              <a:rPr lang="ko-KR" altLang="en-US" dirty="0" smtClean="0">
+              <a:rPr lang="ko-KR" altLang="en-US" dirty="0">
                 <a:solidFill>
                   <a:sysClr val="windowText" lastClr="000000"/>
                 </a:solidFill>
@@ -10171,7 +10129,7 @@
               <a:t> </a:t>
             </a:r>
             <a:r>
-              <a:rPr lang="en-US" altLang="ko-KR" dirty="0" smtClean="0">
+              <a:rPr lang="en-US" altLang="ko-KR" dirty="0">
                 <a:solidFill>
                   <a:sysClr val="windowText" lastClr="000000"/>
                 </a:solidFill>
@@ -10182,7 +10140,7 @@
           <a:p>
             <a:pPr algn="ctr"/>
             <a:r>
-              <a:rPr lang="en-US" altLang="ko-KR" dirty="0" smtClean="0">
+              <a:rPr lang="en-US" altLang="ko-KR" dirty="0">
                 <a:solidFill>
                   <a:sysClr val="windowText" lastClr="000000"/>
                 </a:solidFill>
@@ -10190,14 +10148,14 @@
               <a:t>1</a:t>
             </a:r>
             <a:r>
-              <a:rPr lang="ko-KR" altLang="en-US" dirty="0" smtClean="0">
+              <a:rPr lang="ko-KR" altLang="en-US" dirty="0">
                 <a:solidFill>
                   <a:sysClr val="windowText" lastClr="000000"/>
                 </a:solidFill>
               </a:rPr>
               <a:t>위</a:t>
             </a:r>
-            <a:endParaRPr lang="en-US" altLang="ko-KR" dirty="0" smtClean="0">
+            <a:endParaRPr lang="en-US" altLang="ko-KR" dirty="0">
               <a:solidFill>
                 <a:sysClr val="windowText" lastClr="000000"/>
               </a:solidFill>
@@ -10206,7 +10164,7 @@
           <a:p>
             <a:pPr algn="ctr"/>
             <a:r>
-              <a:rPr lang="en-US" altLang="ko-KR" dirty="0" smtClean="0">
+              <a:rPr lang="en-US" altLang="ko-KR" dirty="0">
                 <a:solidFill>
                   <a:sysClr val="windowText" lastClr="000000"/>
                 </a:solidFill>
@@ -10214,14 +10172,14 @@
               <a:t>2</a:t>
             </a:r>
             <a:r>
-              <a:rPr lang="ko-KR" altLang="en-US" dirty="0" smtClean="0">
+              <a:rPr lang="ko-KR" altLang="en-US" dirty="0">
                 <a:solidFill>
                   <a:sysClr val="windowText" lastClr="000000"/>
                 </a:solidFill>
               </a:rPr>
               <a:t>위</a:t>
             </a:r>
-            <a:endParaRPr lang="en-US" altLang="ko-KR" dirty="0" smtClean="0">
+            <a:endParaRPr lang="en-US" altLang="ko-KR" dirty="0">
               <a:solidFill>
                 <a:sysClr val="windowText" lastClr="000000"/>
               </a:solidFill>
@@ -10230,7 +10188,7 @@
           <a:p>
             <a:pPr algn="ctr"/>
             <a:r>
-              <a:rPr lang="en-US" altLang="ko-KR" dirty="0" smtClean="0">
+              <a:rPr lang="en-US" altLang="ko-KR" dirty="0">
                 <a:solidFill>
                   <a:sysClr val="windowText" lastClr="000000"/>
                 </a:solidFill>
@@ -10238,14 +10196,14 @@
               <a:t>3</a:t>
             </a:r>
             <a:r>
-              <a:rPr lang="ko-KR" altLang="en-US" dirty="0" smtClean="0">
+              <a:rPr lang="ko-KR" altLang="en-US" dirty="0">
                 <a:solidFill>
                   <a:sysClr val="windowText" lastClr="000000"/>
                 </a:solidFill>
               </a:rPr>
               <a:t>위</a:t>
             </a:r>
-            <a:endParaRPr lang="en-US" altLang="ko-KR" dirty="0" smtClean="0">
+            <a:endParaRPr lang="en-US" altLang="ko-KR" dirty="0">
               <a:solidFill>
                 <a:sysClr val="windowText" lastClr="000000"/>
               </a:solidFill>
@@ -10254,7 +10212,7 @@
           <a:p>
             <a:pPr algn="ctr"/>
             <a:r>
-              <a:rPr lang="en-US" altLang="ko-KR" dirty="0" smtClean="0">
+              <a:rPr lang="en-US" altLang="ko-KR" dirty="0">
                 <a:solidFill>
                   <a:sysClr val="windowText" lastClr="000000"/>
                 </a:solidFill>
@@ -10262,14 +10220,14 @@
               <a:t>4</a:t>
             </a:r>
             <a:r>
-              <a:rPr lang="ko-KR" altLang="en-US" dirty="0" smtClean="0">
+              <a:rPr lang="ko-KR" altLang="en-US" dirty="0">
                 <a:solidFill>
                   <a:sysClr val="windowText" lastClr="000000"/>
                 </a:solidFill>
               </a:rPr>
               <a:t>위</a:t>
             </a:r>
-            <a:endParaRPr lang="en-US" altLang="ko-KR" dirty="0" smtClean="0">
+            <a:endParaRPr lang="en-US" altLang="ko-KR" dirty="0">
               <a:solidFill>
                 <a:sysClr val="windowText" lastClr="000000"/>
               </a:solidFill>
@@ -10278,7 +10236,7 @@
           <a:p>
             <a:pPr algn="ctr"/>
             <a:r>
-              <a:rPr lang="en-US" altLang="ko-KR" dirty="0" smtClean="0">
+              <a:rPr lang="en-US" altLang="ko-KR" dirty="0">
                 <a:solidFill>
                   <a:sysClr val="windowText" lastClr="000000"/>
                 </a:solidFill>
@@ -10286,14 +10244,14 @@
               <a:t>5</a:t>
             </a:r>
             <a:r>
-              <a:rPr lang="ko-KR" altLang="en-US" dirty="0" smtClean="0">
+              <a:rPr lang="ko-KR" altLang="en-US" dirty="0">
                 <a:solidFill>
                   <a:sysClr val="windowText" lastClr="000000"/>
                 </a:solidFill>
               </a:rPr>
               <a:t>위</a:t>
             </a:r>
-            <a:endParaRPr lang="en-US" altLang="ko-KR" dirty="0" smtClean="0">
+            <a:endParaRPr lang="en-US" altLang="ko-KR" dirty="0">
               <a:solidFill>
                 <a:sysClr val="windowText" lastClr="000000"/>
               </a:solidFill>
@@ -10301,7 +10259,7 @@
           </a:p>
           <a:p>
             <a:pPr algn="ctr"/>
-            <a:endParaRPr lang="en-US" altLang="ko-KR" dirty="0" smtClean="0">
+            <a:endParaRPr lang="en-US" altLang="ko-KR" dirty="0">
               <a:solidFill>
                 <a:sysClr val="windowText" lastClr="000000"/>
               </a:solidFill>
@@ -10357,7 +10315,7 @@
           <a:p>
             <a:pPr algn="ctr"/>
             <a:r>
-              <a:rPr lang="ko-KR" altLang="en-US" dirty="0" err="1" smtClean="0">
+              <a:rPr lang="ko-KR" altLang="en-US" dirty="0" err="1">
                 <a:solidFill>
                   <a:sysClr val="windowText" lastClr="000000"/>
                 </a:solidFill>
@@ -10387,7 +10345,7 @@
             <a:avLst/>
           </a:prstGeom>
           <a:solidFill>
-            <a:srgbClr val="FFC6AA"/>
+            <a:srgbClr val="CCECFF"/>
           </a:solidFill>
           <a:ln>
             <a:solidFill>
@@ -10420,7 +10378,7 @@
           <a:p>
             <a:pPr algn="ctr"/>
             <a:r>
-              <a:rPr lang="en-US" altLang="ko-KR" dirty="0" smtClean="0">
+              <a:rPr lang="en-US" altLang="ko-KR" dirty="0">
                 <a:solidFill>
                   <a:sysClr val="windowText" lastClr="000000"/>
                 </a:solidFill>
@@ -10428,61 +10386,13 @@
               <a:t>Contact : </a:t>
             </a:r>
             <a:r>
-              <a:rPr lang="en-US" altLang="ko-KR" dirty="0" smtClean="0">
+              <a:rPr lang="en-US" altLang="ko-KR" dirty="0">
                 <a:solidFill>
                   <a:sysClr val="windowText" lastClr="000000"/>
                 </a:solidFill>
                 <a:hlinkClick r:id="rId3"/>
               </a:rPr>
               <a:t>mail@mail.com</a:t>
-            </a:r>
-            <a:endParaRPr lang="en-US" altLang="ko-KR" dirty="0" smtClean="0">
-              <a:solidFill>
-                <a:sysClr val="windowText" lastClr="000000"/>
-              </a:solidFill>
-            </a:endParaRPr>
-          </a:p>
-          <a:p>
-            <a:pPr algn="ctr"/>
-            <a:r>
-              <a:rPr lang="ko-KR" altLang="en-US" dirty="0" smtClean="0">
-                <a:solidFill>
-                  <a:sysClr val="windowText" lastClr="000000"/>
-                </a:solidFill>
-              </a:rPr>
-              <a:t>사업자등록번호 </a:t>
-            </a:r>
-            <a:r>
-              <a:rPr lang="en-US" altLang="ko-KR" dirty="0" smtClean="0">
-                <a:solidFill>
-                  <a:sysClr val="windowText" lastClr="000000"/>
-                </a:solidFill>
-              </a:rPr>
-              <a:t>: </a:t>
-            </a:r>
-            <a:r>
-              <a:rPr lang="ko-KR" altLang="en-US" dirty="0" err="1" smtClean="0">
-                <a:solidFill>
-                  <a:sysClr val="windowText" lastClr="000000"/>
-                </a:solidFill>
-              </a:rPr>
-              <a:t>어쩌구저쩌구</a:t>
-            </a:r>
-            <a:endParaRPr lang="en-US" altLang="ko-KR" dirty="0" smtClean="0">
-              <a:solidFill>
-                <a:sysClr val="windowText" lastClr="000000"/>
-              </a:solidFill>
-            </a:endParaRPr>
-          </a:p>
-          <a:p>
-            <a:pPr algn="ctr"/>
-            <a:r>
-              <a:rPr lang="en-US" altLang="ko-KR" dirty="0" smtClean="0">
-                <a:solidFill>
-                  <a:sysClr val="windowText" lastClr="000000"/>
-                </a:solidFill>
-              </a:rPr>
-              <a:t>CS : 010-0000-0000</a:t>
             </a:r>
             <a:endParaRPr lang="en-US" altLang="ko-KR" dirty="0">
               <a:solidFill>
@@ -10493,23 +10403,15 @@
           <a:p>
             <a:pPr algn="ctr"/>
             <a:r>
-              <a:rPr lang="ko-KR" altLang="en-US" dirty="0" err="1" smtClean="0">
-                <a:solidFill>
-                  <a:sysClr val="windowText" lastClr="000000"/>
-                </a:solidFill>
-              </a:rPr>
-              <a:t>입점문의</a:t>
-            </a:r>
-            <a:r>
-              <a:rPr lang="ko-KR" altLang="en-US" dirty="0" smtClean="0">
-                <a:solidFill>
-                  <a:sysClr val="windowText" lastClr="000000"/>
-                </a:solidFill>
-              </a:rPr>
-              <a:t> </a:t>
-            </a:r>
-            <a:r>
-              <a:rPr lang="en-US" altLang="ko-KR" dirty="0" smtClean="0">
+              <a:rPr lang="ko-KR" altLang="en-US" dirty="0">
+                <a:solidFill>
+                  <a:sysClr val="windowText" lastClr="000000"/>
+                </a:solidFill>
+              </a:rPr>
+              <a:t>사업자등록번호 </a:t>
+            </a:r>
+            <a:r>
+              <a:rPr lang="en-US" altLang="ko-KR" dirty="0">
                 <a:solidFill>
                   <a:sysClr val="windowText" lastClr="000000"/>
                 </a:solidFill>
@@ -10517,14 +10419,14 @@
               <a:t>: </a:t>
             </a:r>
             <a:r>
-              <a:rPr lang="ko-KR" altLang="en-US" dirty="0" err="1" smtClean="0">
+              <a:rPr lang="ko-KR" altLang="en-US" dirty="0" err="1">
                 <a:solidFill>
                   <a:sysClr val="windowText" lastClr="000000"/>
                 </a:solidFill>
               </a:rPr>
               <a:t>어쩌구저쩌구</a:t>
             </a:r>
-            <a:endParaRPr lang="en-US" altLang="ko-KR" dirty="0" smtClean="0">
+            <a:endParaRPr lang="en-US" altLang="ko-KR" dirty="0">
               <a:solidFill>
                 <a:sysClr val="windowText" lastClr="000000"/>
               </a:solidFill>
@@ -10533,7 +10435,58 @@
           <a:p>
             <a:pPr algn="ctr"/>
             <a:r>
-              <a:rPr lang="ko-KR" altLang="en-US" dirty="0" smtClean="0">
+              <a:rPr lang="en-US" altLang="ko-KR" dirty="0">
+                <a:solidFill>
+                  <a:sysClr val="windowText" lastClr="000000"/>
+                </a:solidFill>
+              </a:rPr>
+              <a:t>CS : 010-0000-0000</a:t>
+            </a:r>
+          </a:p>
+          <a:p>
+            <a:pPr algn="ctr"/>
+            <a:r>
+              <a:rPr lang="ko-KR" altLang="en-US" dirty="0" err="1">
+                <a:solidFill>
+                  <a:sysClr val="windowText" lastClr="000000"/>
+                </a:solidFill>
+              </a:rPr>
+              <a:t>입점문의</a:t>
+            </a:r>
+            <a:r>
+              <a:rPr lang="ko-KR" altLang="en-US" dirty="0">
+                <a:solidFill>
+                  <a:sysClr val="windowText" lastClr="000000"/>
+                </a:solidFill>
+              </a:rPr>
+              <a:t> </a:t>
+            </a:r>
+            <a:r>
+              <a:rPr lang="en-US" altLang="ko-KR" dirty="0">
+                <a:solidFill>
+                  <a:sysClr val="windowText" lastClr="000000"/>
+                </a:solidFill>
+              </a:rPr>
+              <a:t>: </a:t>
+            </a:r>
+            <a:r>
+              <a:rPr lang="ko-KR" altLang="en-US" dirty="0" err="1">
+                <a:solidFill>
+                  <a:sysClr val="windowText" lastClr="000000"/>
+                </a:solidFill>
+              </a:rPr>
+              <a:t>어쩌구저쩌구</a:t>
+            </a:r>
+            <a:endParaRPr lang="en-US" altLang="ko-KR" dirty="0">
+              <a:solidFill>
+                <a:sysClr val="windowText" lastClr="000000"/>
+              </a:solidFill>
+            </a:endParaRPr>
+          </a:p>
+          <a:p>
+            <a:pPr algn="ctr"/>
+            <a:r>
+              <a:rPr lang="ko-KR" altLang="en-US" dirty="0">
                 <a:solidFill>
                   <a:sysClr val="windowText" lastClr="000000"/>
                 </a:solidFill>
@@ -10541,7 +10494,7 @@
               <a:t>라이선스 </a:t>
             </a:r>
             <a:r>
-              <a:rPr lang="en-US" altLang="ko-KR" dirty="0" smtClean="0">
+              <a:rPr lang="en-US" altLang="ko-KR" dirty="0">
                 <a:solidFill>
                   <a:sysClr val="windowText" lastClr="000000"/>
                 </a:solidFill>
@@ -10602,18 +10555,13 @@
           <a:p>
             <a:pPr algn="ctr"/>
             <a:r>
-              <a:rPr lang="ko-KR" altLang="en-US" smtClean="0">
+              <a:rPr lang="ko-KR" altLang="en-US">
                 <a:solidFill>
                   <a:sysClr val="windowText" lastClr="000000"/>
                 </a:solidFill>
               </a:rPr>
               <a:t>고객문의</a:t>
             </a:r>
-            <a:endParaRPr lang="ko-KR" altLang="en-US">
-              <a:solidFill>
-                <a:sysClr val="windowText" lastClr="000000"/>
-              </a:solidFill>
-            </a:endParaRPr>
           </a:p>
         </p:txBody>
       </p:sp>
@@ -10798,18 +10746,13 @@
           <a:p>
             <a:pPr algn="ctr"/>
             <a:r>
-              <a:rPr lang="ko-KR" altLang="en-US" dirty="0" smtClean="0">
+              <a:rPr lang="ko-KR" altLang="en-US" dirty="0">
                 <a:solidFill>
                   <a:sysClr val="windowText" lastClr="000000"/>
                 </a:solidFill>
               </a:rPr>
               <a:t>로고</a:t>
             </a:r>
-            <a:endParaRPr lang="ko-KR" altLang="en-US" dirty="0">
-              <a:solidFill>
-                <a:sysClr val="windowText" lastClr="000000"/>
-              </a:solidFill>
-            </a:endParaRPr>
           </a:p>
         </p:txBody>
       </p:sp>
@@ -10861,7 +10804,7 @@
           <a:p>
             <a:pPr algn="ctr"/>
             <a:r>
-              <a:rPr lang="en-US" altLang="ko-KR" dirty="0" smtClean="0">
+              <a:rPr lang="en-US" altLang="ko-KR" dirty="0">
                 <a:solidFill>
                   <a:sysClr val="windowText" lastClr="000000"/>
                 </a:solidFill>
@@ -10924,7 +10867,7 @@
           <a:p>
             <a:pPr algn="ctr"/>
             <a:r>
-              <a:rPr lang="en-US" altLang="ko-KR" dirty="0" smtClean="0">
+              <a:rPr lang="en-US" altLang="ko-KR" dirty="0">
                 <a:solidFill>
                   <a:sysClr val="windowText" lastClr="000000"/>
                 </a:solidFill>
@@ -10987,7 +10930,7 @@
           <a:p>
             <a:pPr algn="ctr"/>
             <a:r>
-              <a:rPr lang="ko-KR" altLang="en-US" dirty="0" smtClean="0">
+              <a:rPr lang="ko-KR" altLang="en-US" dirty="0">
                 <a:solidFill>
                   <a:sysClr val="windowText" lastClr="000000"/>
                 </a:solidFill>
@@ -10995,7 +10938,7 @@
               <a:t>로</a:t>
             </a:r>
             <a:r>
-              <a:rPr lang="en-US" altLang="ko-KR" dirty="0" smtClean="0">
+              <a:rPr lang="en-US" altLang="ko-KR" dirty="0">
                 <a:solidFill>
                   <a:sysClr val="windowText" lastClr="000000"/>
                 </a:solidFill>
@@ -11003,18 +10946,13 @@
               <a:t> </a:t>
             </a:r>
             <a:r>
-              <a:rPr lang="ko-KR" altLang="en-US" dirty="0" smtClean="0">
+              <a:rPr lang="ko-KR" altLang="en-US" dirty="0">
                 <a:solidFill>
                   <a:sysClr val="windowText" lastClr="000000"/>
                 </a:solidFill>
               </a:rPr>
               <a:t>그 인</a:t>
             </a:r>
-            <a:endParaRPr lang="ko-KR" altLang="en-US" dirty="0">
-              <a:solidFill>
-                <a:sysClr val="windowText" lastClr="000000"/>
-              </a:solidFill>
-            </a:endParaRPr>
           </a:p>
         </p:txBody>
       </p:sp>
@@ -11041,10 +10979,9 @@
           <a:lstStyle/>
           <a:p>
             <a:r>
-              <a:rPr lang="ko-KR" altLang="en-US" smtClean="0"/>
+              <a:rPr lang="ko-KR" altLang="en-US"/>
               <a:t>회원가입</a:t>
             </a:r>
-            <a:endParaRPr lang="ko-KR" altLang="en-US"/>
           </a:p>
         </p:txBody>
       </p:sp>
@@ -11071,14 +11008,13 @@
           <a:lstStyle/>
           <a:p>
             <a:r>
-              <a:rPr lang="en-US" altLang="ko-KR" smtClean="0"/>
+              <a:rPr lang="en-US" altLang="ko-KR"/>
               <a:t>ID,PW </a:t>
             </a:r>
             <a:r>
-              <a:rPr lang="ko-KR" altLang="en-US" dirty="0" smtClean="0"/>
+              <a:rPr lang="ko-KR" altLang="en-US" dirty="0"/>
               <a:t>찾기</a:t>
             </a:r>
-            <a:endParaRPr lang="ko-KR" altLang="en-US" dirty="0"/>
           </a:p>
         </p:txBody>
       </p:sp>
@@ -11130,7 +11066,7 @@
           <a:p>
             <a:pPr algn="ctr"/>
             <a:r>
-              <a:rPr lang="en-US" altLang="ko-KR" dirty="0" smtClean="0">
+              <a:rPr lang="en-US" altLang="ko-KR" dirty="0">
                 <a:solidFill>
                   <a:sysClr val="windowText" lastClr="000000"/>
                 </a:solidFill>
@@ -11138,18 +11074,13 @@
               <a:t>Google</a:t>
             </a:r>
             <a:r>
-              <a:rPr lang="ko-KR" altLang="en-US" dirty="0" smtClean="0">
+              <a:rPr lang="ko-KR" altLang="en-US" dirty="0">
                 <a:solidFill>
                   <a:sysClr val="windowText" lastClr="000000"/>
                 </a:solidFill>
               </a:rPr>
               <a:t>로 로그인</a:t>
             </a:r>
-            <a:endParaRPr lang="ko-KR" altLang="en-US" dirty="0">
-              <a:solidFill>
-                <a:sysClr val="windowText" lastClr="000000"/>
-              </a:solidFill>
-            </a:endParaRPr>
           </a:p>
         </p:txBody>
       </p:sp>
@@ -11231,15 +11162,15 @@
           <a:p>
             <a:pPr algn="ctr"/>
             <a:r>
-              <a:rPr lang="en-US" altLang="ko-KR" dirty="0" smtClean="0"/>
+              <a:rPr lang="en-US" altLang="ko-KR" dirty="0"/>
               <a:t>18</a:t>
             </a:r>
             <a:r>
-              <a:rPr lang="ko-KR" altLang="en-US" dirty="0" smtClean="0"/>
+              <a:rPr lang="ko-KR" altLang="en-US" dirty="0"/>
               <a:t>세 이상이십니까</a:t>
             </a:r>
             <a:r>
-              <a:rPr lang="en-US" altLang="ko-KR" dirty="0" smtClean="0"/>
+              <a:rPr lang="en-US" altLang="ko-KR" dirty="0"/>
               <a:t>?</a:t>
             </a:r>
             <a:endParaRPr lang="ko-KR" altLang="en-US" dirty="0"/>
@@ -11297,7 +11228,7 @@
           <a:p>
             <a:pPr algn="ctr"/>
             <a:r>
-              <a:rPr lang="en-US" altLang="ko-KR" dirty="0" smtClean="0"/>
+              <a:rPr lang="en-US" altLang="ko-KR" dirty="0"/>
               <a:t>YES</a:t>
             </a:r>
             <a:endParaRPr lang="ko-KR" altLang="en-US" dirty="0"/>
@@ -11352,7 +11283,7 @@
           <a:p>
             <a:pPr algn="ctr"/>
             <a:r>
-              <a:rPr lang="en-US" altLang="ko-KR" dirty="0" smtClean="0"/>
+              <a:rPr lang="en-US" altLang="ko-KR" dirty="0"/>
               <a:t>NO</a:t>
             </a:r>
             <a:endParaRPr lang="ko-KR" altLang="en-US" dirty="0"/>
@@ -11382,15 +11313,15 @@
           <a:lstStyle/>
           <a:p>
             <a:r>
-              <a:rPr lang="ko-KR" altLang="en-US" dirty="0" err="1" smtClean="0"/>
+              <a:rPr lang="ko-KR" altLang="en-US" dirty="0" err="1"/>
               <a:t>니네가</a:t>
             </a:r>
             <a:r>
-              <a:rPr lang="ko-KR" altLang="en-US" dirty="0" smtClean="0"/>
+              <a:rPr lang="ko-KR" altLang="en-US" dirty="0"/>
               <a:t> 구라 친 것에 대해서 나는 책임을 지지 않습니다</a:t>
             </a:r>
             <a:r>
-              <a:rPr lang="en-US" altLang="ko-KR" dirty="0" smtClean="0"/>
+              <a:rPr lang="en-US" altLang="ko-KR" dirty="0"/>
               <a:t>.</a:t>
             </a:r>
             <a:endParaRPr lang="ko-KR" altLang="en-US" dirty="0"/>
@@ -11516,18 +11447,13 @@
           <a:p>
             <a:pPr algn="ctr"/>
             <a:r>
-              <a:rPr lang="ko-KR" altLang="en-US" dirty="0" smtClean="0">
+              <a:rPr lang="ko-KR" altLang="en-US" dirty="0">
                 <a:solidFill>
                   <a:sysClr val="windowText" lastClr="000000"/>
                 </a:solidFill>
               </a:rPr>
               <a:t>자연 이미지</a:t>
             </a:r>
-            <a:endParaRPr lang="ko-KR" altLang="en-US" dirty="0">
-              <a:solidFill>
-                <a:sysClr val="windowText" lastClr="000000"/>
-              </a:solidFill>
-            </a:endParaRPr>
           </a:p>
         </p:txBody>
       </p:sp>
@@ -11559,7 +11485,7 @@
           <a:lstStyle/>
           <a:p>
             <a:r>
-              <a:rPr lang="en-US" altLang="ko-KR" dirty="0" smtClean="0"/>
+              <a:rPr lang="en-US" altLang="ko-KR" dirty="0"/>
               <a:t>PW</a:t>
             </a:r>
             <a:endParaRPr lang="ko-KR" altLang="en-US" dirty="0"/>
@@ -11594,7 +11520,7 @@
           <a:lstStyle/>
           <a:p>
             <a:r>
-              <a:rPr lang="ko-KR" altLang="en-US" smtClean="0"/>
+              <a:rPr lang="ko-KR" altLang="en-US"/>
               <a:t>입력란</a:t>
             </a:r>
             <a:endParaRPr lang="ko-KR" altLang="en-US" dirty="0"/>
@@ -11629,7 +11555,7 @@
           <a:lstStyle/>
           <a:p>
             <a:r>
-              <a:rPr lang="en-US" altLang="ko-KR" dirty="0" smtClean="0"/>
+              <a:rPr lang="en-US" altLang="ko-KR" dirty="0"/>
               <a:t>PW Check</a:t>
             </a:r>
             <a:endParaRPr lang="ko-KR" altLang="en-US" dirty="0"/>
@@ -11664,7 +11590,7 @@
           <a:lstStyle/>
           <a:p>
             <a:r>
-              <a:rPr lang="ko-KR" altLang="en-US" smtClean="0"/>
+              <a:rPr lang="ko-KR" altLang="en-US"/>
               <a:t>비밀번호 확인 란</a:t>
             </a:r>
             <a:endParaRPr lang="ko-KR" altLang="en-US" dirty="0"/>
@@ -11699,7 +11625,7 @@
           <a:lstStyle/>
           <a:p>
             <a:r>
-              <a:rPr lang="en-US" altLang="ko-KR" dirty="0" smtClean="0"/>
+              <a:rPr lang="en-US" altLang="ko-KR" dirty="0"/>
               <a:t>email</a:t>
             </a:r>
             <a:endParaRPr lang="ko-KR" altLang="en-US" dirty="0"/>
@@ -11734,10 +11660,9 @@
           <a:lstStyle/>
           <a:p>
             <a:r>
-              <a:rPr lang="ko-KR" altLang="en-US" dirty="0" smtClean="0"/>
+              <a:rPr lang="ko-KR" altLang="en-US" dirty="0"/>
               <a:t>입력란</a:t>
             </a:r>
-            <a:endParaRPr lang="ko-KR" altLang="en-US" dirty="0"/>
           </a:p>
         </p:txBody>
       </p:sp>
@@ -11769,7 +11694,7 @@
           <a:lstStyle/>
           <a:p>
             <a:r>
-              <a:rPr lang="en-US" altLang="ko-KR" dirty="0" smtClean="0"/>
+              <a:rPr lang="en-US" altLang="ko-KR" dirty="0"/>
               <a:t>nickname</a:t>
             </a:r>
             <a:endParaRPr lang="ko-KR" altLang="en-US" dirty="0"/>
@@ -11804,10 +11729,9 @@
           <a:lstStyle/>
           <a:p>
             <a:r>
-              <a:rPr lang="ko-KR" altLang="en-US" dirty="0" smtClean="0"/>
+              <a:rPr lang="ko-KR" altLang="en-US" dirty="0"/>
               <a:t>입력란</a:t>
             </a:r>
-            <a:endParaRPr lang="ko-KR" altLang="en-US" dirty="0"/>
           </a:p>
         </p:txBody>
       </p:sp>
@@ -11930,18 +11854,13 @@
           <a:p>
             <a:pPr algn="ctr"/>
             <a:r>
-              <a:rPr lang="ko-KR" altLang="en-US" dirty="0" smtClean="0">
+              <a:rPr lang="ko-KR" altLang="en-US" dirty="0">
                 <a:solidFill>
                   <a:sysClr val="windowText" lastClr="000000"/>
                 </a:solidFill>
               </a:rPr>
               <a:t>자연 이미지</a:t>
             </a:r>
-            <a:endParaRPr lang="ko-KR" altLang="en-US" dirty="0">
-              <a:solidFill>
-                <a:sysClr val="windowText" lastClr="000000"/>
-              </a:solidFill>
-            </a:endParaRPr>
           </a:p>
         </p:txBody>
       </p:sp>
@@ -12023,7 +11942,7 @@
           <a:lstStyle/>
           <a:p>
             <a:r>
-              <a:rPr lang="en-US" altLang="ko-KR" dirty="0" err="1" smtClean="0">
+              <a:rPr lang="en-US" altLang="ko-KR" dirty="0" err="1">
                 <a:solidFill>
                   <a:sysClr val="windowText" lastClr="000000"/>
                 </a:solidFill>
@@ -12031,7 +11950,7 @@
               <a:t>Profic</a:t>
             </a:r>
             <a:r>
-              <a:rPr lang="en-US" altLang="ko-KR" dirty="0" smtClean="0">
+              <a:rPr lang="en-US" altLang="ko-KR" dirty="0">
                 <a:solidFill>
                   <a:sysClr val="windowText" lastClr="000000"/>
                 </a:solidFill>
@@ -12039,18 +11958,13 @@
               <a:t> </a:t>
             </a:r>
             <a:r>
-              <a:rPr lang="ko-KR" altLang="en-US" dirty="0" smtClean="0">
+              <a:rPr lang="ko-KR" altLang="en-US" dirty="0">
                 <a:solidFill>
                   <a:sysClr val="windowText" lastClr="000000"/>
                 </a:solidFill>
               </a:rPr>
               <a:t>삽입</a:t>
             </a:r>
-            <a:endParaRPr lang="ko-KR" altLang="en-US" dirty="0">
-              <a:solidFill>
-                <a:sysClr val="windowText" lastClr="000000"/>
-              </a:solidFill>
-            </a:endParaRPr>
           </a:p>
         </p:txBody>
       </p:sp>
@@ -12132,7 +12046,7 @@
           <a:lstStyle/>
           <a:p>
             <a:r>
-              <a:rPr lang="en-US" altLang="ko-KR" dirty="0" err="1" smtClean="0">
+              <a:rPr lang="en-US" altLang="ko-KR" dirty="0" err="1">
                 <a:solidFill>
                   <a:sysClr val="windowText" lastClr="000000"/>
                 </a:solidFill>
@@ -12140,7 +12054,7 @@
               <a:t>backpic</a:t>
             </a:r>
             <a:r>
-              <a:rPr lang="en-US" altLang="ko-KR" dirty="0" smtClean="0">
+              <a:rPr lang="en-US" altLang="ko-KR" dirty="0">
                 <a:solidFill>
                   <a:sysClr val="windowText" lastClr="000000"/>
                 </a:solidFill>
@@ -12148,18 +12062,13 @@
               <a:t> </a:t>
             </a:r>
             <a:r>
-              <a:rPr lang="ko-KR" altLang="en-US" dirty="0" smtClean="0">
+              <a:rPr lang="ko-KR" altLang="en-US" dirty="0">
                 <a:solidFill>
                   <a:sysClr val="windowText" lastClr="000000"/>
                 </a:solidFill>
               </a:rPr>
               <a:t>삽입</a:t>
             </a:r>
-            <a:endParaRPr lang="ko-KR" altLang="en-US" dirty="0">
-              <a:solidFill>
-                <a:sysClr val="windowText" lastClr="000000"/>
-              </a:solidFill>
-            </a:endParaRPr>
           </a:p>
         </p:txBody>
       </p:sp>

--- a/hi/view powerpoint.pptx
+++ b/hi/view powerpoint.pptx
@@ -214,7 +214,7 @@
           <a:p>
             <a:fld id="{D2AEBC38-2F16-4FAE-ADF6-419CDA398339}" type="datetimeFigureOut">
               <a:rPr lang="ko-KR" altLang="en-US" smtClean="0"/>
-              <a:t>2022-10-01</a:t>
+              <a:t>2022-10-04</a:t>
             </a:fld>
             <a:endParaRPr lang="ko-KR" altLang="en-US"/>
           </a:p>
@@ -778,7 +778,7 @@
           <a:p>
             <a:fld id="{E37795E4-A1DC-4025-8E01-34B9FDF0EAC2}" type="datetimeFigureOut">
               <a:rPr lang="ko-KR" altLang="en-US" smtClean="0"/>
-              <a:t>2022-10-01</a:t>
+              <a:t>2022-10-04</a:t>
             </a:fld>
             <a:endParaRPr lang="ko-KR" altLang="en-US"/>
           </a:p>
@@ -946,7 +946,7 @@
           <a:p>
             <a:fld id="{E37795E4-A1DC-4025-8E01-34B9FDF0EAC2}" type="datetimeFigureOut">
               <a:rPr lang="ko-KR" altLang="en-US" smtClean="0"/>
-              <a:t>2022-10-01</a:t>
+              <a:t>2022-10-04</a:t>
             </a:fld>
             <a:endParaRPr lang="ko-KR" altLang="en-US"/>
           </a:p>
@@ -1124,7 +1124,7 @@
           <a:p>
             <a:fld id="{E37795E4-A1DC-4025-8E01-34B9FDF0EAC2}" type="datetimeFigureOut">
               <a:rPr lang="ko-KR" altLang="en-US" smtClean="0"/>
-              <a:t>2022-10-01</a:t>
+              <a:t>2022-10-04</a:t>
             </a:fld>
             <a:endParaRPr lang="ko-KR" altLang="en-US"/>
           </a:p>
@@ -1292,7 +1292,7 @@
           <a:p>
             <a:fld id="{E37795E4-A1DC-4025-8E01-34B9FDF0EAC2}" type="datetimeFigureOut">
               <a:rPr lang="ko-KR" altLang="en-US" smtClean="0"/>
-              <a:t>2022-10-01</a:t>
+              <a:t>2022-10-04</a:t>
             </a:fld>
             <a:endParaRPr lang="ko-KR" altLang="en-US"/>
           </a:p>
@@ -1537,7 +1537,7 @@
           <a:p>
             <a:fld id="{E37795E4-A1DC-4025-8E01-34B9FDF0EAC2}" type="datetimeFigureOut">
               <a:rPr lang="ko-KR" altLang="en-US" smtClean="0"/>
-              <a:t>2022-10-01</a:t>
+              <a:t>2022-10-04</a:t>
             </a:fld>
             <a:endParaRPr lang="ko-KR" altLang="en-US"/>
           </a:p>
@@ -1766,7 +1766,7 @@
           <a:p>
             <a:fld id="{E37795E4-A1DC-4025-8E01-34B9FDF0EAC2}" type="datetimeFigureOut">
               <a:rPr lang="ko-KR" altLang="en-US" smtClean="0"/>
-              <a:t>2022-10-01</a:t>
+              <a:t>2022-10-04</a:t>
             </a:fld>
             <a:endParaRPr lang="ko-KR" altLang="en-US"/>
           </a:p>
@@ -2130,7 +2130,7 @@
           <a:p>
             <a:fld id="{E37795E4-A1DC-4025-8E01-34B9FDF0EAC2}" type="datetimeFigureOut">
               <a:rPr lang="ko-KR" altLang="en-US" smtClean="0"/>
-              <a:t>2022-10-01</a:t>
+              <a:t>2022-10-04</a:t>
             </a:fld>
             <a:endParaRPr lang="ko-KR" altLang="en-US"/>
           </a:p>
@@ -2247,7 +2247,7 @@
           <a:p>
             <a:fld id="{E37795E4-A1DC-4025-8E01-34B9FDF0EAC2}" type="datetimeFigureOut">
               <a:rPr lang="ko-KR" altLang="en-US" smtClean="0"/>
-              <a:t>2022-10-01</a:t>
+              <a:t>2022-10-04</a:t>
             </a:fld>
             <a:endParaRPr lang="ko-KR" altLang="en-US"/>
           </a:p>
@@ -2342,7 +2342,7 @@
           <a:p>
             <a:fld id="{E37795E4-A1DC-4025-8E01-34B9FDF0EAC2}" type="datetimeFigureOut">
               <a:rPr lang="ko-KR" altLang="en-US" smtClean="0"/>
-              <a:t>2022-10-01</a:t>
+              <a:t>2022-10-04</a:t>
             </a:fld>
             <a:endParaRPr lang="ko-KR" altLang="en-US"/>
           </a:p>
@@ -2617,7 +2617,7 @@
           <a:p>
             <a:fld id="{E37795E4-A1DC-4025-8E01-34B9FDF0EAC2}" type="datetimeFigureOut">
               <a:rPr lang="ko-KR" altLang="en-US" smtClean="0"/>
-              <a:t>2022-10-01</a:t>
+              <a:t>2022-10-04</a:t>
             </a:fld>
             <a:endParaRPr lang="ko-KR" altLang="en-US"/>
           </a:p>
@@ -2869,7 +2869,7 @@
           <a:p>
             <a:fld id="{E37795E4-A1DC-4025-8E01-34B9FDF0EAC2}" type="datetimeFigureOut">
               <a:rPr lang="ko-KR" altLang="en-US" smtClean="0"/>
-              <a:t>2022-10-01</a:t>
+              <a:t>2022-10-04</a:t>
             </a:fld>
             <a:endParaRPr lang="ko-KR" altLang="en-US"/>
           </a:p>
@@ -3080,7 +3080,7 @@
           <a:p>
             <a:fld id="{E37795E4-A1DC-4025-8E01-34B9FDF0EAC2}" type="datetimeFigureOut">
               <a:rPr lang="ko-KR" altLang="en-US" smtClean="0"/>
-              <a:t>2022-10-01</a:t>
+              <a:t>2022-10-04</a:t>
             </a:fld>
             <a:endParaRPr lang="ko-KR" altLang="en-US"/>
           </a:p>
@@ -4794,9 +4794,10 @@
           <a:lstStyle/>
           <a:p>
             <a:r>
-              <a:rPr lang="ko-KR" altLang="en-US" dirty="0"/>
-              <a:t>상품 가격</a:t>
-            </a:r>
+              <a:rPr lang="ko-KR" altLang="en-US" dirty="0" smtClean="0"/>
+              <a:t>회원 리뷰 제품 수</a:t>
+            </a:r>
+            <a:endParaRPr lang="ko-KR" altLang="en-US" dirty="0"/>
           </a:p>
         </p:txBody>
       </p:sp>
@@ -4825,9 +4826,10 @@
           <a:lstStyle/>
           <a:p>
             <a:r>
-              <a:rPr lang="ko-KR" altLang="en-US" dirty="0"/>
-              <a:t>상품 정보</a:t>
-            </a:r>
+              <a:rPr lang="ko-KR" altLang="en-US" dirty="0" smtClean="0"/>
+              <a:t>회원이 선호하는 성별</a:t>
+            </a:r>
+            <a:endParaRPr lang="ko-KR" altLang="en-US" dirty="0"/>
           </a:p>
         </p:txBody>
       </p:sp>

--- a/hi/view powerpoint.pptx
+++ b/hi/view powerpoint.pptx
@@ -5,7 +5,7 @@
     <p:sldMasterId id="2147483648" r:id="rId1"/>
   </p:sldMasterIdLst>
   <p:notesMasterIdLst>
-    <p:notesMasterId r:id="rId20"/>
+    <p:notesMasterId r:id="rId21"/>
   </p:notesMasterIdLst>
   <p:sldIdLst>
     <p:sldId id="256" r:id="rId2"/>
@@ -26,6 +26,7 @@
     <p:sldId id="271" r:id="rId17"/>
     <p:sldId id="272" r:id="rId18"/>
     <p:sldId id="273" r:id="rId19"/>
+    <p:sldId id="274" r:id="rId20"/>
   </p:sldIdLst>
   <p:sldSz cx="12192000" cy="6858000"/>
   <p:notesSz cx="6858000" cy="9144000"/>
@@ -214,7 +215,7 @@
           <a:p>
             <a:fld id="{D2AEBC38-2F16-4FAE-ADF6-419CDA398339}" type="datetimeFigureOut">
               <a:rPr lang="ko-KR" altLang="en-US" smtClean="0"/>
-              <a:t>2022-10-04</a:t>
+              <a:t>2022-10-05</a:t>
             </a:fld>
             <a:endParaRPr lang="ko-KR" altLang="en-US"/>
           </a:p>
@@ -778,7 +779,7 @@
           <a:p>
             <a:fld id="{E37795E4-A1DC-4025-8E01-34B9FDF0EAC2}" type="datetimeFigureOut">
               <a:rPr lang="ko-KR" altLang="en-US" smtClean="0"/>
-              <a:t>2022-10-04</a:t>
+              <a:t>2022-10-05</a:t>
             </a:fld>
             <a:endParaRPr lang="ko-KR" altLang="en-US"/>
           </a:p>
@@ -946,7 +947,7 @@
           <a:p>
             <a:fld id="{E37795E4-A1DC-4025-8E01-34B9FDF0EAC2}" type="datetimeFigureOut">
               <a:rPr lang="ko-KR" altLang="en-US" smtClean="0"/>
-              <a:t>2022-10-04</a:t>
+              <a:t>2022-10-05</a:t>
             </a:fld>
             <a:endParaRPr lang="ko-KR" altLang="en-US"/>
           </a:p>
@@ -1124,7 +1125,7 @@
           <a:p>
             <a:fld id="{E37795E4-A1DC-4025-8E01-34B9FDF0EAC2}" type="datetimeFigureOut">
               <a:rPr lang="ko-KR" altLang="en-US" smtClean="0"/>
-              <a:t>2022-10-04</a:t>
+              <a:t>2022-10-05</a:t>
             </a:fld>
             <a:endParaRPr lang="ko-KR" altLang="en-US"/>
           </a:p>
@@ -1292,7 +1293,7 @@
           <a:p>
             <a:fld id="{E37795E4-A1DC-4025-8E01-34B9FDF0EAC2}" type="datetimeFigureOut">
               <a:rPr lang="ko-KR" altLang="en-US" smtClean="0"/>
-              <a:t>2022-10-04</a:t>
+              <a:t>2022-10-05</a:t>
             </a:fld>
             <a:endParaRPr lang="ko-KR" altLang="en-US"/>
           </a:p>
@@ -1537,7 +1538,7 @@
           <a:p>
             <a:fld id="{E37795E4-A1DC-4025-8E01-34B9FDF0EAC2}" type="datetimeFigureOut">
               <a:rPr lang="ko-KR" altLang="en-US" smtClean="0"/>
-              <a:t>2022-10-04</a:t>
+              <a:t>2022-10-05</a:t>
             </a:fld>
             <a:endParaRPr lang="ko-KR" altLang="en-US"/>
           </a:p>
@@ -1766,7 +1767,7 @@
           <a:p>
             <a:fld id="{E37795E4-A1DC-4025-8E01-34B9FDF0EAC2}" type="datetimeFigureOut">
               <a:rPr lang="ko-KR" altLang="en-US" smtClean="0"/>
-              <a:t>2022-10-04</a:t>
+              <a:t>2022-10-05</a:t>
             </a:fld>
             <a:endParaRPr lang="ko-KR" altLang="en-US"/>
           </a:p>
@@ -2130,7 +2131,7 @@
           <a:p>
             <a:fld id="{E37795E4-A1DC-4025-8E01-34B9FDF0EAC2}" type="datetimeFigureOut">
               <a:rPr lang="ko-KR" altLang="en-US" smtClean="0"/>
-              <a:t>2022-10-04</a:t>
+              <a:t>2022-10-05</a:t>
             </a:fld>
             <a:endParaRPr lang="ko-KR" altLang="en-US"/>
           </a:p>
@@ -2247,7 +2248,7 @@
           <a:p>
             <a:fld id="{E37795E4-A1DC-4025-8E01-34B9FDF0EAC2}" type="datetimeFigureOut">
               <a:rPr lang="ko-KR" altLang="en-US" smtClean="0"/>
-              <a:t>2022-10-04</a:t>
+              <a:t>2022-10-05</a:t>
             </a:fld>
             <a:endParaRPr lang="ko-KR" altLang="en-US"/>
           </a:p>
@@ -2342,7 +2343,7 @@
           <a:p>
             <a:fld id="{E37795E4-A1DC-4025-8E01-34B9FDF0EAC2}" type="datetimeFigureOut">
               <a:rPr lang="ko-KR" altLang="en-US" smtClean="0"/>
-              <a:t>2022-10-04</a:t>
+              <a:t>2022-10-05</a:t>
             </a:fld>
             <a:endParaRPr lang="ko-KR" altLang="en-US"/>
           </a:p>
@@ -2617,7 +2618,7 @@
           <a:p>
             <a:fld id="{E37795E4-A1DC-4025-8E01-34B9FDF0EAC2}" type="datetimeFigureOut">
               <a:rPr lang="ko-KR" altLang="en-US" smtClean="0"/>
-              <a:t>2022-10-04</a:t>
+              <a:t>2022-10-05</a:t>
             </a:fld>
             <a:endParaRPr lang="ko-KR" altLang="en-US"/>
           </a:p>
@@ -2869,7 +2870,7 @@
           <a:p>
             <a:fld id="{E37795E4-A1DC-4025-8E01-34B9FDF0EAC2}" type="datetimeFigureOut">
               <a:rPr lang="ko-KR" altLang="en-US" smtClean="0"/>
-              <a:t>2022-10-04</a:t>
+              <a:t>2022-10-05</a:t>
             </a:fld>
             <a:endParaRPr lang="ko-KR" altLang="en-US"/>
           </a:p>
@@ -3080,7 +3081,7 @@
           <a:p>
             <a:fld id="{E37795E4-A1DC-4025-8E01-34B9FDF0EAC2}" type="datetimeFigureOut">
               <a:rPr lang="ko-KR" altLang="en-US" smtClean="0"/>
-              <a:t>2022-10-04</a:t>
+              <a:t>2022-10-05</a:t>
             </a:fld>
             <a:endParaRPr lang="ko-KR" altLang="en-US"/>
           </a:p>
@@ -7170,12 +7171,12 @@
           <a:p>
             <a:pPr algn="ctr"/>
             <a:r>
-              <a:rPr lang="en-US" altLang="ko-KR" dirty="0">
-                <a:solidFill>
-                  <a:sysClr val="windowText" lastClr="000000"/>
-                </a:solidFill>
-              </a:rPr>
-              <a:t>CS View</a:t>
+              <a:rPr lang="en-US" altLang="ko-KR" dirty="0" smtClean="0">
+                <a:solidFill>
+                  <a:sysClr val="windowText" lastClr="000000"/>
+                </a:solidFill>
+              </a:rPr>
+              <a:t>Request Title</a:t>
             </a:r>
             <a:endParaRPr lang="ko-KR" altLang="en-US" dirty="0">
               <a:solidFill>
@@ -7452,6 +7453,446 @@
     <p:extLst>
       <p:ext uri="{BB962C8B-B14F-4D97-AF65-F5344CB8AC3E}">
         <p14:creationId xmlns:p14="http://schemas.microsoft.com/office/powerpoint/2010/main" val="647287143"/>
+      </p:ext>
+    </p:extLst>
+  </p:cSld>
+  <p:clrMapOvr>
+    <a:masterClrMapping/>
+  </p:clrMapOvr>
+</p:sld>
+</file>
+
+<file path=ppt/slides/slide19.xml><?xml version="1.0" encoding="utf-8"?>
+<p:sld xmlns:a="http://schemas.openxmlformats.org/drawingml/2006/main" xmlns:r="http://schemas.openxmlformats.org/officeDocument/2006/relationships" xmlns:p="http://schemas.openxmlformats.org/presentationml/2006/main">
+  <p:cSld>
+    <p:spTree>
+      <p:nvGrpSpPr>
+        <p:cNvPr id="1" name=""/>
+        <p:cNvGrpSpPr/>
+        <p:nvPr/>
+      </p:nvGrpSpPr>
+      <p:grpSpPr>
+        <a:xfrm>
+          <a:off x="0" y="0"/>
+          <a:ext cx="0" cy="0"/>
+          <a:chOff x="0" y="0"/>
+          <a:chExt cx="0" cy="0"/>
+        </a:xfrm>
+      </p:grpSpPr>
+      <p:sp>
+        <p:nvSpPr>
+          <p:cNvPr id="2" name="직사각형 1"/>
+          <p:cNvSpPr/>
+          <p:nvPr/>
+        </p:nvSpPr>
+        <p:spPr>
+          <a:xfrm>
+            <a:off x="1149530" y="0"/>
+            <a:ext cx="9575077" cy="6858000"/>
+          </a:xfrm>
+          <a:prstGeom prst="rect">
+            <a:avLst/>
+          </a:prstGeom>
+          <a:solidFill>
+            <a:srgbClr val="FFB9C6"/>
+          </a:solidFill>
+          <a:ln>
+            <a:noFill/>
+          </a:ln>
+        </p:spPr>
+        <p:style>
+          <a:lnRef idx="2">
+            <a:schemeClr val="accent1">
+              <a:shade val="50000"/>
+            </a:schemeClr>
+          </a:lnRef>
+          <a:fillRef idx="1">
+            <a:schemeClr val="accent1"/>
+          </a:fillRef>
+          <a:effectRef idx="0">
+            <a:schemeClr val="accent1"/>
+          </a:effectRef>
+          <a:fontRef idx="minor">
+            <a:schemeClr val="lt1"/>
+          </a:fontRef>
+        </p:style>
+        <p:txBody>
+          <a:bodyPr rtlCol="0" anchor="ctr"/>
+          <a:lstStyle/>
+          <a:p>
+            <a:pPr algn="ctr"/>
+            <a:endParaRPr lang="ko-KR" altLang="en-US"/>
+          </a:p>
+        </p:txBody>
+      </p:sp>
+      <p:sp>
+        <p:nvSpPr>
+          <p:cNvPr id="3" name="직사각형 2"/>
+          <p:cNvSpPr/>
+          <p:nvPr/>
+        </p:nvSpPr>
+        <p:spPr>
+          <a:xfrm>
+            <a:off x="2664823" y="444137"/>
+            <a:ext cx="6217920" cy="822960"/>
+          </a:xfrm>
+          <a:prstGeom prst="rect">
+            <a:avLst/>
+          </a:prstGeom>
+        </p:spPr>
+        <p:style>
+          <a:lnRef idx="2">
+            <a:schemeClr val="accent1">
+              <a:shade val="50000"/>
+            </a:schemeClr>
+          </a:lnRef>
+          <a:fillRef idx="1">
+            <a:schemeClr val="accent1"/>
+          </a:fillRef>
+          <a:effectRef idx="0">
+            <a:schemeClr val="accent1"/>
+          </a:effectRef>
+          <a:fontRef idx="minor">
+            <a:schemeClr val="lt1"/>
+          </a:fontRef>
+        </p:style>
+        <p:txBody>
+          <a:bodyPr rtlCol="0" anchor="ctr"/>
+          <a:lstStyle/>
+          <a:p>
+            <a:pPr algn="ctr"/>
+            <a:r>
+              <a:rPr lang="en-US" altLang="ko-KR" smtClean="0"/>
+              <a:t>CS Request Management</a:t>
+            </a:r>
+            <a:endParaRPr lang="ko-KR" altLang="en-US" dirty="0"/>
+          </a:p>
+        </p:txBody>
+      </p:sp>
+      <p:sp>
+        <p:nvSpPr>
+          <p:cNvPr id="4" name="직사각형 3"/>
+          <p:cNvSpPr/>
+          <p:nvPr/>
+        </p:nvSpPr>
+        <p:spPr>
+          <a:xfrm>
+            <a:off x="2625634" y="2011680"/>
+            <a:ext cx="6230983" cy="574766"/>
+          </a:xfrm>
+          <a:prstGeom prst="rect">
+            <a:avLst/>
+          </a:prstGeom>
+        </p:spPr>
+        <p:style>
+          <a:lnRef idx="2">
+            <a:schemeClr val="accent1">
+              <a:shade val="50000"/>
+            </a:schemeClr>
+          </a:lnRef>
+          <a:fillRef idx="1">
+            <a:schemeClr val="accent1"/>
+          </a:fillRef>
+          <a:effectRef idx="0">
+            <a:schemeClr val="accent1"/>
+          </a:effectRef>
+          <a:fontRef idx="minor">
+            <a:schemeClr val="lt1"/>
+          </a:fontRef>
+        </p:style>
+        <p:txBody>
+          <a:bodyPr rtlCol="0" anchor="ctr"/>
+          <a:lstStyle/>
+          <a:p>
+            <a:pPr algn="ctr"/>
+            <a:endParaRPr lang="ko-KR" altLang="en-US"/>
+          </a:p>
+        </p:txBody>
+      </p:sp>
+      <p:sp>
+        <p:nvSpPr>
+          <p:cNvPr id="15" name="직사각형 14"/>
+          <p:cNvSpPr/>
+          <p:nvPr/>
+        </p:nvSpPr>
+        <p:spPr>
+          <a:xfrm>
+            <a:off x="2625634" y="2586446"/>
+            <a:ext cx="6230983" cy="574766"/>
+          </a:xfrm>
+          <a:prstGeom prst="rect">
+            <a:avLst/>
+          </a:prstGeom>
+        </p:spPr>
+        <p:style>
+          <a:lnRef idx="2">
+            <a:schemeClr val="accent1">
+              <a:shade val="50000"/>
+            </a:schemeClr>
+          </a:lnRef>
+          <a:fillRef idx="1">
+            <a:schemeClr val="accent1"/>
+          </a:fillRef>
+          <a:effectRef idx="0">
+            <a:schemeClr val="accent1"/>
+          </a:effectRef>
+          <a:fontRef idx="minor">
+            <a:schemeClr val="lt1"/>
+          </a:fontRef>
+        </p:style>
+        <p:txBody>
+          <a:bodyPr rtlCol="0" anchor="ctr"/>
+          <a:lstStyle/>
+          <a:p>
+            <a:pPr algn="ctr"/>
+            <a:endParaRPr lang="ko-KR" altLang="en-US"/>
+          </a:p>
+        </p:txBody>
+      </p:sp>
+      <p:sp>
+        <p:nvSpPr>
+          <p:cNvPr id="16" name="직사각형 15"/>
+          <p:cNvSpPr/>
+          <p:nvPr/>
+        </p:nvSpPr>
+        <p:spPr>
+          <a:xfrm>
+            <a:off x="2625634" y="3174274"/>
+            <a:ext cx="6230983" cy="574766"/>
+          </a:xfrm>
+          <a:prstGeom prst="rect">
+            <a:avLst/>
+          </a:prstGeom>
+        </p:spPr>
+        <p:style>
+          <a:lnRef idx="2">
+            <a:schemeClr val="accent1">
+              <a:shade val="50000"/>
+            </a:schemeClr>
+          </a:lnRef>
+          <a:fillRef idx="1">
+            <a:schemeClr val="accent1"/>
+          </a:fillRef>
+          <a:effectRef idx="0">
+            <a:schemeClr val="accent1"/>
+          </a:effectRef>
+          <a:fontRef idx="minor">
+            <a:schemeClr val="lt1"/>
+          </a:fontRef>
+        </p:style>
+        <p:txBody>
+          <a:bodyPr rtlCol="0" anchor="ctr"/>
+          <a:lstStyle/>
+          <a:p>
+            <a:pPr algn="ctr"/>
+            <a:endParaRPr lang="ko-KR" altLang="en-US"/>
+          </a:p>
+        </p:txBody>
+      </p:sp>
+      <p:sp>
+        <p:nvSpPr>
+          <p:cNvPr id="17" name="직사각형 16"/>
+          <p:cNvSpPr/>
+          <p:nvPr/>
+        </p:nvSpPr>
+        <p:spPr>
+          <a:xfrm>
+            <a:off x="2625634" y="3735978"/>
+            <a:ext cx="6230983" cy="574766"/>
+          </a:xfrm>
+          <a:prstGeom prst="rect">
+            <a:avLst/>
+          </a:prstGeom>
+        </p:spPr>
+        <p:style>
+          <a:lnRef idx="2">
+            <a:schemeClr val="accent1">
+              <a:shade val="50000"/>
+            </a:schemeClr>
+          </a:lnRef>
+          <a:fillRef idx="1">
+            <a:schemeClr val="accent1"/>
+          </a:fillRef>
+          <a:effectRef idx="0">
+            <a:schemeClr val="accent1"/>
+          </a:effectRef>
+          <a:fontRef idx="minor">
+            <a:schemeClr val="lt1"/>
+          </a:fontRef>
+        </p:style>
+        <p:txBody>
+          <a:bodyPr rtlCol="0" anchor="ctr"/>
+          <a:lstStyle/>
+          <a:p>
+            <a:pPr algn="ctr"/>
+            <a:endParaRPr lang="ko-KR" altLang="en-US"/>
+          </a:p>
+        </p:txBody>
+      </p:sp>
+      <p:sp>
+        <p:nvSpPr>
+          <p:cNvPr id="18" name="직사각형 17"/>
+          <p:cNvSpPr/>
+          <p:nvPr/>
+        </p:nvSpPr>
+        <p:spPr>
+          <a:xfrm>
+            <a:off x="2625634" y="4310744"/>
+            <a:ext cx="6230983" cy="574766"/>
+          </a:xfrm>
+          <a:prstGeom prst="rect">
+            <a:avLst/>
+          </a:prstGeom>
+        </p:spPr>
+        <p:style>
+          <a:lnRef idx="2">
+            <a:schemeClr val="accent1">
+              <a:shade val="50000"/>
+            </a:schemeClr>
+          </a:lnRef>
+          <a:fillRef idx="1">
+            <a:schemeClr val="accent1"/>
+          </a:fillRef>
+          <a:effectRef idx="0">
+            <a:schemeClr val="accent1"/>
+          </a:effectRef>
+          <a:fontRef idx="minor">
+            <a:schemeClr val="lt1"/>
+          </a:fontRef>
+        </p:style>
+        <p:txBody>
+          <a:bodyPr rtlCol="0" anchor="ctr"/>
+          <a:lstStyle/>
+          <a:p>
+            <a:pPr algn="ctr"/>
+            <a:endParaRPr lang="ko-KR" altLang="en-US"/>
+          </a:p>
+        </p:txBody>
+      </p:sp>
+      <p:sp>
+        <p:nvSpPr>
+          <p:cNvPr id="19" name="직사각형 18"/>
+          <p:cNvSpPr/>
+          <p:nvPr/>
+        </p:nvSpPr>
+        <p:spPr>
+          <a:xfrm>
+            <a:off x="2625634" y="4885510"/>
+            <a:ext cx="6230983" cy="574766"/>
+          </a:xfrm>
+          <a:prstGeom prst="rect">
+            <a:avLst/>
+          </a:prstGeom>
+        </p:spPr>
+        <p:style>
+          <a:lnRef idx="2">
+            <a:schemeClr val="accent1">
+              <a:shade val="50000"/>
+            </a:schemeClr>
+          </a:lnRef>
+          <a:fillRef idx="1">
+            <a:schemeClr val="accent1"/>
+          </a:fillRef>
+          <a:effectRef idx="0">
+            <a:schemeClr val="accent1"/>
+          </a:effectRef>
+          <a:fontRef idx="minor">
+            <a:schemeClr val="lt1"/>
+          </a:fontRef>
+        </p:style>
+        <p:txBody>
+          <a:bodyPr rtlCol="0" anchor="ctr"/>
+          <a:lstStyle/>
+          <a:p>
+            <a:pPr algn="ctr"/>
+            <a:endParaRPr lang="ko-KR" altLang="en-US"/>
+          </a:p>
+        </p:txBody>
+      </p:sp>
+      <p:sp>
+        <p:nvSpPr>
+          <p:cNvPr id="20" name="직사각형 19"/>
+          <p:cNvSpPr/>
+          <p:nvPr/>
+        </p:nvSpPr>
+        <p:spPr>
+          <a:xfrm>
+            <a:off x="2625634" y="5466805"/>
+            <a:ext cx="6230983" cy="574766"/>
+          </a:xfrm>
+          <a:prstGeom prst="rect">
+            <a:avLst/>
+          </a:prstGeom>
+        </p:spPr>
+        <p:style>
+          <a:lnRef idx="2">
+            <a:schemeClr val="accent1">
+              <a:shade val="50000"/>
+            </a:schemeClr>
+          </a:lnRef>
+          <a:fillRef idx="1">
+            <a:schemeClr val="accent1"/>
+          </a:fillRef>
+          <a:effectRef idx="0">
+            <a:schemeClr val="accent1"/>
+          </a:effectRef>
+          <a:fontRef idx="minor">
+            <a:schemeClr val="lt1"/>
+          </a:fontRef>
+        </p:style>
+        <p:txBody>
+          <a:bodyPr rtlCol="0" anchor="ctr"/>
+          <a:lstStyle/>
+          <a:p>
+            <a:pPr algn="ctr"/>
+            <a:endParaRPr lang="ko-KR" altLang="en-US"/>
+          </a:p>
+        </p:txBody>
+      </p:sp>
+      <p:sp>
+        <p:nvSpPr>
+          <p:cNvPr id="21" name="직사각형 20"/>
+          <p:cNvSpPr/>
+          <p:nvPr/>
+        </p:nvSpPr>
+        <p:spPr>
+          <a:xfrm>
+            <a:off x="2625634" y="6048100"/>
+            <a:ext cx="6230983" cy="574766"/>
+          </a:xfrm>
+          <a:prstGeom prst="rect">
+            <a:avLst/>
+          </a:prstGeom>
+        </p:spPr>
+        <p:style>
+          <a:lnRef idx="2">
+            <a:schemeClr val="accent1">
+              <a:shade val="50000"/>
+            </a:schemeClr>
+          </a:lnRef>
+          <a:fillRef idx="1">
+            <a:schemeClr val="accent1"/>
+          </a:fillRef>
+          <a:effectRef idx="0">
+            <a:schemeClr val="accent1"/>
+          </a:effectRef>
+          <a:fontRef idx="minor">
+            <a:schemeClr val="lt1"/>
+          </a:fontRef>
+        </p:style>
+        <p:txBody>
+          <a:bodyPr rtlCol="0" anchor="ctr"/>
+          <a:lstStyle/>
+          <a:p>
+            <a:pPr algn="ctr"/>
+            <a:endParaRPr lang="ko-KR" altLang="en-US"/>
+          </a:p>
+        </p:txBody>
+      </p:sp>
+    </p:spTree>
+    <p:extLst>
+      <p:ext uri="{BB962C8B-B14F-4D97-AF65-F5344CB8AC3E}">
+        <p14:creationId xmlns:p14="http://schemas.microsoft.com/office/powerpoint/2010/main" val="3505411548"/>
       </p:ext>
     </p:extLst>
   </p:cSld>
